--- a/Day_5/Lectures/Day_5_Lecture_1_Introduction_to_Deep_Learning.pptx
+++ b/Day_5/Lectures/Day_5_Lecture_1_Introduction_to_Deep_Learning.pptx
@@ -917,7 +917,7 @@
   <p:cSld>
     <p:spTree>
       <p:nvGrpSpPr>
-        <p:cNvPr id="249" name="Shape 249"/>
+        <p:cNvPr id="250" name="Shape 250"/>
         <p:cNvGrpSpPr/>
         <p:nvPr/>
       </p:nvGrpSpPr>
@@ -931,7 +931,7 @@
       </p:grpSpPr>
       <p:sp>
         <p:nvSpPr>
-          <p:cNvPr id="250" name="Google Shape;250;g1126c875379_0_32:notes"/>
+          <p:cNvPr id="251" name="Google Shape;251;g1126c875379_0_32:notes"/>
           <p:cNvSpPr/>
           <p:nvPr>
             <p:ph idx="2" type="sldImg"/>
@@ -966,7 +966,7 @@
       </p:sp>
       <p:sp>
         <p:nvSpPr>
-          <p:cNvPr id="251" name="Google Shape;251;g1126c875379_0_32:notes"/>
+          <p:cNvPr id="252" name="Google Shape;252;g1126c875379_0_32:notes"/>
           <p:cNvSpPr txBox="1"/>
           <p:nvPr>
             <p:ph idx="1" type="body"/>
@@ -1336,7 +1336,7 @@
   <p:cSld>
     <p:spTree>
       <p:nvGrpSpPr>
-        <p:cNvPr id="259" name="Shape 259"/>
+        <p:cNvPr id="260" name="Shape 260"/>
         <p:cNvGrpSpPr/>
         <p:nvPr/>
       </p:nvGrpSpPr>
@@ -1350,7 +1350,7 @@
       </p:grpSpPr>
       <p:sp>
         <p:nvSpPr>
-          <p:cNvPr id="260" name="Google Shape;260;g1126c875379_0_46:notes"/>
+          <p:cNvPr id="261" name="Google Shape;261;g1126c875379_0_46:notes"/>
           <p:cNvSpPr/>
           <p:nvPr>
             <p:ph idx="2" type="sldImg"/>
@@ -1385,7 +1385,7 @@
       </p:sp>
       <p:sp>
         <p:nvSpPr>
-          <p:cNvPr id="261" name="Google Shape;261;g1126c875379_0_46:notes"/>
+          <p:cNvPr id="262" name="Google Shape;262;g1126c875379_0_46:notes"/>
           <p:cNvSpPr txBox="1"/>
           <p:nvPr>
             <p:ph idx="1" type="body"/>
@@ -1755,7 +1755,7 @@
   <p:cSld>
     <p:spTree>
       <p:nvGrpSpPr>
-        <p:cNvPr id="269" name="Shape 269"/>
+        <p:cNvPr id="270" name="Shape 270"/>
         <p:cNvGrpSpPr/>
         <p:nvPr/>
       </p:nvGrpSpPr>
@@ -1769,7 +1769,7 @@
       </p:grpSpPr>
       <p:sp>
         <p:nvSpPr>
-          <p:cNvPr id="270" name="Google Shape;270;g1126c875379_0_55:notes"/>
+          <p:cNvPr id="271" name="Google Shape;271;g1126c875379_0_55:notes"/>
           <p:cNvSpPr/>
           <p:nvPr>
             <p:ph idx="2" type="sldImg"/>
@@ -1804,7 +1804,7 @@
       </p:sp>
       <p:sp>
         <p:nvSpPr>
-          <p:cNvPr id="271" name="Google Shape;271;g1126c875379_0_55:notes"/>
+          <p:cNvPr id="272" name="Google Shape;272;g1126c875379_0_55:notes"/>
           <p:cNvSpPr txBox="1"/>
           <p:nvPr>
             <p:ph idx="1" type="body"/>
@@ -2174,7 +2174,7 @@
   <p:cSld>
     <p:spTree>
       <p:nvGrpSpPr>
-        <p:cNvPr id="279" name="Shape 279"/>
+        <p:cNvPr id="280" name="Shape 280"/>
         <p:cNvGrpSpPr/>
         <p:nvPr/>
       </p:nvGrpSpPr>
@@ -2188,7 +2188,7 @@
       </p:grpSpPr>
       <p:sp>
         <p:nvSpPr>
-          <p:cNvPr id="280" name="Google Shape;280;g1126c875379_0_64:notes"/>
+          <p:cNvPr id="281" name="Google Shape;281;g1126c875379_0_64:notes"/>
           <p:cNvSpPr/>
           <p:nvPr>
             <p:ph idx="2" type="sldImg"/>
@@ -2223,7 +2223,7 @@
       </p:sp>
       <p:sp>
         <p:nvSpPr>
-          <p:cNvPr id="281" name="Google Shape;281;g1126c875379_0_64:notes"/>
+          <p:cNvPr id="282" name="Google Shape;282;g1126c875379_0_64:notes"/>
           <p:cNvSpPr txBox="1"/>
           <p:nvPr>
             <p:ph idx="1" type="body"/>
@@ -2593,7 +2593,7 @@
   <p:cSld>
     <p:spTree>
       <p:nvGrpSpPr>
-        <p:cNvPr id="289" name="Shape 289"/>
+        <p:cNvPr id="290" name="Shape 290"/>
         <p:cNvGrpSpPr/>
         <p:nvPr/>
       </p:nvGrpSpPr>
@@ -2607,7 +2607,7 @@
       </p:grpSpPr>
       <p:sp>
         <p:nvSpPr>
-          <p:cNvPr id="290" name="Google Shape;290;g116be71d717_0_0:notes"/>
+          <p:cNvPr id="291" name="Google Shape;291;g116be71d717_0_0:notes"/>
           <p:cNvSpPr/>
           <p:nvPr>
             <p:ph idx="2" type="sldImg"/>
@@ -2642,7 +2642,7 @@
       </p:sp>
       <p:sp>
         <p:nvSpPr>
-          <p:cNvPr id="291" name="Google Shape;291;g116be71d717_0_0:notes"/>
+          <p:cNvPr id="292" name="Google Shape;292;g116be71d717_0_0:notes"/>
           <p:cNvSpPr txBox="1"/>
           <p:nvPr>
             <p:ph idx="1" type="body"/>
@@ -3012,7 +3012,7 @@
   <p:cSld>
     <p:spTree>
       <p:nvGrpSpPr>
-        <p:cNvPr id="299" name="Shape 299"/>
+        <p:cNvPr id="300" name="Shape 300"/>
         <p:cNvGrpSpPr/>
         <p:nvPr/>
       </p:nvGrpSpPr>
@@ -3026,7 +3026,7 @@
       </p:grpSpPr>
       <p:sp>
         <p:nvSpPr>
-          <p:cNvPr id="300" name="Google Shape;300;g1126c875379_0_73:notes"/>
+          <p:cNvPr id="301" name="Google Shape;301;g1126c875379_0_73:notes"/>
           <p:cNvSpPr/>
           <p:nvPr>
             <p:ph idx="2" type="sldImg"/>
@@ -3061,7 +3061,7 @@
       </p:sp>
       <p:sp>
         <p:nvSpPr>
-          <p:cNvPr id="301" name="Google Shape;301;g1126c875379_0_73:notes"/>
+          <p:cNvPr id="302" name="Google Shape;302;g1126c875379_0_73:notes"/>
           <p:cNvSpPr txBox="1"/>
           <p:nvPr>
             <p:ph idx="1" type="body"/>
@@ -3431,7 +3431,7 @@
   <p:cSld>
     <p:spTree>
       <p:nvGrpSpPr>
-        <p:cNvPr id="310" name="Shape 310"/>
+        <p:cNvPr id="311" name="Shape 311"/>
         <p:cNvGrpSpPr/>
         <p:nvPr/>
       </p:nvGrpSpPr>
@@ -3445,7 +3445,7 @@
       </p:grpSpPr>
       <p:sp>
         <p:nvSpPr>
-          <p:cNvPr id="311" name="Google Shape;311;g1126c875379_0_85:notes"/>
+          <p:cNvPr id="312" name="Google Shape;312;g1126c875379_0_85:notes"/>
           <p:cNvSpPr/>
           <p:nvPr>
             <p:ph idx="2" type="sldImg"/>
@@ -3480,7 +3480,7 @@
       </p:sp>
       <p:sp>
         <p:nvSpPr>
-          <p:cNvPr id="312" name="Google Shape;312;g1126c875379_0_85:notes"/>
+          <p:cNvPr id="313" name="Google Shape;313;g1126c875379_0_85:notes"/>
           <p:cNvSpPr txBox="1"/>
           <p:nvPr>
             <p:ph idx="1" type="body"/>
@@ -3850,7 +3850,7 @@
   <p:cSld>
     <p:spTree>
       <p:nvGrpSpPr>
-        <p:cNvPr id="320" name="Shape 320"/>
+        <p:cNvPr id="321" name="Shape 321"/>
         <p:cNvGrpSpPr/>
         <p:nvPr/>
       </p:nvGrpSpPr>
@@ -3864,7 +3864,7 @@
       </p:grpSpPr>
       <p:sp>
         <p:nvSpPr>
-          <p:cNvPr id="321" name="Google Shape;321;g1126c875379_0_97:notes"/>
+          <p:cNvPr id="322" name="Google Shape;322;g1126c875379_0_97:notes"/>
           <p:cNvSpPr/>
           <p:nvPr>
             <p:ph idx="2" type="sldImg"/>
@@ -3899,7 +3899,7 @@
       </p:sp>
       <p:sp>
         <p:nvSpPr>
-          <p:cNvPr id="322" name="Google Shape;322;g1126c875379_0_97:notes"/>
+          <p:cNvPr id="323" name="Google Shape;323;g1126c875379_0_97:notes"/>
           <p:cNvSpPr txBox="1"/>
           <p:nvPr>
             <p:ph idx="1" type="body"/>
@@ -4269,7 +4269,7 @@
   <p:cSld>
     <p:spTree>
       <p:nvGrpSpPr>
-        <p:cNvPr id="330" name="Shape 330"/>
+        <p:cNvPr id="331" name="Shape 331"/>
         <p:cNvGrpSpPr/>
         <p:nvPr/>
       </p:nvGrpSpPr>
@@ -4283,7 +4283,7 @@
       </p:grpSpPr>
       <p:sp>
         <p:nvSpPr>
-          <p:cNvPr id="331" name="Google Shape;331;g1126c875379_0_107:notes"/>
+          <p:cNvPr id="332" name="Google Shape;332;g1126c875379_0_107:notes"/>
           <p:cNvSpPr/>
           <p:nvPr>
             <p:ph idx="2" type="sldImg"/>
@@ -4318,7 +4318,7 @@
       </p:sp>
       <p:sp>
         <p:nvSpPr>
-          <p:cNvPr id="332" name="Google Shape;332;g1126c875379_0_107:notes"/>
+          <p:cNvPr id="333" name="Google Shape;333;g1126c875379_0_107:notes"/>
           <p:cNvSpPr txBox="1"/>
           <p:nvPr>
             <p:ph idx="1" type="body"/>
@@ -4688,7 +4688,7 @@
   <p:cSld>
     <p:spTree>
       <p:nvGrpSpPr>
-        <p:cNvPr id="340" name="Shape 340"/>
+        <p:cNvPr id="341" name="Shape 341"/>
         <p:cNvGrpSpPr/>
         <p:nvPr/>
       </p:nvGrpSpPr>
@@ -4702,7 +4702,7 @@
       </p:grpSpPr>
       <p:sp>
         <p:nvSpPr>
-          <p:cNvPr id="341" name="Google Shape;341;g1126c875379_0_116:notes"/>
+          <p:cNvPr id="342" name="Google Shape;342;g1126c875379_0_116:notes"/>
           <p:cNvSpPr/>
           <p:nvPr>
             <p:ph idx="2" type="sldImg"/>
@@ -4737,7 +4737,7 @@
       </p:sp>
       <p:sp>
         <p:nvSpPr>
-          <p:cNvPr id="342" name="Google Shape;342;g1126c875379_0_116:notes"/>
+          <p:cNvPr id="343" name="Google Shape;343;g1126c875379_0_116:notes"/>
           <p:cNvSpPr txBox="1"/>
           <p:nvPr>
             <p:ph idx="1" type="body"/>
@@ -5107,7 +5107,7 @@
   <p:cSld>
     <p:spTree>
       <p:nvGrpSpPr>
-        <p:cNvPr id="179" name="Shape 179"/>
+        <p:cNvPr id="180" name="Shape 180"/>
         <p:cNvGrpSpPr/>
         <p:nvPr/>
       </p:nvGrpSpPr>
@@ -5121,7 +5121,7 @@
       </p:grpSpPr>
       <p:sp>
         <p:nvSpPr>
-          <p:cNvPr id="180" name="Google Shape;180;g129c2c475a1_0_156:notes"/>
+          <p:cNvPr id="181" name="Google Shape;181;g129c2c475a1_0_156:notes"/>
           <p:cNvSpPr/>
           <p:nvPr>
             <p:ph idx="2" type="sldImg"/>
@@ -5156,7 +5156,7 @@
       </p:sp>
       <p:sp>
         <p:nvSpPr>
-          <p:cNvPr id="181" name="Google Shape;181;g129c2c475a1_0_156:notes"/>
+          <p:cNvPr id="182" name="Google Shape;182;g129c2c475a1_0_156:notes"/>
           <p:cNvSpPr txBox="1"/>
           <p:nvPr>
             <p:ph idx="1" type="body"/>
@@ -5206,7 +5206,7 @@
   <p:cSld>
     <p:spTree>
       <p:nvGrpSpPr>
-        <p:cNvPr id="350" name="Shape 350"/>
+        <p:cNvPr id="351" name="Shape 351"/>
         <p:cNvGrpSpPr/>
         <p:nvPr/>
       </p:nvGrpSpPr>
@@ -5220,7 +5220,7 @@
       </p:grpSpPr>
       <p:sp>
         <p:nvSpPr>
-          <p:cNvPr id="351" name="Google Shape;351;g1126c875379_0_126:notes"/>
+          <p:cNvPr id="352" name="Google Shape;352;g1126c875379_0_126:notes"/>
           <p:cNvSpPr/>
           <p:nvPr>
             <p:ph idx="2" type="sldImg"/>
@@ -5255,7 +5255,7 @@
       </p:sp>
       <p:sp>
         <p:nvSpPr>
-          <p:cNvPr id="352" name="Google Shape;352;g1126c875379_0_126:notes"/>
+          <p:cNvPr id="353" name="Google Shape;353;g1126c875379_0_126:notes"/>
           <p:cNvSpPr txBox="1"/>
           <p:nvPr>
             <p:ph idx="1" type="body"/>
@@ -5625,7 +5625,7 @@
   <p:cSld>
     <p:spTree>
       <p:nvGrpSpPr>
-        <p:cNvPr id="358" name="Shape 358"/>
+        <p:cNvPr id="359" name="Shape 359"/>
         <p:cNvGrpSpPr/>
         <p:nvPr/>
       </p:nvGrpSpPr>
@@ -5639,7 +5639,7 @@
       </p:grpSpPr>
       <p:sp>
         <p:nvSpPr>
-          <p:cNvPr id="359" name="Google Shape;359;g1126c875379_0_134:notes"/>
+          <p:cNvPr id="360" name="Google Shape;360;g1126c875379_0_134:notes"/>
           <p:cNvSpPr/>
           <p:nvPr>
             <p:ph idx="2" type="sldImg"/>
@@ -5674,7 +5674,7 @@
       </p:sp>
       <p:sp>
         <p:nvSpPr>
-          <p:cNvPr id="360" name="Google Shape;360;g1126c875379_0_134:notes"/>
+          <p:cNvPr id="361" name="Google Shape;361;g1126c875379_0_134:notes"/>
           <p:cNvSpPr txBox="1"/>
           <p:nvPr>
             <p:ph idx="1" type="body"/>
@@ -6044,7 +6044,7 @@
   <p:cSld>
     <p:spTree>
       <p:nvGrpSpPr>
-        <p:cNvPr id="366" name="Shape 366"/>
+        <p:cNvPr id="367" name="Shape 367"/>
         <p:cNvGrpSpPr/>
         <p:nvPr/>
       </p:nvGrpSpPr>
@@ -6058,7 +6058,7 @@
       </p:grpSpPr>
       <p:sp>
         <p:nvSpPr>
-          <p:cNvPr id="367" name="Google Shape;367;g1126c875379_0_140:notes"/>
+          <p:cNvPr id="368" name="Google Shape;368;g1126c875379_0_140:notes"/>
           <p:cNvSpPr/>
           <p:nvPr>
             <p:ph idx="2" type="sldImg"/>
@@ -6093,7 +6093,7 @@
       </p:sp>
       <p:sp>
         <p:nvSpPr>
-          <p:cNvPr id="368" name="Google Shape;368;g1126c875379_0_140:notes"/>
+          <p:cNvPr id="369" name="Google Shape;369;g1126c875379_0_140:notes"/>
           <p:cNvSpPr txBox="1"/>
           <p:nvPr>
             <p:ph idx="1" type="body"/>
@@ -6463,7 +6463,7 @@
   <p:cSld>
     <p:spTree>
       <p:nvGrpSpPr>
-        <p:cNvPr id="374" name="Shape 374"/>
+        <p:cNvPr id="375" name="Shape 375"/>
         <p:cNvGrpSpPr/>
         <p:nvPr/>
       </p:nvGrpSpPr>
@@ -6477,7 +6477,7 @@
       </p:grpSpPr>
       <p:sp>
         <p:nvSpPr>
-          <p:cNvPr id="375" name="Google Shape;375;g1126c875379_0_146:notes"/>
+          <p:cNvPr id="376" name="Google Shape;376;g1126c875379_0_146:notes"/>
           <p:cNvSpPr/>
           <p:nvPr>
             <p:ph idx="2" type="sldImg"/>
@@ -6512,7 +6512,7 @@
       </p:sp>
       <p:sp>
         <p:nvSpPr>
-          <p:cNvPr id="376" name="Google Shape;376;g1126c875379_0_146:notes"/>
+          <p:cNvPr id="377" name="Google Shape;377;g1126c875379_0_146:notes"/>
           <p:cNvSpPr txBox="1"/>
           <p:nvPr>
             <p:ph idx="1" type="body"/>
@@ -6882,7 +6882,7 @@
   <p:cSld>
     <p:spTree>
       <p:nvGrpSpPr>
-        <p:cNvPr id="385" name="Shape 385"/>
+        <p:cNvPr id="386" name="Shape 386"/>
         <p:cNvGrpSpPr/>
         <p:nvPr/>
       </p:nvGrpSpPr>
@@ -6896,7 +6896,7 @@
       </p:grpSpPr>
       <p:sp>
         <p:nvSpPr>
-          <p:cNvPr id="386" name="Google Shape;386;g1126c875379_0_166:notes"/>
+          <p:cNvPr id="387" name="Google Shape;387;g1126c875379_0_166:notes"/>
           <p:cNvSpPr/>
           <p:nvPr>
             <p:ph idx="2" type="sldImg"/>
@@ -6931,7 +6931,7 @@
       </p:sp>
       <p:sp>
         <p:nvSpPr>
-          <p:cNvPr id="387" name="Google Shape;387;g1126c875379_0_166:notes"/>
+          <p:cNvPr id="388" name="Google Shape;388;g1126c875379_0_166:notes"/>
           <p:cNvSpPr txBox="1"/>
           <p:nvPr>
             <p:ph idx="1" type="body"/>
@@ -7301,7 +7301,7 @@
   <p:cSld>
     <p:spTree>
       <p:nvGrpSpPr>
-        <p:cNvPr id="395" name="Shape 395"/>
+        <p:cNvPr id="396" name="Shape 396"/>
         <p:cNvGrpSpPr/>
         <p:nvPr/>
       </p:nvGrpSpPr>
@@ -7315,7 +7315,7 @@
       </p:grpSpPr>
       <p:sp>
         <p:nvSpPr>
-          <p:cNvPr id="396" name="Google Shape;396;g1126c875379_0_183:notes"/>
+          <p:cNvPr id="397" name="Google Shape;397;g1126c875379_0_183:notes"/>
           <p:cNvSpPr/>
           <p:nvPr>
             <p:ph idx="2" type="sldImg"/>
@@ -7350,7 +7350,7 @@
       </p:sp>
       <p:sp>
         <p:nvSpPr>
-          <p:cNvPr id="397" name="Google Shape;397;g1126c875379_0_183:notes"/>
+          <p:cNvPr id="398" name="Google Shape;398;g1126c875379_0_183:notes"/>
           <p:cNvSpPr txBox="1"/>
           <p:nvPr>
             <p:ph idx="1" type="body"/>
@@ -7720,7 +7720,7 @@
   <p:cSld>
     <p:spTree>
       <p:nvGrpSpPr>
-        <p:cNvPr id="405" name="Shape 405"/>
+        <p:cNvPr id="406" name="Shape 406"/>
         <p:cNvGrpSpPr/>
         <p:nvPr/>
       </p:nvGrpSpPr>
@@ -7734,7 +7734,7 @@
       </p:grpSpPr>
       <p:sp>
         <p:nvSpPr>
-          <p:cNvPr id="406" name="Google Shape;406;g1126c875379_0_193:notes"/>
+          <p:cNvPr id="407" name="Google Shape;407;g1126c875379_0_193:notes"/>
           <p:cNvSpPr/>
           <p:nvPr>
             <p:ph idx="2" type="sldImg"/>
@@ -7769,7 +7769,7 @@
       </p:sp>
       <p:sp>
         <p:nvSpPr>
-          <p:cNvPr id="407" name="Google Shape;407;g1126c875379_0_193:notes"/>
+          <p:cNvPr id="408" name="Google Shape;408;g1126c875379_0_193:notes"/>
           <p:cNvSpPr txBox="1"/>
           <p:nvPr>
             <p:ph idx="1" type="body"/>
@@ -8139,7 +8139,7 @@
   <p:cSld>
     <p:spTree>
       <p:nvGrpSpPr>
-        <p:cNvPr id="413" name="Shape 413"/>
+        <p:cNvPr id="414" name="Shape 414"/>
         <p:cNvGrpSpPr/>
         <p:nvPr/>
       </p:nvGrpSpPr>
@@ -8153,7 +8153,7 @@
       </p:grpSpPr>
       <p:sp>
         <p:nvSpPr>
-          <p:cNvPr id="414" name="Google Shape;414;g11e66af5a24_0_0:notes"/>
+          <p:cNvPr id="415" name="Google Shape;415;g11e66af5a24_0_0:notes"/>
           <p:cNvSpPr/>
           <p:nvPr>
             <p:ph idx="2" type="sldImg"/>
@@ -8188,7 +8188,7 @@
       </p:sp>
       <p:sp>
         <p:nvSpPr>
-          <p:cNvPr id="415" name="Google Shape;415;g11e66af5a24_0_0:notes"/>
+          <p:cNvPr id="416" name="Google Shape;416;g11e66af5a24_0_0:notes"/>
           <p:cNvSpPr txBox="1"/>
           <p:nvPr>
             <p:ph idx="1" type="body"/>
@@ -8558,7 +8558,7 @@
   <p:cSld>
     <p:spTree>
       <p:nvGrpSpPr>
-        <p:cNvPr id="422" name="Shape 422"/>
+        <p:cNvPr id="423" name="Shape 423"/>
         <p:cNvGrpSpPr/>
         <p:nvPr/>
       </p:nvGrpSpPr>
@@ -8572,7 +8572,7 @@
       </p:grpSpPr>
       <p:sp>
         <p:nvSpPr>
-          <p:cNvPr id="423" name="Google Shape;423;g126f43ec652_0_94:notes"/>
+          <p:cNvPr id="424" name="Google Shape;424;g126f43ec652_0_94:notes"/>
           <p:cNvSpPr/>
           <p:nvPr>
             <p:ph idx="2" type="sldImg"/>
@@ -8607,7 +8607,7 @@
       </p:sp>
       <p:sp>
         <p:nvSpPr>
-          <p:cNvPr id="424" name="Google Shape;424;g126f43ec652_0_94:notes"/>
+          <p:cNvPr id="425" name="Google Shape;425;g126f43ec652_0_94:notes"/>
           <p:cNvSpPr txBox="1"/>
           <p:nvPr>
             <p:ph idx="1" type="body"/>
@@ -8657,7 +8657,7 @@
   <p:cSld>
     <p:spTree>
       <p:nvGrpSpPr>
-        <p:cNvPr id="439" name="Shape 439"/>
+        <p:cNvPr id="440" name="Shape 440"/>
         <p:cNvGrpSpPr/>
         <p:nvPr/>
       </p:nvGrpSpPr>
@@ -8671,7 +8671,7 @@
       </p:grpSpPr>
       <p:sp>
         <p:nvSpPr>
-          <p:cNvPr id="440" name="Google Shape;440;g110cd4518f6_0_0:notes"/>
+          <p:cNvPr id="441" name="Google Shape;441;g110cd4518f6_0_0:notes"/>
           <p:cNvSpPr/>
           <p:nvPr>
             <p:ph idx="2" type="sldImg"/>
@@ -8706,7 +8706,7 @@
       </p:sp>
       <p:sp>
         <p:nvSpPr>
-          <p:cNvPr id="441" name="Google Shape;441;g110cd4518f6_0_0:notes"/>
+          <p:cNvPr id="442" name="Google Shape;442;g110cd4518f6_0_0:notes"/>
           <p:cNvSpPr txBox="1"/>
           <p:nvPr>
             <p:ph idx="1" type="body"/>
@@ -8756,7 +8756,7 @@
   <p:cSld>
     <p:spTree>
       <p:nvGrpSpPr>
-        <p:cNvPr id="188" name="Shape 188"/>
+        <p:cNvPr id="189" name="Shape 189"/>
         <p:cNvGrpSpPr/>
         <p:nvPr/>
       </p:nvGrpSpPr>
@@ -8770,7 +8770,7 @@
       </p:grpSpPr>
       <p:sp>
         <p:nvSpPr>
-          <p:cNvPr id="189" name="Google Shape;189;g129c2c475a1_0_208:notes"/>
+          <p:cNvPr id="190" name="Google Shape;190;g129c2c475a1_0_208:notes"/>
           <p:cNvSpPr/>
           <p:nvPr>
             <p:ph idx="2" type="sldImg"/>
@@ -8805,7 +8805,7 @@
       </p:sp>
       <p:sp>
         <p:nvSpPr>
-          <p:cNvPr id="190" name="Google Shape;190;g129c2c475a1_0_208:notes"/>
+          <p:cNvPr id="191" name="Google Shape;191;g129c2c475a1_0_208:notes"/>
           <p:cNvSpPr txBox="1"/>
           <p:nvPr>
             <p:ph idx="1" type="body"/>
@@ -8855,7 +8855,7 @@
   <p:cSld>
     <p:spTree>
       <p:nvGrpSpPr>
-        <p:cNvPr id="196" name="Shape 196"/>
+        <p:cNvPr id="197" name="Shape 197"/>
         <p:cNvGrpSpPr/>
         <p:nvPr/>
       </p:nvGrpSpPr>
@@ -8869,7 +8869,7 @@
       </p:grpSpPr>
       <p:sp>
         <p:nvSpPr>
-          <p:cNvPr id="197" name="Google Shape;197;g129d4660fea_0_54:notes"/>
+          <p:cNvPr id="198" name="Google Shape;198;g129d4660fea_0_54:notes"/>
           <p:cNvSpPr/>
           <p:nvPr>
             <p:ph idx="2" type="sldImg"/>
@@ -8904,7 +8904,7 @@
       </p:sp>
       <p:sp>
         <p:nvSpPr>
-          <p:cNvPr id="198" name="Google Shape;198;g129d4660fea_0_54:notes"/>
+          <p:cNvPr id="199" name="Google Shape;199;g129d4660fea_0_54:notes"/>
           <p:cNvSpPr txBox="1"/>
           <p:nvPr>
             <p:ph idx="1" type="body"/>
@@ -8954,7 +8954,7 @@
   <p:cSld>
     <p:spTree>
       <p:nvGrpSpPr>
-        <p:cNvPr id="205" name="Shape 205"/>
+        <p:cNvPr id="206" name="Shape 206"/>
         <p:cNvGrpSpPr/>
         <p:nvPr/>
       </p:nvGrpSpPr>
@@ -8968,7 +8968,7 @@
       </p:grpSpPr>
       <p:sp>
         <p:nvSpPr>
-          <p:cNvPr id="206" name="Google Shape;206;g10c858bddf3_0_0:notes"/>
+          <p:cNvPr id="207" name="Google Shape;207;g10c858bddf3_0_0:notes"/>
           <p:cNvSpPr/>
           <p:nvPr>
             <p:ph idx="2" type="sldImg"/>
@@ -9003,7 +9003,7 @@
       </p:sp>
       <p:sp>
         <p:nvSpPr>
-          <p:cNvPr id="207" name="Google Shape;207;g10c858bddf3_0_0:notes"/>
+          <p:cNvPr id="208" name="Google Shape;208;g10c858bddf3_0_0:notes"/>
           <p:cNvSpPr txBox="1"/>
           <p:nvPr>
             <p:ph idx="1" type="body"/>
@@ -9053,7 +9053,7 @@
   <p:cSld>
     <p:spTree>
       <p:nvGrpSpPr>
-        <p:cNvPr id="213" name="Shape 213"/>
+        <p:cNvPr id="214" name="Shape 214"/>
         <p:cNvGrpSpPr/>
         <p:nvPr/>
       </p:nvGrpSpPr>
@@ -9067,7 +9067,7 @@
       </p:grpSpPr>
       <p:sp>
         <p:nvSpPr>
-          <p:cNvPr id="214" name="Google Shape;214;g1126c875379_0_1:notes"/>
+          <p:cNvPr id="215" name="Google Shape;215;g1126c875379_0_1:notes"/>
           <p:cNvSpPr/>
           <p:nvPr>
             <p:ph idx="2" type="sldImg"/>
@@ -9102,7 +9102,7 @@
       </p:sp>
       <p:sp>
         <p:nvSpPr>
-          <p:cNvPr id="215" name="Google Shape;215;g1126c875379_0_1:notes"/>
+          <p:cNvPr id="216" name="Google Shape;216;g1126c875379_0_1:notes"/>
           <p:cNvSpPr txBox="1"/>
           <p:nvPr>
             <p:ph idx="1" type="body"/>
@@ -9152,7 +9152,7 @@
   <p:cSld>
     <p:spTree>
       <p:nvGrpSpPr>
-        <p:cNvPr id="221" name="Shape 221"/>
+        <p:cNvPr id="222" name="Shape 222"/>
         <p:cNvGrpSpPr/>
         <p:nvPr/>
       </p:nvGrpSpPr>
@@ -9166,7 +9166,7 @@
       </p:grpSpPr>
       <p:sp>
         <p:nvSpPr>
-          <p:cNvPr id="222" name="Google Shape;222;g1126c875379_0_7:notes"/>
+          <p:cNvPr id="223" name="Google Shape;223;g1126c875379_0_7:notes"/>
           <p:cNvSpPr/>
           <p:nvPr>
             <p:ph idx="2" type="sldImg"/>
@@ -9201,7 +9201,7 @@
       </p:sp>
       <p:sp>
         <p:nvSpPr>
-          <p:cNvPr id="223" name="Google Shape;223;g1126c875379_0_7:notes"/>
+          <p:cNvPr id="224" name="Google Shape;224;g1126c875379_0_7:notes"/>
           <p:cNvSpPr txBox="1"/>
           <p:nvPr>
             <p:ph idx="1" type="body"/>
@@ -9251,7 +9251,7 @@
   <p:cSld>
     <p:spTree>
       <p:nvGrpSpPr>
-        <p:cNvPr id="231" name="Shape 231"/>
+        <p:cNvPr id="232" name="Shape 232"/>
         <p:cNvGrpSpPr/>
         <p:nvPr/>
       </p:nvGrpSpPr>
@@ -9265,7 +9265,7 @@
       </p:grpSpPr>
       <p:sp>
         <p:nvSpPr>
-          <p:cNvPr id="232" name="Google Shape;232;g1126c875379_0_15:notes"/>
+          <p:cNvPr id="233" name="Google Shape;233;g1126c875379_0_15:notes"/>
           <p:cNvSpPr/>
           <p:nvPr>
             <p:ph idx="2" type="sldImg"/>
@@ -9300,7 +9300,7 @@
       </p:sp>
       <p:sp>
         <p:nvSpPr>
-          <p:cNvPr id="233" name="Google Shape;233;g1126c875379_0_15:notes"/>
+          <p:cNvPr id="234" name="Google Shape;234;g1126c875379_0_15:notes"/>
           <p:cNvSpPr txBox="1"/>
           <p:nvPr>
             <p:ph idx="1" type="body"/>
@@ -9350,7 +9350,7 @@
   <p:cSld>
     <p:spTree>
       <p:nvGrpSpPr>
-        <p:cNvPr id="239" name="Shape 239"/>
+        <p:cNvPr id="240" name="Shape 240"/>
         <p:cNvGrpSpPr/>
         <p:nvPr/>
       </p:nvGrpSpPr>
@@ -9364,7 +9364,7 @@
       </p:grpSpPr>
       <p:sp>
         <p:nvSpPr>
-          <p:cNvPr id="240" name="Google Shape;240;g1126c875379_0_23:notes"/>
+          <p:cNvPr id="241" name="Google Shape;241;g1126c875379_0_23:notes"/>
           <p:cNvSpPr/>
           <p:nvPr>
             <p:ph idx="2" type="sldImg"/>
@@ -9399,7 +9399,7 @@
       </p:sp>
       <p:sp>
         <p:nvSpPr>
-          <p:cNvPr id="241" name="Google Shape;241;g1126c875379_0_23:notes"/>
+          <p:cNvPr id="242" name="Google Shape;242;g1126c875379_0_23:notes"/>
           <p:cNvSpPr txBox="1"/>
           <p:nvPr>
             <p:ph idx="1" type="body"/>
@@ -25758,6 +25758,34 @@
           </a:p>
         </p:txBody>
       </p:sp>
+      <p:pic>
+        <p:nvPicPr>
+          <p:cNvPr id="179" name="Google Shape;179;p37"/>
+          <p:cNvPicPr preferRelativeResize="0"/>
+          <p:nvPr/>
+        </p:nvPicPr>
+        <p:blipFill>
+          <a:blip r:embed="rId5">
+            <a:alphaModFix/>
+          </a:blip>
+          <a:stretch>
+            <a:fillRect/>
+          </a:stretch>
+        </p:blipFill>
+        <p:spPr>
+          <a:xfrm>
+            <a:off x="7959900" y="3603500"/>
+            <a:ext cx="872400" cy="872400"/>
+          </a:xfrm>
+          <a:prstGeom prst="rect">
+            <a:avLst/>
+          </a:prstGeom>
+          <a:noFill/>
+          <a:ln>
+            <a:noFill/>
+          </a:ln>
+        </p:spPr>
+      </p:pic>
     </p:spTree>
   </p:cSld>
   <p:clrMapOvr>
@@ -25771,7 +25799,7 @@
   <p:cSld>
     <p:spTree>
       <p:nvGrpSpPr>
-        <p:cNvPr id="252" name="Shape 252"/>
+        <p:cNvPr id="253" name="Shape 253"/>
         <p:cNvGrpSpPr/>
         <p:nvPr/>
       </p:nvGrpSpPr>
@@ -25785,7 +25813,7 @@
       </p:grpSpPr>
       <p:pic>
         <p:nvPicPr>
-          <p:cNvPr id="253" name="Google Shape;253;p46"/>
+          <p:cNvPr id="254" name="Google Shape;254;p46"/>
           <p:cNvPicPr preferRelativeResize="0"/>
           <p:nvPr/>
         </p:nvPicPr>
@@ -25813,7 +25841,7 @@
       </p:pic>
       <p:sp>
         <p:nvSpPr>
-          <p:cNvPr id="254" name="Google Shape;254;p46"/>
+          <p:cNvPr id="255" name="Google Shape;255;p46"/>
           <p:cNvSpPr txBox="1"/>
           <p:nvPr>
             <p:ph type="title"/>
@@ -25861,7 +25889,7 @@
       </p:sp>
       <p:sp>
         <p:nvSpPr>
-          <p:cNvPr id="255" name="Google Shape;255;p46"/>
+          <p:cNvPr id="256" name="Google Shape;256;p46"/>
           <p:cNvSpPr txBox="1"/>
           <p:nvPr>
             <p:ph idx="4294967295" type="body"/>
@@ -25953,7 +25981,7 @@
       </p:sp>
       <p:sp>
         <p:nvSpPr>
-          <p:cNvPr id="256" name="Google Shape;256;p46"/>
+          <p:cNvPr id="257" name="Google Shape;257;p46"/>
           <p:cNvSpPr txBox="1"/>
           <p:nvPr>
             <p:ph idx="12" type="sldNum"/>
@@ -26001,7 +26029,7 @@
       </p:sp>
       <p:sp>
         <p:nvSpPr>
-          <p:cNvPr id="257" name="Google Shape;257;p46"/>
+          <p:cNvPr id="258" name="Google Shape;258;p46"/>
           <p:cNvSpPr txBox="1"/>
           <p:nvPr/>
         </p:nvSpPr>
@@ -26053,7 +26081,7 @@
       </p:sp>
       <p:pic>
         <p:nvPicPr>
-          <p:cNvPr id="258" name="Google Shape;258;p46"/>
+          <p:cNvPr id="259" name="Google Shape;259;p46"/>
           <p:cNvPicPr preferRelativeResize="0"/>
           <p:nvPr/>
         </p:nvPicPr>
@@ -26092,7 +26120,7 @@
   <p:cSld>
     <p:spTree>
       <p:nvGrpSpPr>
-        <p:cNvPr id="262" name="Shape 262"/>
+        <p:cNvPr id="263" name="Shape 263"/>
         <p:cNvGrpSpPr/>
         <p:nvPr/>
       </p:nvGrpSpPr>
@@ -26106,7 +26134,7 @@
       </p:grpSpPr>
       <p:pic>
         <p:nvPicPr>
-          <p:cNvPr id="263" name="Google Shape;263;p47"/>
+          <p:cNvPr id="264" name="Google Shape;264;p47"/>
           <p:cNvPicPr preferRelativeResize="0"/>
           <p:nvPr/>
         </p:nvPicPr>
@@ -26134,7 +26162,7 @@
       </p:pic>
       <p:sp>
         <p:nvSpPr>
-          <p:cNvPr id="264" name="Google Shape;264;p47"/>
+          <p:cNvPr id="265" name="Google Shape;265;p47"/>
           <p:cNvSpPr txBox="1"/>
           <p:nvPr>
             <p:ph type="title"/>
@@ -26182,7 +26210,7 @@
       </p:sp>
       <p:sp>
         <p:nvSpPr>
-          <p:cNvPr id="265" name="Google Shape;265;p47"/>
+          <p:cNvPr id="266" name="Google Shape;266;p47"/>
           <p:cNvSpPr txBox="1"/>
           <p:nvPr>
             <p:ph idx="4294967295" type="body"/>
@@ -26276,7 +26304,7 @@
       </p:sp>
       <p:sp>
         <p:nvSpPr>
-          <p:cNvPr id="266" name="Google Shape;266;p47"/>
+          <p:cNvPr id="267" name="Google Shape;267;p47"/>
           <p:cNvSpPr txBox="1"/>
           <p:nvPr>
             <p:ph idx="12" type="sldNum"/>
@@ -26324,7 +26352,7 @@
       </p:sp>
       <p:sp>
         <p:nvSpPr>
-          <p:cNvPr id="267" name="Google Shape;267;p47"/>
+          <p:cNvPr id="268" name="Google Shape;268;p47"/>
           <p:cNvSpPr txBox="1"/>
           <p:nvPr/>
         </p:nvSpPr>
@@ -26376,7 +26404,7 @@
       </p:sp>
       <p:pic>
         <p:nvPicPr>
-          <p:cNvPr id="268" name="Google Shape;268;p47"/>
+          <p:cNvPr id="269" name="Google Shape;269;p47"/>
           <p:cNvPicPr preferRelativeResize="0"/>
           <p:nvPr/>
         </p:nvPicPr>
@@ -26415,7 +26443,7 @@
   <p:cSld>
     <p:spTree>
       <p:nvGrpSpPr>
-        <p:cNvPr id="272" name="Shape 272"/>
+        <p:cNvPr id="273" name="Shape 273"/>
         <p:cNvGrpSpPr/>
         <p:nvPr/>
       </p:nvGrpSpPr>
@@ -26429,7 +26457,7 @@
       </p:grpSpPr>
       <p:pic>
         <p:nvPicPr>
-          <p:cNvPr id="273" name="Google Shape;273;p48"/>
+          <p:cNvPr id="274" name="Google Shape;274;p48"/>
           <p:cNvPicPr preferRelativeResize="0"/>
           <p:nvPr/>
         </p:nvPicPr>
@@ -26457,7 +26485,7 @@
       </p:pic>
       <p:sp>
         <p:nvSpPr>
-          <p:cNvPr id="274" name="Google Shape;274;p48"/>
+          <p:cNvPr id="275" name="Google Shape;275;p48"/>
           <p:cNvSpPr txBox="1"/>
           <p:nvPr>
             <p:ph type="title"/>
@@ -26505,7 +26533,7 @@
       </p:sp>
       <p:sp>
         <p:nvSpPr>
-          <p:cNvPr id="275" name="Google Shape;275;p48"/>
+          <p:cNvPr id="276" name="Google Shape;276;p48"/>
           <p:cNvSpPr txBox="1"/>
           <p:nvPr>
             <p:ph idx="4294967295" type="body"/>
@@ -26603,7 +26631,7 @@
       </p:sp>
       <p:sp>
         <p:nvSpPr>
-          <p:cNvPr id="276" name="Google Shape;276;p48"/>
+          <p:cNvPr id="277" name="Google Shape;277;p48"/>
           <p:cNvSpPr txBox="1"/>
           <p:nvPr>
             <p:ph idx="12" type="sldNum"/>
@@ -26651,7 +26679,7 @@
       </p:sp>
       <p:sp>
         <p:nvSpPr>
-          <p:cNvPr id="277" name="Google Shape;277;p48"/>
+          <p:cNvPr id="278" name="Google Shape;278;p48"/>
           <p:cNvSpPr txBox="1"/>
           <p:nvPr/>
         </p:nvSpPr>
@@ -26703,7 +26731,7 @@
       </p:sp>
       <p:pic>
         <p:nvPicPr>
-          <p:cNvPr id="278" name="Google Shape;278;p48"/>
+          <p:cNvPr id="279" name="Google Shape;279;p48"/>
           <p:cNvPicPr preferRelativeResize="0"/>
           <p:nvPr/>
         </p:nvPicPr>
@@ -26742,7 +26770,7 @@
   <p:cSld>
     <p:spTree>
       <p:nvGrpSpPr>
-        <p:cNvPr id="282" name="Shape 282"/>
+        <p:cNvPr id="283" name="Shape 283"/>
         <p:cNvGrpSpPr/>
         <p:nvPr/>
       </p:nvGrpSpPr>
@@ -26756,7 +26784,7 @@
       </p:grpSpPr>
       <p:pic>
         <p:nvPicPr>
-          <p:cNvPr id="283" name="Google Shape;283;p49"/>
+          <p:cNvPr id="284" name="Google Shape;284;p49"/>
           <p:cNvPicPr preferRelativeResize="0"/>
           <p:nvPr/>
         </p:nvPicPr>
@@ -26784,7 +26812,7 @@
       </p:pic>
       <p:sp>
         <p:nvSpPr>
-          <p:cNvPr id="284" name="Google Shape;284;p49"/>
+          <p:cNvPr id="285" name="Google Shape;285;p49"/>
           <p:cNvSpPr txBox="1"/>
           <p:nvPr>
             <p:ph type="title"/>
@@ -26832,7 +26860,7 @@
       </p:sp>
       <p:sp>
         <p:nvSpPr>
-          <p:cNvPr id="285" name="Google Shape;285;p49"/>
+          <p:cNvPr id="286" name="Google Shape;286;p49"/>
           <p:cNvSpPr txBox="1"/>
           <p:nvPr>
             <p:ph idx="4294967295" type="body"/>
@@ -26939,7 +26967,7 @@
       </p:sp>
       <p:sp>
         <p:nvSpPr>
-          <p:cNvPr id="286" name="Google Shape;286;p49"/>
+          <p:cNvPr id="287" name="Google Shape;287;p49"/>
           <p:cNvSpPr txBox="1"/>
           <p:nvPr>
             <p:ph idx="12" type="sldNum"/>
@@ -26987,7 +27015,7 @@
       </p:sp>
       <p:sp>
         <p:nvSpPr>
-          <p:cNvPr id="287" name="Google Shape;287;p49"/>
+          <p:cNvPr id="288" name="Google Shape;288;p49"/>
           <p:cNvSpPr txBox="1"/>
           <p:nvPr/>
         </p:nvSpPr>
@@ -27039,7 +27067,7 @@
       </p:sp>
       <p:pic>
         <p:nvPicPr>
-          <p:cNvPr id="288" name="Google Shape;288;p49"/>
+          <p:cNvPr id="289" name="Google Shape;289;p49"/>
           <p:cNvPicPr preferRelativeResize="0"/>
           <p:nvPr/>
         </p:nvPicPr>
@@ -27078,7 +27106,7 @@
   <p:cSld>
     <p:spTree>
       <p:nvGrpSpPr>
-        <p:cNvPr id="292" name="Shape 292"/>
+        <p:cNvPr id="293" name="Shape 293"/>
         <p:cNvGrpSpPr/>
         <p:nvPr/>
       </p:nvGrpSpPr>
@@ -27092,7 +27120,7 @@
       </p:grpSpPr>
       <p:pic>
         <p:nvPicPr>
-          <p:cNvPr id="293" name="Google Shape;293;p50"/>
+          <p:cNvPr id="294" name="Google Shape;294;p50"/>
           <p:cNvPicPr preferRelativeResize="0"/>
           <p:nvPr/>
         </p:nvPicPr>
@@ -27120,7 +27148,7 @@
       </p:pic>
       <p:sp>
         <p:nvSpPr>
-          <p:cNvPr id="294" name="Google Shape;294;p50"/>
+          <p:cNvPr id="295" name="Google Shape;295;p50"/>
           <p:cNvSpPr txBox="1"/>
           <p:nvPr>
             <p:ph type="title"/>
@@ -27176,7 +27204,7 @@
       </p:sp>
       <p:sp>
         <p:nvSpPr>
-          <p:cNvPr id="295" name="Google Shape;295;p50"/>
+          <p:cNvPr id="296" name="Google Shape;296;p50"/>
           <p:cNvSpPr txBox="1"/>
           <p:nvPr>
             <p:ph idx="4294967295" type="body"/>
@@ -27266,7 +27294,7 @@
       </p:sp>
       <p:sp>
         <p:nvSpPr>
-          <p:cNvPr id="296" name="Google Shape;296;p50"/>
+          <p:cNvPr id="297" name="Google Shape;297;p50"/>
           <p:cNvSpPr txBox="1"/>
           <p:nvPr>
             <p:ph idx="12" type="sldNum"/>
@@ -27314,7 +27342,7 @@
       </p:sp>
       <p:sp>
         <p:nvSpPr>
-          <p:cNvPr id="297" name="Google Shape;297;p50"/>
+          <p:cNvPr id="298" name="Google Shape;298;p50"/>
           <p:cNvSpPr txBox="1"/>
           <p:nvPr/>
         </p:nvSpPr>
@@ -27366,7 +27394,7 @@
       </p:sp>
       <p:pic>
         <p:nvPicPr>
-          <p:cNvPr id="298" name="Google Shape;298;p50"/>
+          <p:cNvPr id="299" name="Google Shape;299;p50"/>
           <p:cNvPicPr preferRelativeResize="0"/>
           <p:nvPr/>
         </p:nvPicPr>
@@ -27405,7 +27433,7 @@
   <p:cSld>
     <p:spTree>
       <p:nvGrpSpPr>
-        <p:cNvPr id="302" name="Shape 302"/>
+        <p:cNvPr id="303" name="Shape 303"/>
         <p:cNvGrpSpPr/>
         <p:nvPr/>
       </p:nvGrpSpPr>
@@ -27419,7 +27447,7 @@
       </p:grpSpPr>
       <p:pic>
         <p:nvPicPr>
-          <p:cNvPr id="303" name="Google Shape;303;p51"/>
+          <p:cNvPr id="304" name="Google Shape;304;p51"/>
           <p:cNvPicPr preferRelativeResize="0"/>
           <p:nvPr/>
         </p:nvPicPr>
@@ -27447,7 +27475,7 @@
       </p:pic>
       <p:sp>
         <p:nvSpPr>
-          <p:cNvPr id="304" name="Google Shape;304;p51"/>
+          <p:cNvPr id="305" name="Google Shape;305;p51"/>
           <p:cNvSpPr txBox="1"/>
           <p:nvPr>
             <p:ph type="title"/>
@@ -27495,7 +27523,7 @@
       </p:sp>
       <p:sp>
         <p:nvSpPr>
-          <p:cNvPr id="305" name="Google Shape;305;p51"/>
+          <p:cNvPr id="306" name="Google Shape;306;p51"/>
           <p:cNvSpPr txBox="1"/>
           <p:nvPr>
             <p:ph idx="4294967295" type="body"/>
@@ -27654,7 +27682,7 @@
       </p:sp>
       <p:sp>
         <p:nvSpPr>
-          <p:cNvPr id="306" name="Google Shape;306;p51"/>
+          <p:cNvPr id="307" name="Google Shape;307;p51"/>
           <p:cNvSpPr txBox="1"/>
           <p:nvPr>
             <p:ph idx="12" type="sldNum"/>
@@ -27702,7 +27730,7 @@
       </p:sp>
       <p:pic>
         <p:nvPicPr>
-          <p:cNvPr id="307" name="Google Shape;307;p51"/>
+          <p:cNvPr id="308" name="Google Shape;308;p51"/>
           <p:cNvPicPr preferRelativeResize="0"/>
           <p:nvPr/>
         </p:nvPicPr>
@@ -27730,7 +27758,7 @@
       </p:pic>
       <p:pic>
         <p:nvPicPr>
-          <p:cNvPr id="308" name="Google Shape;308;p51"/>
+          <p:cNvPr id="309" name="Google Shape;309;p51"/>
           <p:cNvPicPr preferRelativeResize="0"/>
           <p:nvPr/>
         </p:nvPicPr>
@@ -27758,7 +27786,7 @@
       </p:pic>
       <p:sp>
         <p:nvSpPr>
-          <p:cNvPr id="309" name="Google Shape;309;p51"/>
+          <p:cNvPr id="310" name="Google Shape;310;p51"/>
           <p:cNvSpPr txBox="1"/>
           <p:nvPr/>
         </p:nvSpPr>
@@ -27821,7 +27849,7 @@
   <p:cSld>
     <p:spTree>
       <p:nvGrpSpPr>
-        <p:cNvPr id="313" name="Shape 313"/>
+        <p:cNvPr id="314" name="Shape 314"/>
         <p:cNvGrpSpPr/>
         <p:nvPr/>
       </p:nvGrpSpPr>
@@ -27835,7 +27863,7 @@
       </p:grpSpPr>
       <p:pic>
         <p:nvPicPr>
-          <p:cNvPr id="314" name="Google Shape;314;p52"/>
+          <p:cNvPr id="315" name="Google Shape;315;p52"/>
           <p:cNvPicPr preferRelativeResize="0"/>
           <p:nvPr/>
         </p:nvPicPr>
@@ -27863,7 +27891,7 @@
       </p:pic>
       <p:sp>
         <p:nvSpPr>
-          <p:cNvPr id="315" name="Google Shape;315;p52"/>
+          <p:cNvPr id="316" name="Google Shape;316;p52"/>
           <p:cNvSpPr txBox="1"/>
           <p:nvPr>
             <p:ph type="title"/>
@@ -27911,7 +27939,7 @@
       </p:sp>
       <p:sp>
         <p:nvSpPr>
-          <p:cNvPr id="316" name="Google Shape;316;p52"/>
+          <p:cNvPr id="317" name="Google Shape;317;p52"/>
           <p:cNvSpPr txBox="1"/>
           <p:nvPr>
             <p:ph idx="4294967295" type="body"/>
@@ -28003,7 +28031,7 @@
       </p:sp>
       <p:sp>
         <p:nvSpPr>
-          <p:cNvPr id="317" name="Google Shape;317;p52"/>
+          <p:cNvPr id="318" name="Google Shape;318;p52"/>
           <p:cNvSpPr txBox="1"/>
           <p:nvPr>
             <p:ph idx="12" type="sldNum"/>
@@ -28051,7 +28079,7 @@
       </p:sp>
       <p:sp>
         <p:nvSpPr>
-          <p:cNvPr id="318" name="Google Shape;318;p52"/>
+          <p:cNvPr id="319" name="Google Shape;319;p52"/>
           <p:cNvSpPr txBox="1"/>
           <p:nvPr/>
         </p:nvSpPr>
@@ -28103,7 +28131,7 @@
       </p:sp>
       <p:pic>
         <p:nvPicPr>
-          <p:cNvPr id="319" name="Google Shape;319;p52"/>
+          <p:cNvPr id="320" name="Google Shape;320;p52"/>
           <p:cNvPicPr preferRelativeResize="0"/>
           <p:nvPr/>
         </p:nvPicPr>
@@ -28142,7 +28170,7 @@
   <p:cSld>
     <p:spTree>
       <p:nvGrpSpPr>
-        <p:cNvPr id="323" name="Shape 323"/>
+        <p:cNvPr id="324" name="Shape 324"/>
         <p:cNvGrpSpPr/>
         <p:nvPr/>
       </p:nvGrpSpPr>
@@ -28156,7 +28184,7 @@
       </p:grpSpPr>
       <p:pic>
         <p:nvPicPr>
-          <p:cNvPr id="324" name="Google Shape;324;p53"/>
+          <p:cNvPr id="325" name="Google Shape;325;p53"/>
           <p:cNvPicPr preferRelativeResize="0"/>
           <p:nvPr/>
         </p:nvPicPr>
@@ -28184,7 +28212,7 @@
       </p:pic>
       <p:sp>
         <p:nvSpPr>
-          <p:cNvPr id="325" name="Google Shape;325;p53"/>
+          <p:cNvPr id="326" name="Google Shape;326;p53"/>
           <p:cNvSpPr txBox="1"/>
           <p:nvPr>
             <p:ph type="title"/>
@@ -28248,7 +28276,7 @@
       </p:sp>
       <p:sp>
         <p:nvSpPr>
-          <p:cNvPr id="326" name="Google Shape;326;p53"/>
+          <p:cNvPr id="327" name="Google Shape;327;p53"/>
           <p:cNvSpPr txBox="1"/>
           <p:nvPr>
             <p:ph idx="4294967295" type="body"/>
@@ -28289,7 +28317,7 @@
       </p:sp>
       <p:sp>
         <p:nvSpPr>
-          <p:cNvPr id="327" name="Google Shape;327;p53"/>
+          <p:cNvPr id="328" name="Google Shape;328;p53"/>
           <p:cNvSpPr txBox="1"/>
           <p:nvPr>
             <p:ph idx="12" type="sldNum"/>
@@ -28337,7 +28365,7 @@
       </p:sp>
       <p:sp>
         <p:nvSpPr>
-          <p:cNvPr id="328" name="Google Shape;328;p53"/>
+          <p:cNvPr id="329" name="Google Shape;329;p53"/>
           <p:cNvSpPr txBox="1"/>
           <p:nvPr/>
         </p:nvSpPr>
@@ -28407,7 +28435,7 @@
       </p:sp>
       <p:pic>
         <p:nvPicPr>
-          <p:cNvPr id="329" name="Google Shape;329;p53"/>
+          <p:cNvPr id="330" name="Google Shape;330;p53"/>
           <p:cNvPicPr preferRelativeResize="0"/>
           <p:nvPr/>
         </p:nvPicPr>
@@ -28446,7 +28474,7 @@
   <p:cSld>
     <p:spTree>
       <p:nvGrpSpPr>
-        <p:cNvPr id="333" name="Shape 333"/>
+        <p:cNvPr id="334" name="Shape 334"/>
         <p:cNvGrpSpPr/>
         <p:nvPr/>
       </p:nvGrpSpPr>
@@ -28460,7 +28488,7 @@
       </p:grpSpPr>
       <p:pic>
         <p:nvPicPr>
-          <p:cNvPr id="334" name="Google Shape;334;p54"/>
+          <p:cNvPr id="335" name="Google Shape;335;p54"/>
           <p:cNvPicPr preferRelativeResize="0"/>
           <p:nvPr/>
         </p:nvPicPr>
@@ -28488,7 +28516,7 @@
       </p:pic>
       <p:sp>
         <p:nvSpPr>
-          <p:cNvPr id="335" name="Google Shape;335;p54"/>
+          <p:cNvPr id="336" name="Google Shape;336;p54"/>
           <p:cNvSpPr txBox="1"/>
           <p:nvPr>
             <p:ph type="title"/>
@@ -28536,7 +28564,7 @@
       </p:sp>
       <p:sp>
         <p:nvSpPr>
-          <p:cNvPr id="336" name="Google Shape;336;p54"/>
+          <p:cNvPr id="337" name="Google Shape;337;p54"/>
           <p:cNvSpPr txBox="1"/>
           <p:nvPr>
             <p:ph idx="4294967295" type="body"/>
@@ -28611,7 +28639,7 @@
       </p:sp>
       <p:sp>
         <p:nvSpPr>
-          <p:cNvPr id="337" name="Google Shape;337;p54"/>
+          <p:cNvPr id="338" name="Google Shape;338;p54"/>
           <p:cNvSpPr txBox="1"/>
           <p:nvPr>
             <p:ph idx="12" type="sldNum"/>
@@ -28659,7 +28687,7 @@
       </p:sp>
       <p:sp>
         <p:nvSpPr>
-          <p:cNvPr id="338" name="Google Shape;338;p54"/>
+          <p:cNvPr id="339" name="Google Shape;339;p54"/>
           <p:cNvSpPr txBox="1"/>
           <p:nvPr/>
         </p:nvSpPr>
@@ -28711,7 +28739,7 @@
       </p:sp>
       <p:pic>
         <p:nvPicPr>
-          <p:cNvPr id="339" name="Google Shape;339;p54"/>
+          <p:cNvPr id="340" name="Google Shape;340;p54"/>
           <p:cNvPicPr preferRelativeResize="0"/>
           <p:nvPr/>
         </p:nvPicPr>
@@ -28750,7 +28778,7 @@
   <p:cSld>
     <p:spTree>
       <p:nvGrpSpPr>
-        <p:cNvPr id="343" name="Shape 343"/>
+        <p:cNvPr id="344" name="Shape 344"/>
         <p:cNvGrpSpPr/>
         <p:nvPr/>
       </p:nvGrpSpPr>
@@ -28764,7 +28792,7 @@
       </p:grpSpPr>
       <p:pic>
         <p:nvPicPr>
-          <p:cNvPr id="344" name="Google Shape;344;p55"/>
+          <p:cNvPr id="345" name="Google Shape;345;p55"/>
           <p:cNvPicPr preferRelativeResize="0"/>
           <p:nvPr/>
         </p:nvPicPr>
@@ -28792,7 +28820,7 @@
       </p:pic>
       <p:sp>
         <p:nvSpPr>
-          <p:cNvPr id="345" name="Google Shape;345;p55"/>
+          <p:cNvPr id="346" name="Google Shape;346;p55"/>
           <p:cNvSpPr txBox="1"/>
           <p:nvPr>
             <p:ph type="title"/>
@@ -28840,7 +28868,7 @@
       </p:sp>
       <p:sp>
         <p:nvSpPr>
-          <p:cNvPr id="346" name="Google Shape;346;p55"/>
+          <p:cNvPr id="347" name="Google Shape;347;p55"/>
           <p:cNvSpPr txBox="1"/>
           <p:nvPr>
             <p:ph idx="4294967295" type="body"/>
@@ -28919,7 +28947,7 @@
       </p:sp>
       <p:sp>
         <p:nvSpPr>
-          <p:cNvPr id="347" name="Google Shape;347;p55"/>
+          <p:cNvPr id="348" name="Google Shape;348;p55"/>
           <p:cNvSpPr txBox="1"/>
           <p:nvPr>
             <p:ph idx="12" type="sldNum"/>
@@ -28967,7 +28995,7 @@
       </p:sp>
       <p:sp>
         <p:nvSpPr>
-          <p:cNvPr id="348" name="Google Shape;348;p55"/>
+          <p:cNvPr id="349" name="Google Shape;349;p55"/>
           <p:cNvSpPr txBox="1"/>
           <p:nvPr/>
         </p:nvSpPr>
@@ -29019,7 +29047,7 @@
       </p:sp>
       <p:pic>
         <p:nvPicPr>
-          <p:cNvPr id="349" name="Google Shape;349;p55"/>
+          <p:cNvPr id="350" name="Google Shape;350;p55"/>
           <p:cNvPicPr preferRelativeResize="0"/>
           <p:nvPr/>
         </p:nvPicPr>
@@ -29058,7 +29086,7 @@
   <p:cSld>
     <p:spTree>
       <p:nvGrpSpPr>
-        <p:cNvPr id="182" name="Shape 182"/>
+        <p:cNvPr id="183" name="Shape 183"/>
         <p:cNvGrpSpPr/>
         <p:nvPr/>
       </p:nvGrpSpPr>
@@ -29072,7 +29100,7 @@
       </p:grpSpPr>
       <p:pic>
         <p:nvPicPr>
-          <p:cNvPr id="183" name="Google Shape;183;p38"/>
+          <p:cNvPr id="184" name="Google Shape;184;p38"/>
           <p:cNvPicPr preferRelativeResize="0"/>
           <p:nvPr/>
         </p:nvPicPr>
@@ -29099,7 +29127,7 @@
       </p:pic>
       <p:sp>
         <p:nvSpPr>
-          <p:cNvPr id="184" name="Google Shape;184;p38"/>
+          <p:cNvPr id="185" name="Google Shape;185;p38"/>
           <p:cNvSpPr txBox="1"/>
           <p:nvPr>
             <p:ph type="title"/>
@@ -29147,7 +29175,7 @@
       </p:sp>
       <p:sp>
         <p:nvSpPr>
-          <p:cNvPr id="185" name="Google Shape;185;p38"/>
+          <p:cNvPr id="186" name="Google Shape;186;p38"/>
           <p:cNvSpPr txBox="1"/>
           <p:nvPr/>
         </p:nvSpPr>
@@ -29311,7 +29339,7 @@
       </p:sp>
       <p:sp>
         <p:nvSpPr>
-          <p:cNvPr id="186" name="Google Shape;186;p38"/>
+          <p:cNvPr id="187" name="Google Shape;187;p38"/>
           <p:cNvSpPr txBox="1"/>
           <p:nvPr>
             <p:ph idx="12" type="sldNum"/>
@@ -29359,7 +29387,7 @@
       </p:sp>
       <p:pic>
         <p:nvPicPr>
-          <p:cNvPr id="187" name="Google Shape;187;p38"/>
+          <p:cNvPr id="188" name="Google Shape;188;p38"/>
           <p:cNvPicPr preferRelativeResize="0"/>
           <p:nvPr/>
         </p:nvPicPr>
@@ -29397,7 +29425,7 @@
   <p:cSld>
     <p:spTree>
       <p:nvGrpSpPr>
-        <p:cNvPr id="353" name="Shape 353"/>
+        <p:cNvPr id="354" name="Shape 354"/>
         <p:cNvGrpSpPr/>
         <p:nvPr/>
       </p:nvGrpSpPr>
@@ -29411,7 +29439,7 @@
       </p:grpSpPr>
       <p:pic>
         <p:nvPicPr>
-          <p:cNvPr id="354" name="Google Shape;354;p56"/>
+          <p:cNvPr id="355" name="Google Shape;355;p56"/>
           <p:cNvPicPr preferRelativeResize="0"/>
           <p:nvPr/>
         </p:nvPicPr>
@@ -29439,7 +29467,7 @@
       </p:pic>
       <p:sp>
         <p:nvSpPr>
-          <p:cNvPr id="355" name="Google Shape;355;p56"/>
+          <p:cNvPr id="356" name="Google Shape;356;p56"/>
           <p:cNvSpPr txBox="1"/>
           <p:nvPr>
             <p:ph type="title"/>
@@ -29503,7 +29531,7 @@
       </p:sp>
       <p:sp>
         <p:nvSpPr>
-          <p:cNvPr id="356" name="Google Shape;356;p56"/>
+          <p:cNvPr id="357" name="Google Shape;357;p56"/>
           <p:cNvSpPr txBox="1"/>
           <p:nvPr>
             <p:ph idx="4294967295" type="body"/>
@@ -29686,7 +29714,7 @@
       </p:sp>
       <p:sp>
         <p:nvSpPr>
-          <p:cNvPr id="357" name="Google Shape;357;p56"/>
+          <p:cNvPr id="358" name="Google Shape;358;p56"/>
           <p:cNvSpPr txBox="1"/>
           <p:nvPr>
             <p:ph idx="12" type="sldNum"/>
@@ -29745,7 +29773,7 @@
   <p:cSld>
     <p:spTree>
       <p:nvGrpSpPr>
-        <p:cNvPr id="361" name="Shape 361"/>
+        <p:cNvPr id="362" name="Shape 362"/>
         <p:cNvGrpSpPr/>
         <p:nvPr/>
       </p:nvGrpSpPr>
@@ -29759,7 +29787,7 @@
       </p:grpSpPr>
       <p:pic>
         <p:nvPicPr>
-          <p:cNvPr id="362" name="Google Shape;362;p57"/>
+          <p:cNvPr id="363" name="Google Shape;363;p57"/>
           <p:cNvPicPr preferRelativeResize="0"/>
           <p:nvPr/>
         </p:nvPicPr>
@@ -29787,7 +29815,7 @@
       </p:pic>
       <p:sp>
         <p:nvSpPr>
-          <p:cNvPr id="363" name="Google Shape;363;p57"/>
+          <p:cNvPr id="364" name="Google Shape;364;p57"/>
           <p:cNvSpPr txBox="1"/>
           <p:nvPr>
             <p:ph type="title"/>
@@ -29854,7 +29882,7 @@
       </p:sp>
       <p:sp>
         <p:nvSpPr>
-          <p:cNvPr id="364" name="Google Shape;364;p57"/>
+          <p:cNvPr id="365" name="Google Shape;365;p57"/>
           <p:cNvSpPr txBox="1"/>
           <p:nvPr>
             <p:ph idx="4294967295" type="body"/>
@@ -29958,7 +29986,7 @@
       </p:sp>
       <p:sp>
         <p:nvSpPr>
-          <p:cNvPr id="365" name="Google Shape;365;p57"/>
+          <p:cNvPr id="366" name="Google Shape;366;p57"/>
           <p:cNvSpPr txBox="1"/>
           <p:nvPr>
             <p:ph idx="12" type="sldNum"/>
@@ -30017,7 +30045,7 @@
   <p:cSld>
     <p:spTree>
       <p:nvGrpSpPr>
-        <p:cNvPr id="369" name="Shape 369"/>
+        <p:cNvPr id="370" name="Shape 370"/>
         <p:cNvGrpSpPr/>
         <p:nvPr/>
       </p:nvGrpSpPr>
@@ -30031,7 +30059,7 @@
       </p:grpSpPr>
       <p:pic>
         <p:nvPicPr>
-          <p:cNvPr id="370" name="Google Shape;370;p58"/>
+          <p:cNvPr id="371" name="Google Shape;371;p58"/>
           <p:cNvPicPr preferRelativeResize="0"/>
           <p:nvPr/>
         </p:nvPicPr>
@@ -30059,7 +30087,7 @@
       </p:pic>
       <p:sp>
         <p:nvSpPr>
-          <p:cNvPr id="371" name="Google Shape;371;p58"/>
+          <p:cNvPr id="372" name="Google Shape;372;p58"/>
           <p:cNvSpPr txBox="1"/>
           <p:nvPr>
             <p:ph type="title"/>
@@ -30142,7 +30170,7 @@
       </p:sp>
       <p:sp>
         <p:nvSpPr>
-          <p:cNvPr id="372" name="Google Shape;372;p58"/>
+          <p:cNvPr id="373" name="Google Shape;373;p58"/>
           <p:cNvSpPr txBox="1"/>
           <p:nvPr>
             <p:ph idx="4294967295" type="body"/>
@@ -30257,7 +30285,7 @@
       </p:sp>
       <p:sp>
         <p:nvSpPr>
-          <p:cNvPr id="373" name="Google Shape;373;p58"/>
+          <p:cNvPr id="374" name="Google Shape;374;p58"/>
           <p:cNvSpPr txBox="1"/>
           <p:nvPr>
             <p:ph idx="12" type="sldNum"/>
@@ -30316,7 +30344,7 @@
   <p:cSld>
     <p:spTree>
       <p:nvGrpSpPr>
-        <p:cNvPr id="377" name="Shape 377"/>
+        <p:cNvPr id="378" name="Shape 378"/>
         <p:cNvGrpSpPr/>
         <p:nvPr/>
       </p:nvGrpSpPr>
@@ -30330,7 +30358,7 @@
       </p:grpSpPr>
       <p:pic>
         <p:nvPicPr>
-          <p:cNvPr id="378" name="Google Shape;378;p59"/>
+          <p:cNvPr id="379" name="Google Shape;379;p59"/>
           <p:cNvPicPr preferRelativeResize="0"/>
           <p:nvPr/>
         </p:nvPicPr>
@@ -30358,7 +30386,7 @@
       </p:pic>
       <p:sp>
         <p:nvSpPr>
-          <p:cNvPr id="379" name="Google Shape;379;p59"/>
+          <p:cNvPr id="380" name="Google Shape;380;p59"/>
           <p:cNvSpPr txBox="1"/>
           <p:nvPr>
             <p:ph type="title"/>
@@ -30425,7 +30453,7 @@
       </p:sp>
       <p:sp>
         <p:nvSpPr>
-          <p:cNvPr id="380" name="Google Shape;380;p59"/>
+          <p:cNvPr id="381" name="Google Shape;381;p59"/>
           <p:cNvSpPr txBox="1"/>
           <p:nvPr>
             <p:ph idx="4294967295" type="body"/>
@@ -30483,7 +30511,7 @@
       </p:sp>
       <p:sp>
         <p:nvSpPr>
-          <p:cNvPr id="381" name="Google Shape;381;p59"/>
+          <p:cNvPr id="382" name="Google Shape;382;p59"/>
           <p:cNvSpPr txBox="1"/>
           <p:nvPr>
             <p:ph idx="12" type="sldNum"/>
@@ -30531,7 +30559,7 @@
       </p:sp>
       <p:pic>
         <p:nvPicPr>
-          <p:cNvPr id="382" name="Google Shape;382;p59"/>
+          <p:cNvPr id="383" name="Google Shape;383;p59"/>
           <p:cNvPicPr preferRelativeResize="0"/>
           <p:nvPr/>
         </p:nvPicPr>
@@ -30559,7 +30587,7 @@
       </p:pic>
       <p:sp>
         <p:nvSpPr>
-          <p:cNvPr id="383" name="Google Shape;383;p59"/>
+          <p:cNvPr id="384" name="Google Shape;384;p59"/>
           <p:cNvSpPr txBox="1"/>
           <p:nvPr>
             <p:ph idx="4294967295" type="body"/>
@@ -30617,7 +30645,7 @@
       </p:sp>
       <p:sp>
         <p:nvSpPr>
-          <p:cNvPr id="384" name="Google Shape;384;p59"/>
+          <p:cNvPr id="385" name="Google Shape;385;p59"/>
           <p:cNvSpPr txBox="1"/>
           <p:nvPr/>
         </p:nvSpPr>
@@ -30680,7 +30708,7 @@
   <p:cSld>
     <p:spTree>
       <p:nvGrpSpPr>
-        <p:cNvPr id="388" name="Shape 388"/>
+        <p:cNvPr id="389" name="Shape 389"/>
         <p:cNvGrpSpPr/>
         <p:nvPr/>
       </p:nvGrpSpPr>
@@ -30694,7 +30722,7 @@
       </p:grpSpPr>
       <p:pic>
         <p:nvPicPr>
-          <p:cNvPr id="389" name="Google Shape;389;p60"/>
+          <p:cNvPr id="390" name="Google Shape;390;p60"/>
           <p:cNvPicPr preferRelativeResize="0"/>
           <p:nvPr/>
         </p:nvPicPr>
@@ -30722,7 +30750,7 @@
       </p:pic>
       <p:sp>
         <p:nvSpPr>
-          <p:cNvPr id="390" name="Google Shape;390;p60"/>
+          <p:cNvPr id="391" name="Google Shape;391;p60"/>
           <p:cNvSpPr txBox="1"/>
           <p:nvPr>
             <p:ph type="title"/>
@@ -30789,7 +30817,7 @@
       </p:sp>
       <p:sp>
         <p:nvSpPr>
-          <p:cNvPr id="391" name="Google Shape;391;p60"/>
+          <p:cNvPr id="392" name="Google Shape;392;p60"/>
           <p:cNvSpPr txBox="1"/>
           <p:nvPr>
             <p:ph idx="4294967295" type="body"/>
@@ -30872,7 +30900,7 @@
       </p:sp>
       <p:sp>
         <p:nvSpPr>
-          <p:cNvPr id="392" name="Google Shape;392;p60"/>
+          <p:cNvPr id="393" name="Google Shape;393;p60"/>
           <p:cNvSpPr txBox="1"/>
           <p:nvPr>
             <p:ph idx="12" type="sldNum"/>
@@ -30920,7 +30948,7 @@
       </p:sp>
       <p:sp>
         <p:nvSpPr>
-          <p:cNvPr id="393" name="Google Shape;393;p60"/>
+          <p:cNvPr id="394" name="Google Shape;394;p60"/>
           <p:cNvSpPr txBox="1"/>
           <p:nvPr/>
         </p:nvSpPr>
@@ -30972,7 +31000,7 @@
       </p:sp>
       <p:pic>
         <p:nvPicPr>
-          <p:cNvPr id="394" name="Google Shape;394;p60"/>
+          <p:cNvPr id="395" name="Google Shape;395;p60"/>
           <p:cNvPicPr preferRelativeResize="0"/>
           <p:nvPr/>
         </p:nvPicPr>
@@ -31011,7 +31039,7 @@
   <p:cSld>
     <p:spTree>
       <p:nvGrpSpPr>
-        <p:cNvPr id="398" name="Shape 398"/>
+        <p:cNvPr id="399" name="Shape 399"/>
         <p:cNvGrpSpPr/>
         <p:nvPr/>
       </p:nvGrpSpPr>
@@ -31025,7 +31053,7 @@
       </p:grpSpPr>
       <p:pic>
         <p:nvPicPr>
-          <p:cNvPr id="399" name="Google Shape;399;p61"/>
+          <p:cNvPr id="400" name="Google Shape;400;p61"/>
           <p:cNvPicPr preferRelativeResize="0"/>
           <p:nvPr/>
         </p:nvPicPr>
@@ -31053,7 +31081,7 @@
       </p:pic>
       <p:sp>
         <p:nvSpPr>
-          <p:cNvPr id="400" name="Google Shape;400;p61"/>
+          <p:cNvPr id="401" name="Google Shape;401;p61"/>
           <p:cNvSpPr txBox="1"/>
           <p:nvPr>
             <p:ph type="title"/>
@@ -31120,7 +31148,7 @@
       </p:sp>
       <p:sp>
         <p:nvSpPr>
-          <p:cNvPr id="401" name="Google Shape;401;p61"/>
+          <p:cNvPr id="402" name="Google Shape;402;p61"/>
           <p:cNvSpPr txBox="1"/>
           <p:nvPr>
             <p:ph idx="4294967295" type="body"/>
@@ -31216,7 +31244,7 @@
       </p:sp>
       <p:sp>
         <p:nvSpPr>
-          <p:cNvPr id="402" name="Google Shape;402;p61"/>
+          <p:cNvPr id="403" name="Google Shape;403;p61"/>
           <p:cNvSpPr txBox="1"/>
           <p:nvPr>
             <p:ph idx="12" type="sldNum"/>
@@ -31264,7 +31292,7 @@
       </p:sp>
       <p:sp>
         <p:nvSpPr>
-          <p:cNvPr id="403" name="Google Shape;403;p61"/>
+          <p:cNvPr id="404" name="Google Shape;404;p61"/>
           <p:cNvSpPr txBox="1"/>
           <p:nvPr/>
         </p:nvSpPr>
@@ -31316,7 +31344,7 @@
       </p:sp>
       <p:pic>
         <p:nvPicPr>
-          <p:cNvPr id="404" name="Google Shape;404;p61"/>
+          <p:cNvPr id="405" name="Google Shape;405;p61"/>
           <p:cNvPicPr preferRelativeResize="0"/>
           <p:nvPr/>
         </p:nvPicPr>
@@ -31355,7 +31383,7 @@
   <p:cSld>
     <p:spTree>
       <p:nvGrpSpPr>
-        <p:cNvPr id="408" name="Shape 408"/>
+        <p:cNvPr id="409" name="Shape 409"/>
         <p:cNvGrpSpPr/>
         <p:nvPr/>
       </p:nvGrpSpPr>
@@ -31369,7 +31397,7 @@
       </p:grpSpPr>
       <p:pic>
         <p:nvPicPr>
-          <p:cNvPr id="409" name="Google Shape;409;p62"/>
+          <p:cNvPr id="410" name="Google Shape;410;p62"/>
           <p:cNvPicPr preferRelativeResize="0"/>
           <p:nvPr/>
         </p:nvPicPr>
@@ -31397,7 +31425,7 @@
       </p:pic>
       <p:sp>
         <p:nvSpPr>
-          <p:cNvPr id="410" name="Google Shape;410;p62"/>
+          <p:cNvPr id="411" name="Google Shape;411;p62"/>
           <p:cNvSpPr txBox="1"/>
           <p:nvPr>
             <p:ph type="title"/>
@@ -31464,7 +31492,7 @@
       </p:sp>
       <p:sp>
         <p:nvSpPr>
-          <p:cNvPr id="411" name="Google Shape;411;p62"/>
+          <p:cNvPr id="412" name="Google Shape;412;p62"/>
           <p:cNvSpPr txBox="1"/>
           <p:nvPr>
             <p:ph idx="4294967295" type="body"/>
@@ -31554,7 +31582,7 @@
       </p:sp>
       <p:sp>
         <p:nvSpPr>
-          <p:cNvPr id="412" name="Google Shape;412;p62"/>
+          <p:cNvPr id="413" name="Google Shape;413;p62"/>
           <p:cNvSpPr txBox="1"/>
           <p:nvPr>
             <p:ph idx="12" type="sldNum"/>
@@ -31613,7 +31641,7 @@
   <p:cSld>
     <p:spTree>
       <p:nvGrpSpPr>
-        <p:cNvPr id="416" name="Shape 416"/>
+        <p:cNvPr id="417" name="Shape 417"/>
         <p:cNvGrpSpPr/>
         <p:nvPr/>
       </p:nvGrpSpPr>
@@ -31627,7 +31655,7 @@
       </p:grpSpPr>
       <p:pic>
         <p:nvPicPr>
-          <p:cNvPr id="417" name="Google Shape;417;p63"/>
+          <p:cNvPr id="418" name="Google Shape;418;p63"/>
           <p:cNvPicPr preferRelativeResize="0"/>
           <p:nvPr/>
         </p:nvPicPr>
@@ -31655,7 +31683,7 @@
       </p:pic>
       <p:sp>
         <p:nvSpPr>
-          <p:cNvPr id="418" name="Google Shape;418;p63"/>
+          <p:cNvPr id="419" name="Google Shape;419;p63"/>
           <p:cNvSpPr txBox="1"/>
           <p:nvPr>
             <p:ph type="title"/>
@@ -31722,7 +31750,7 @@
       </p:sp>
       <p:sp>
         <p:nvSpPr>
-          <p:cNvPr id="419" name="Google Shape;419;p63"/>
+          <p:cNvPr id="420" name="Google Shape;420;p63"/>
           <p:cNvSpPr txBox="1"/>
           <p:nvPr>
             <p:ph idx="4294967295" type="body"/>
@@ -31882,7 +31910,7 @@
       </p:sp>
       <p:sp>
         <p:nvSpPr>
-          <p:cNvPr id="420" name="Google Shape;420;p63"/>
+          <p:cNvPr id="421" name="Google Shape;421;p63"/>
           <p:cNvSpPr txBox="1"/>
           <p:nvPr>
             <p:ph idx="12" type="sldNum"/>
@@ -31930,7 +31958,7 @@
       </p:sp>
       <p:pic>
         <p:nvPicPr>
-          <p:cNvPr id="421" name="Google Shape;421;p63"/>
+          <p:cNvPr id="422" name="Google Shape;422;p63"/>
           <p:cNvPicPr preferRelativeResize="0"/>
           <p:nvPr/>
         </p:nvPicPr>
@@ -31969,7 +31997,7 @@
   <p:cSld>
     <p:spTree>
       <p:nvGrpSpPr>
-        <p:cNvPr id="425" name="Shape 425"/>
+        <p:cNvPr id="426" name="Shape 426"/>
         <p:cNvGrpSpPr/>
         <p:nvPr/>
       </p:nvGrpSpPr>
@@ -31983,7 +32011,7 @@
       </p:grpSpPr>
       <p:pic>
         <p:nvPicPr>
-          <p:cNvPr id="426" name="Google Shape;426;p64"/>
+          <p:cNvPr id="427" name="Google Shape;427;p64"/>
           <p:cNvPicPr preferRelativeResize="0"/>
           <p:nvPr/>
         </p:nvPicPr>
@@ -32011,7 +32039,7 @@
       </p:pic>
       <p:sp>
         <p:nvSpPr>
-          <p:cNvPr id="427" name="Google Shape;427;p64"/>
+          <p:cNvPr id="428" name="Google Shape;428;p64"/>
           <p:cNvSpPr txBox="1"/>
           <p:nvPr>
             <p:ph type="title"/>
@@ -32059,7 +32087,7 @@
       </p:sp>
       <p:sp>
         <p:nvSpPr>
-          <p:cNvPr id="428" name="Google Shape;428;p64"/>
+          <p:cNvPr id="429" name="Google Shape;429;p64"/>
           <p:cNvSpPr txBox="1"/>
           <p:nvPr>
             <p:ph idx="12" type="sldNum"/>
@@ -32107,7 +32135,7 @@
       </p:sp>
       <p:sp>
         <p:nvSpPr>
-          <p:cNvPr id="429" name="Google Shape;429;p64"/>
+          <p:cNvPr id="430" name="Google Shape;430;p64"/>
           <p:cNvSpPr txBox="1"/>
           <p:nvPr/>
         </p:nvSpPr>
@@ -32170,7 +32198,7 @@
       </p:sp>
       <p:sp>
         <p:nvSpPr>
-          <p:cNvPr id="430" name="Google Shape;430;p64"/>
+          <p:cNvPr id="431" name="Google Shape;431;p64"/>
           <p:cNvSpPr txBox="1"/>
           <p:nvPr/>
         </p:nvSpPr>
@@ -32211,7 +32239,7 @@
       </p:sp>
       <p:sp>
         <p:nvSpPr>
-          <p:cNvPr id="431" name="Google Shape;431;p64"/>
+          <p:cNvPr id="432" name="Google Shape;432;p64"/>
           <p:cNvSpPr txBox="1"/>
           <p:nvPr/>
         </p:nvSpPr>
@@ -32305,7 +32333,7 @@
       </p:sp>
       <p:sp>
         <p:nvSpPr>
-          <p:cNvPr id="432" name="Google Shape;432;p64"/>
+          <p:cNvPr id="433" name="Google Shape;433;p64"/>
           <p:cNvSpPr txBox="1"/>
           <p:nvPr/>
         </p:nvSpPr>
@@ -32359,7 +32387,7 @@
       </p:sp>
       <p:sp>
         <p:nvSpPr>
-          <p:cNvPr id="433" name="Google Shape;433;p64"/>
+          <p:cNvPr id="434" name="Google Shape;434;p64"/>
           <p:cNvSpPr txBox="1"/>
           <p:nvPr/>
         </p:nvSpPr>
@@ -32453,7 +32481,7 @@
       </p:sp>
       <p:sp>
         <p:nvSpPr>
-          <p:cNvPr id="434" name="Google Shape;434;p64"/>
+          <p:cNvPr id="435" name="Google Shape;435;p64"/>
           <p:cNvSpPr txBox="1"/>
           <p:nvPr/>
         </p:nvSpPr>
@@ -32525,7 +32553,7 @@
       </p:sp>
       <p:sp>
         <p:nvSpPr>
-          <p:cNvPr id="435" name="Google Shape;435;p64"/>
+          <p:cNvPr id="436" name="Google Shape;436;p64"/>
           <p:cNvSpPr txBox="1"/>
           <p:nvPr/>
         </p:nvSpPr>
@@ -32619,7 +32647,7 @@
       </p:sp>
       <p:sp>
         <p:nvSpPr>
-          <p:cNvPr id="436" name="Google Shape;436;p64"/>
+          <p:cNvPr id="437" name="Google Shape;437;p64"/>
           <p:cNvSpPr txBox="1"/>
           <p:nvPr/>
         </p:nvSpPr>
@@ -32661,7 +32689,7 @@
       </p:sp>
       <p:sp>
         <p:nvSpPr>
-          <p:cNvPr id="437" name="Google Shape;437;p64"/>
+          <p:cNvPr id="438" name="Google Shape;438;p64"/>
           <p:cNvSpPr txBox="1"/>
           <p:nvPr/>
         </p:nvSpPr>
@@ -32703,7 +32731,7 @@
       </p:sp>
       <p:sp>
         <p:nvSpPr>
-          <p:cNvPr id="438" name="Google Shape;438;p64"/>
+          <p:cNvPr id="439" name="Google Shape;439;p64"/>
           <p:cNvSpPr txBox="1"/>
           <p:nvPr/>
         </p:nvSpPr>
@@ -32756,59 +32784,6 @@
             <p:seq concurrent="1" nextAc="seek">
               <p:cTn dur="indefinite" id="2" nodeType="mainSeq">
                 <p:childTnLst>
-                  <p:par>
-                    <p:cTn fill="hold">
-                      <p:stCondLst>
-                        <p:cond delay="indefinite"/>
-                      </p:stCondLst>
-                      <p:childTnLst>
-                        <p:par>
-                          <p:cTn fill="hold">
-                            <p:stCondLst>
-                              <p:cond delay="0"/>
-                            </p:stCondLst>
-                            <p:childTnLst>
-                              <p:par>
-                                <p:cTn fill="hold" nodeType="clickEffect" presetClass="entr" presetID="10" presetSubtype="0">
-                                  <p:stCondLst>
-                                    <p:cond delay="0"/>
-                                  </p:stCondLst>
-                                  <p:childTnLst>
-                                    <p:set>
-                                      <p:cBhvr>
-                                        <p:cTn dur="1" fill="hold">
-                                          <p:stCondLst>
-                                            <p:cond delay="0"/>
-                                          </p:stCondLst>
-                                        </p:cTn>
-                                        <p:tgtEl>
-                                          <p:spTgt spid="436"/>
-                                        </p:tgtEl>
-                                        <p:attrNameLst>
-                                          <p:attrName>style.visibility</p:attrName>
-                                        </p:attrNameLst>
-                                      </p:cBhvr>
-                                      <p:to>
-                                        <p:strVal val="visible"/>
-                                      </p:to>
-                                    </p:set>
-                                    <p:animEffect filter="fade" transition="in">
-                                      <p:cBhvr>
-                                        <p:cTn dur="1000"/>
-                                        <p:tgtEl>
-                                          <p:spTgt spid="436"/>
-                                        </p:tgtEl>
-                                      </p:cBhvr>
-                                    </p:animEffect>
-                                  </p:childTnLst>
-                                </p:cTn>
-                              </p:par>
-                            </p:childTnLst>
-                          </p:cTn>
-                        </p:par>
-                      </p:childTnLst>
-                    </p:cTn>
-                  </p:par>
                   <p:par>
                     <p:cTn fill="hold">
                       <p:stCondLst>
@@ -32915,6 +32890,59 @@
                       </p:childTnLst>
                     </p:cTn>
                   </p:par>
+                  <p:par>
+                    <p:cTn fill="hold">
+                      <p:stCondLst>
+                        <p:cond delay="indefinite"/>
+                      </p:stCondLst>
+                      <p:childTnLst>
+                        <p:par>
+                          <p:cTn fill="hold">
+                            <p:stCondLst>
+                              <p:cond delay="0"/>
+                            </p:stCondLst>
+                            <p:childTnLst>
+                              <p:par>
+                                <p:cTn fill="hold" nodeType="clickEffect" presetClass="entr" presetID="10" presetSubtype="0">
+                                  <p:stCondLst>
+                                    <p:cond delay="0"/>
+                                  </p:stCondLst>
+                                  <p:childTnLst>
+                                    <p:set>
+                                      <p:cBhvr>
+                                        <p:cTn dur="1" fill="hold">
+                                          <p:stCondLst>
+                                            <p:cond delay="0"/>
+                                          </p:stCondLst>
+                                        </p:cTn>
+                                        <p:tgtEl>
+                                          <p:spTgt spid="439"/>
+                                        </p:tgtEl>
+                                        <p:attrNameLst>
+                                          <p:attrName>style.visibility</p:attrName>
+                                        </p:attrNameLst>
+                                      </p:cBhvr>
+                                      <p:to>
+                                        <p:strVal val="visible"/>
+                                      </p:to>
+                                    </p:set>
+                                    <p:animEffect filter="fade" transition="in">
+                                      <p:cBhvr>
+                                        <p:cTn dur="1000"/>
+                                        <p:tgtEl>
+                                          <p:spTgt spid="439"/>
+                                        </p:tgtEl>
+                                      </p:cBhvr>
+                                    </p:animEffect>
+                                  </p:childTnLst>
+                                </p:cTn>
+                              </p:par>
+                            </p:childTnLst>
+                          </p:cTn>
+                        </p:par>
+                      </p:childTnLst>
+                    </p:cTn>
+                  </p:par>
                 </p:childTnLst>
               </p:cTn>
               <p:prevCondLst>
@@ -32945,7 +32973,7 @@
   <p:cSld>
     <p:spTree>
       <p:nvGrpSpPr>
-        <p:cNvPr id="442" name="Shape 442"/>
+        <p:cNvPr id="443" name="Shape 443"/>
         <p:cNvGrpSpPr/>
         <p:nvPr/>
       </p:nvGrpSpPr>
@@ -32959,7 +32987,7 @@
       </p:grpSpPr>
       <p:pic>
         <p:nvPicPr>
-          <p:cNvPr id="443" name="Google Shape;443;p65"/>
+          <p:cNvPr id="444" name="Google Shape;444;p65"/>
           <p:cNvPicPr preferRelativeResize="0"/>
           <p:nvPr/>
         </p:nvPicPr>
@@ -32987,7 +33015,7 @@
       </p:pic>
       <p:sp>
         <p:nvSpPr>
-          <p:cNvPr id="444" name="Google Shape;444;p65"/>
+          <p:cNvPr id="445" name="Google Shape;445;p65"/>
           <p:cNvSpPr txBox="1"/>
           <p:nvPr>
             <p:ph type="title"/>
@@ -33035,7 +33063,7 @@
       </p:sp>
       <p:sp>
         <p:nvSpPr>
-          <p:cNvPr id="445" name="Google Shape;445;p65"/>
+          <p:cNvPr id="446" name="Google Shape;446;p65"/>
           <p:cNvSpPr txBox="1"/>
           <p:nvPr/>
         </p:nvSpPr>
@@ -33185,7 +33213,7 @@
       </p:sp>
       <p:sp>
         <p:nvSpPr>
-          <p:cNvPr id="446" name="Google Shape;446;p65"/>
+          <p:cNvPr id="447" name="Google Shape;447;p65"/>
           <p:cNvSpPr txBox="1"/>
           <p:nvPr>
             <p:ph idx="12" type="sldNum"/>
@@ -33244,7 +33272,7 @@
   <p:cSld>
     <p:spTree>
       <p:nvGrpSpPr>
-        <p:cNvPr id="191" name="Shape 191"/>
+        <p:cNvPr id="192" name="Shape 192"/>
         <p:cNvGrpSpPr/>
         <p:nvPr/>
       </p:nvGrpSpPr>
@@ -33258,7 +33286,7 @@
       </p:grpSpPr>
       <p:pic>
         <p:nvPicPr>
-          <p:cNvPr id="192" name="Google Shape;192;p39"/>
+          <p:cNvPr id="193" name="Google Shape;193;p39"/>
           <p:cNvPicPr preferRelativeResize="0"/>
           <p:nvPr/>
         </p:nvPicPr>
@@ -33285,7 +33313,7 @@
       </p:pic>
       <p:sp>
         <p:nvSpPr>
-          <p:cNvPr id="193" name="Google Shape;193;p39"/>
+          <p:cNvPr id="194" name="Google Shape;194;p39"/>
           <p:cNvSpPr txBox="1"/>
           <p:nvPr>
             <p:ph type="title"/>
@@ -33333,7 +33361,7 @@
       </p:sp>
       <p:sp>
         <p:nvSpPr>
-          <p:cNvPr id="194" name="Google Shape;194;p39"/>
+          <p:cNvPr id="195" name="Google Shape;195;p39"/>
           <p:cNvSpPr txBox="1"/>
           <p:nvPr/>
         </p:nvSpPr>
@@ -33608,7 +33636,7 @@
       </p:sp>
       <p:sp>
         <p:nvSpPr>
-          <p:cNvPr id="195" name="Google Shape;195;p39"/>
+          <p:cNvPr id="196" name="Google Shape;196;p39"/>
           <p:cNvSpPr txBox="1"/>
           <p:nvPr>
             <p:ph idx="12" type="sldNum"/>
@@ -33667,7 +33695,7 @@
   <p:cSld>
     <p:spTree>
       <p:nvGrpSpPr>
-        <p:cNvPr id="199" name="Shape 199"/>
+        <p:cNvPr id="200" name="Shape 200"/>
         <p:cNvGrpSpPr/>
         <p:nvPr/>
       </p:nvGrpSpPr>
@@ -33681,7 +33709,7 @@
       </p:grpSpPr>
       <p:pic>
         <p:nvPicPr>
-          <p:cNvPr id="200" name="Google Shape;200;p40"/>
+          <p:cNvPr id="201" name="Google Shape;201;p40"/>
           <p:cNvPicPr preferRelativeResize="0"/>
           <p:nvPr/>
         </p:nvPicPr>
@@ -33708,7 +33736,7 @@
       </p:pic>
       <p:sp>
         <p:nvSpPr>
-          <p:cNvPr id="201" name="Google Shape;201;p40"/>
+          <p:cNvPr id="202" name="Google Shape;202;p40"/>
           <p:cNvSpPr txBox="1"/>
           <p:nvPr>
             <p:ph type="title"/>
@@ -33756,7 +33784,7 @@
       </p:sp>
       <p:sp>
         <p:nvSpPr>
-          <p:cNvPr id="202" name="Google Shape;202;p40"/>
+          <p:cNvPr id="203" name="Google Shape;203;p40"/>
           <p:cNvSpPr txBox="1"/>
           <p:nvPr/>
         </p:nvSpPr>
@@ -33920,7 +33948,7 @@
       </p:sp>
       <p:sp>
         <p:nvSpPr>
-          <p:cNvPr id="203" name="Google Shape;203;p40"/>
+          <p:cNvPr id="204" name="Google Shape;204;p40"/>
           <p:cNvSpPr txBox="1"/>
           <p:nvPr>
             <p:ph idx="12" type="sldNum"/>
@@ -33968,7 +33996,7 @@
       </p:sp>
       <p:pic>
         <p:nvPicPr>
-          <p:cNvPr id="204" name="Google Shape;204;p40"/>
+          <p:cNvPr id="205" name="Google Shape;205;p40"/>
           <p:cNvPicPr preferRelativeResize="0"/>
           <p:nvPr/>
         </p:nvPicPr>
@@ -34006,7 +34034,7 @@
   <p:cSld>
     <p:spTree>
       <p:nvGrpSpPr>
-        <p:cNvPr id="208" name="Shape 208"/>
+        <p:cNvPr id="209" name="Shape 209"/>
         <p:cNvGrpSpPr/>
         <p:nvPr/>
       </p:nvGrpSpPr>
@@ -34020,7 +34048,7 @@
       </p:grpSpPr>
       <p:pic>
         <p:nvPicPr>
-          <p:cNvPr id="209" name="Google Shape;209;p41"/>
+          <p:cNvPr id="210" name="Google Shape;210;p41"/>
           <p:cNvPicPr preferRelativeResize="0"/>
           <p:nvPr/>
         </p:nvPicPr>
@@ -34048,7 +34076,7 @@
       </p:pic>
       <p:sp>
         <p:nvSpPr>
-          <p:cNvPr id="210" name="Google Shape;210;p41"/>
+          <p:cNvPr id="211" name="Google Shape;211;p41"/>
           <p:cNvSpPr txBox="1"/>
           <p:nvPr>
             <p:ph type="title"/>
@@ -34096,7 +34124,7 @@
       </p:sp>
       <p:sp>
         <p:nvSpPr>
-          <p:cNvPr id="211" name="Google Shape;211;p41"/>
+          <p:cNvPr id="212" name="Google Shape;212;p41"/>
           <p:cNvSpPr txBox="1"/>
           <p:nvPr>
             <p:ph idx="4294967295" type="body"/>
@@ -34186,7 +34214,7 @@
       </p:sp>
       <p:sp>
         <p:nvSpPr>
-          <p:cNvPr id="212" name="Google Shape;212;p41"/>
+          <p:cNvPr id="213" name="Google Shape;213;p41"/>
           <p:cNvSpPr txBox="1"/>
           <p:nvPr>
             <p:ph idx="12" type="sldNum"/>
@@ -34245,7 +34273,7 @@
   <p:cSld>
     <p:spTree>
       <p:nvGrpSpPr>
-        <p:cNvPr id="216" name="Shape 216"/>
+        <p:cNvPr id="217" name="Shape 217"/>
         <p:cNvGrpSpPr/>
         <p:nvPr/>
       </p:nvGrpSpPr>
@@ -34259,7 +34287,7 @@
       </p:grpSpPr>
       <p:pic>
         <p:nvPicPr>
-          <p:cNvPr id="217" name="Google Shape;217;p42"/>
+          <p:cNvPr id="218" name="Google Shape;218;p42"/>
           <p:cNvPicPr preferRelativeResize="0"/>
           <p:nvPr/>
         </p:nvPicPr>
@@ -34287,7 +34315,7 @@
       </p:pic>
       <p:sp>
         <p:nvSpPr>
-          <p:cNvPr id="218" name="Google Shape;218;p42"/>
+          <p:cNvPr id="219" name="Google Shape;219;p42"/>
           <p:cNvSpPr txBox="1"/>
           <p:nvPr>
             <p:ph type="title"/>
@@ -34351,7 +34379,7 @@
       </p:sp>
       <p:sp>
         <p:nvSpPr>
-          <p:cNvPr id="219" name="Google Shape;219;p42"/>
+          <p:cNvPr id="220" name="Google Shape;220;p42"/>
           <p:cNvSpPr txBox="1"/>
           <p:nvPr>
             <p:ph idx="4294967295" type="body"/>
@@ -34500,7 +34528,7 @@
       </p:sp>
       <p:sp>
         <p:nvSpPr>
-          <p:cNvPr id="220" name="Google Shape;220;p42"/>
+          <p:cNvPr id="221" name="Google Shape;221;p42"/>
           <p:cNvSpPr txBox="1"/>
           <p:nvPr>
             <p:ph idx="12" type="sldNum"/>
@@ -34559,7 +34587,7 @@
   <p:cSld>
     <p:spTree>
       <p:nvGrpSpPr>
-        <p:cNvPr id="224" name="Shape 224"/>
+        <p:cNvPr id="225" name="Shape 225"/>
         <p:cNvGrpSpPr/>
         <p:nvPr/>
       </p:nvGrpSpPr>
@@ -34573,7 +34601,7 @@
       </p:grpSpPr>
       <p:pic>
         <p:nvPicPr>
-          <p:cNvPr id="225" name="Google Shape;225;p43"/>
+          <p:cNvPr id="226" name="Google Shape;226;p43"/>
           <p:cNvPicPr preferRelativeResize="0"/>
           <p:nvPr/>
         </p:nvPicPr>
@@ -34601,7 +34629,7 @@
       </p:pic>
       <p:sp>
         <p:nvSpPr>
-          <p:cNvPr id="226" name="Google Shape;226;p43"/>
+          <p:cNvPr id="227" name="Google Shape;227;p43"/>
           <p:cNvSpPr txBox="1"/>
           <p:nvPr>
             <p:ph type="title"/>
@@ -34649,7 +34677,7 @@
       </p:sp>
       <p:sp>
         <p:nvSpPr>
-          <p:cNvPr id="227" name="Google Shape;227;p43"/>
+          <p:cNvPr id="228" name="Google Shape;228;p43"/>
           <p:cNvSpPr txBox="1"/>
           <p:nvPr>
             <p:ph idx="4294967295" type="body"/>
@@ -34758,7 +34786,7 @@
       </p:sp>
       <p:sp>
         <p:nvSpPr>
-          <p:cNvPr id="228" name="Google Shape;228;p43"/>
+          <p:cNvPr id="229" name="Google Shape;229;p43"/>
           <p:cNvSpPr txBox="1"/>
           <p:nvPr>
             <p:ph idx="12" type="sldNum"/>
@@ -34806,7 +34834,7 @@
       </p:sp>
       <p:pic>
         <p:nvPicPr>
-          <p:cNvPr id="229" name="Google Shape;229;p43"/>
+          <p:cNvPr id="230" name="Google Shape;230;p43"/>
           <p:cNvPicPr preferRelativeResize="0"/>
           <p:nvPr/>
         </p:nvPicPr>
@@ -34834,7 +34862,7 @@
       </p:pic>
       <p:sp>
         <p:nvSpPr>
-          <p:cNvPr id="230" name="Google Shape;230;p43"/>
+          <p:cNvPr id="231" name="Google Shape;231;p43"/>
           <p:cNvSpPr txBox="1"/>
           <p:nvPr/>
         </p:nvSpPr>
@@ -34897,7 +34925,7 @@
   <p:cSld>
     <p:spTree>
       <p:nvGrpSpPr>
-        <p:cNvPr id="234" name="Shape 234"/>
+        <p:cNvPr id="235" name="Shape 235"/>
         <p:cNvGrpSpPr/>
         <p:nvPr/>
       </p:nvGrpSpPr>
@@ -34911,7 +34939,7 @@
       </p:grpSpPr>
       <p:pic>
         <p:nvPicPr>
-          <p:cNvPr id="235" name="Google Shape;235;p44"/>
+          <p:cNvPr id="236" name="Google Shape;236;p44"/>
           <p:cNvPicPr preferRelativeResize="0"/>
           <p:nvPr/>
         </p:nvPicPr>
@@ -34939,7 +34967,7 @@
       </p:pic>
       <p:sp>
         <p:nvSpPr>
-          <p:cNvPr id="236" name="Google Shape;236;p44"/>
+          <p:cNvPr id="237" name="Google Shape;237;p44"/>
           <p:cNvSpPr txBox="1"/>
           <p:nvPr>
             <p:ph type="title"/>
@@ -34987,7 +35015,7 @@
       </p:sp>
       <p:sp>
         <p:nvSpPr>
-          <p:cNvPr id="237" name="Google Shape;237;p44"/>
+          <p:cNvPr id="238" name="Google Shape;238;p44"/>
           <p:cNvSpPr txBox="1"/>
           <p:nvPr>
             <p:ph idx="4294967295" type="body"/>
@@ -35154,7 +35182,7 @@
       </p:sp>
       <p:sp>
         <p:nvSpPr>
-          <p:cNvPr id="238" name="Google Shape;238;p44"/>
+          <p:cNvPr id="239" name="Google Shape;239;p44"/>
           <p:cNvSpPr txBox="1"/>
           <p:nvPr>
             <p:ph idx="12" type="sldNum"/>
@@ -35213,7 +35241,7 @@
   <p:cSld>
     <p:spTree>
       <p:nvGrpSpPr>
-        <p:cNvPr id="242" name="Shape 242"/>
+        <p:cNvPr id="243" name="Shape 243"/>
         <p:cNvGrpSpPr/>
         <p:nvPr/>
       </p:nvGrpSpPr>
@@ -35227,7 +35255,7 @@
       </p:grpSpPr>
       <p:pic>
         <p:nvPicPr>
-          <p:cNvPr id="243" name="Google Shape;243;p45"/>
+          <p:cNvPr id="244" name="Google Shape;244;p45"/>
           <p:cNvPicPr preferRelativeResize="0"/>
           <p:nvPr/>
         </p:nvPicPr>
@@ -35255,7 +35283,7 @@
       </p:pic>
       <p:sp>
         <p:nvSpPr>
-          <p:cNvPr id="244" name="Google Shape;244;p45"/>
+          <p:cNvPr id="245" name="Google Shape;245;p45"/>
           <p:cNvSpPr txBox="1"/>
           <p:nvPr>
             <p:ph type="title"/>
@@ -35303,7 +35331,7 @@
       </p:sp>
       <p:sp>
         <p:nvSpPr>
-          <p:cNvPr id="245" name="Google Shape;245;p45"/>
+          <p:cNvPr id="246" name="Google Shape;246;p45"/>
           <p:cNvSpPr txBox="1"/>
           <p:nvPr>
             <p:ph idx="4294967295" type="body"/>
@@ -35378,7 +35406,7 @@
       </p:sp>
       <p:sp>
         <p:nvSpPr>
-          <p:cNvPr id="246" name="Google Shape;246;p45"/>
+          <p:cNvPr id="247" name="Google Shape;247;p45"/>
           <p:cNvSpPr txBox="1"/>
           <p:nvPr>
             <p:ph idx="12" type="sldNum"/>
@@ -35426,7 +35454,7 @@
       </p:sp>
       <p:sp>
         <p:nvSpPr>
-          <p:cNvPr id="247" name="Google Shape;247;p45"/>
+          <p:cNvPr id="248" name="Google Shape;248;p45"/>
           <p:cNvSpPr txBox="1"/>
           <p:nvPr/>
         </p:nvSpPr>
@@ -35478,7 +35506,7 @@
       </p:sp>
       <p:pic>
         <p:nvPicPr>
-          <p:cNvPr id="248" name="Google Shape;248;p45"/>
+          <p:cNvPr id="249" name="Google Shape;249;p45"/>
           <p:cNvPicPr preferRelativeResize="0"/>
           <p:nvPr/>
         </p:nvPicPr>
@@ -35513,6 +35541,564 @@
 </file>
 
 <file path=ppt/theme/theme1.xml><?xml version="1.0" encoding="utf-8"?>
+<a:theme xmlns:a="http://schemas.openxmlformats.org/drawingml/2006/main" xmlns:r="http://schemas.openxmlformats.org/officeDocument/2006/relationships" name="Simple Light">
+  <a:themeElements>
+    <a:clrScheme name="Simple Light">
+      <a:dk1>
+        <a:srgbClr val="000000"/>
+      </a:dk1>
+      <a:lt1>
+        <a:srgbClr val="FFFFFF"/>
+      </a:lt1>
+      <a:dk2>
+        <a:srgbClr val="595959"/>
+      </a:dk2>
+      <a:lt2>
+        <a:srgbClr val="EEEEEE"/>
+      </a:lt2>
+      <a:accent1>
+        <a:srgbClr val="4285F4"/>
+      </a:accent1>
+      <a:accent2>
+        <a:srgbClr val="212121"/>
+      </a:accent2>
+      <a:accent3>
+        <a:srgbClr val="78909C"/>
+      </a:accent3>
+      <a:accent4>
+        <a:srgbClr val="FFAB40"/>
+      </a:accent4>
+      <a:accent5>
+        <a:srgbClr val="0097A7"/>
+      </a:accent5>
+      <a:accent6>
+        <a:srgbClr val="EEFF41"/>
+      </a:accent6>
+      <a:hlink>
+        <a:srgbClr val="0097A7"/>
+      </a:hlink>
+      <a:folHlink>
+        <a:srgbClr val="0097A7"/>
+      </a:folHlink>
+    </a:clrScheme>
+    <a:fontScheme name="Office">
+      <a:majorFont>
+        <a:latin typeface="Arial"/>
+        <a:ea typeface=""/>
+        <a:cs typeface=""/>
+        <a:font script="Jpan" typeface="ＭＳ Ｐゴシック"/>
+        <a:font script="Hang" typeface="맑은 고딕"/>
+        <a:font script="Hans" typeface="宋体"/>
+        <a:font script="Hant" typeface="新細明體"/>
+        <a:font script="Arab" typeface="Times New Roman"/>
+        <a:font script="Hebr" typeface="Times New Roman"/>
+        <a:font script="Thai" typeface="Angsana New"/>
+        <a:font script="Ethi" typeface="Nyala"/>
+        <a:font script="Beng" typeface="Vrinda"/>
+        <a:font script="Gujr" typeface="Shruti"/>
+        <a:font script="Khmr" typeface="MoolBoran"/>
+        <a:font script="Knda" typeface="Tunga"/>
+        <a:font script="Guru" typeface="Raavi"/>
+        <a:font script="Cans" typeface="Euphemia"/>
+        <a:font script="Cher" typeface="Plantagenet Cherokee"/>
+        <a:font script="Yiii" typeface="Microsoft Yi Baiti"/>
+        <a:font script="Tibt" typeface="Microsoft Himalaya"/>
+        <a:font script="Thaa" typeface="MV Boli"/>
+        <a:font script="Deva" typeface="Mangal"/>
+        <a:font script="Telu" typeface="Gautami"/>
+        <a:font script="Taml" typeface="Latha"/>
+        <a:font script="Syrc" typeface="Estrangelo Edessa"/>
+        <a:font script="Orya" typeface="Kalinga"/>
+        <a:font script="Mlym" typeface="Kartika"/>
+        <a:font script="Laoo" typeface="DokChampa"/>
+        <a:font script="Sinh" typeface="Iskoola Pota"/>
+        <a:font script="Mong" typeface="Mongolian Baiti"/>
+        <a:font script="Viet" typeface="Times New Roman"/>
+        <a:font script="Uigh" typeface="Microsoft Uighur"/>
+        <a:font script="Geor" typeface="Sylfaen"/>
+      </a:majorFont>
+      <a:minorFont>
+        <a:latin typeface="Arial"/>
+        <a:ea typeface=""/>
+        <a:cs typeface=""/>
+        <a:font script="Jpan" typeface="ＭＳ Ｐゴシック"/>
+        <a:font script="Hang" typeface="맑은 고딕"/>
+        <a:font script="Hans" typeface="宋体"/>
+        <a:font script="Hant" typeface="新細明體"/>
+        <a:font script="Arab" typeface="Arial"/>
+        <a:font script="Hebr" typeface="Arial"/>
+        <a:font script="Thai" typeface="Cordia New"/>
+        <a:font script="Ethi" typeface="Nyala"/>
+        <a:font script="Beng" typeface="Vrinda"/>
+        <a:font script="Gujr" typeface="Shruti"/>
+        <a:font script="Khmr" typeface="DaunPenh"/>
+        <a:font script="Knda" typeface="Tunga"/>
+        <a:font script="Guru" typeface="Raavi"/>
+        <a:font script="Cans" typeface="Euphemia"/>
+        <a:font script="Cher" typeface="Plantagenet Cherokee"/>
+        <a:font script="Yiii" typeface="Microsoft Yi Baiti"/>
+        <a:font script="Tibt" typeface="Microsoft Himalaya"/>
+        <a:font script="Thaa" typeface="MV Boli"/>
+        <a:font script="Deva" typeface="Mangal"/>
+        <a:font script="Telu" typeface="Gautami"/>
+        <a:font script="Taml" typeface="Latha"/>
+        <a:font script="Syrc" typeface="Estrangelo Edessa"/>
+        <a:font script="Orya" typeface="Kalinga"/>
+        <a:font script="Mlym" typeface="Kartika"/>
+        <a:font script="Laoo" typeface="DokChampa"/>
+        <a:font script="Sinh" typeface="Iskoola Pota"/>
+        <a:font script="Mong" typeface="Mongolian Baiti"/>
+        <a:font script="Viet" typeface="Arial"/>
+        <a:font script="Uigh" typeface="Microsoft Uighur"/>
+        <a:font script="Geor" typeface="Sylfaen"/>
+      </a:minorFont>
+    </a:fontScheme>
+    <a:fmtScheme name="Office">
+      <a:fillStyleLst>
+        <a:solidFill>
+          <a:schemeClr val="phClr"/>
+        </a:solidFill>
+        <a:gradFill rotWithShape="1">
+          <a:gsLst>
+            <a:gs pos="0">
+              <a:schemeClr val="phClr">
+                <a:tint val="50000"/>
+                <a:satMod val="300000"/>
+              </a:schemeClr>
+            </a:gs>
+            <a:gs pos="35000">
+              <a:schemeClr val="phClr">
+                <a:tint val="37000"/>
+                <a:satMod val="300000"/>
+              </a:schemeClr>
+            </a:gs>
+            <a:gs pos="100000">
+              <a:schemeClr val="phClr">
+                <a:tint val="15000"/>
+                <a:satMod val="350000"/>
+              </a:schemeClr>
+            </a:gs>
+          </a:gsLst>
+          <a:lin ang="16200000" scaled="1"/>
+        </a:gradFill>
+        <a:gradFill rotWithShape="1">
+          <a:gsLst>
+            <a:gs pos="0">
+              <a:schemeClr val="phClr">
+                <a:tint val="100000"/>
+                <a:shade val="100000"/>
+                <a:satMod val="130000"/>
+              </a:schemeClr>
+            </a:gs>
+            <a:gs pos="100000">
+              <a:schemeClr val="phClr">
+                <a:tint val="50000"/>
+                <a:shade val="100000"/>
+                <a:satMod val="350000"/>
+              </a:schemeClr>
+            </a:gs>
+          </a:gsLst>
+          <a:lin ang="16200000" scaled="0"/>
+        </a:gradFill>
+      </a:fillStyleLst>
+      <a:lnStyleLst>
+        <a:ln w="9525" cap="flat" cmpd="sng" algn="ctr">
+          <a:solidFill>
+            <a:schemeClr val="phClr">
+              <a:shade val="95000"/>
+              <a:satMod val="105000"/>
+            </a:schemeClr>
+          </a:solidFill>
+          <a:prstDash val="solid"/>
+        </a:ln>
+        <a:ln w="25400" cap="flat" cmpd="sng" algn="ctr">
+          <a:solidFill>
+            <a:schemeClr val="phClr"/>
+          </a:solidFill>
+          <a:prstDash val="solid"/>
+        </a:ln>
+        <a:ln w="38100" cap="flat" cmpd="sng" algn="ctr">
+          <a:solidFill>
+            <a:schemeClr val="phClr"/>
+          </a:solidFill>
+          <a:prstDash val="solid"/>
+        </a:ln>
+      </a:lnStyleLst>
+      <a:effectStyleLst>
+        <a:effectStyle>
+          <a:effectLst>
+            <a:outerShdw blurRad="40000" dist="20000" dir="5400000" rotWithShape="0">
+              <a:srgbClr val="000000">
+                <a:alpha val="38000"/>
+              </a:srgbClr>
+            </a:outerShdw>
+          </a:effectLst>
+        </a:effectStyle>
+        <a:effectStyle>
+          <a:effectLst>
+            <a:outerShdw blurRad="40000" dist="23000" dir="5400000" rotWithShape="0">
+              <a:srgbClr val="000000">
+                <a:alpha val="35000"/>
+              </a:srgbClr>
+            </a:outerShdw>
+          </a:effectLst>
+        </a:effectStyle>
+        <a:effectStyle>
+          <a:effectLst>
+            <a:outerShdw blurRad="40000" dist="23000" dir="5400000" rotWithShape="0">
+              <a:srgbClr val="000000">
+                <a:alpha val="35000"/>
+              </a:srgbClr>
+            </a:outerShdw>
+          </a:effectLst>
+          <a:scene3d>
+            <a:camera prst="orthographicFront">
+              <a:rot lat="0" lon="0" rev="0"/>
+            </a:camera>
+            <a:lightRig rig="threePt" dir="t">
+              <a:rot lat="0" lon="0" rev="1200000"/>
+            </a:lightRig>
+          </a:scene3d>
+          <a:sp3d>
+            <a:bevelT w="63500" h="25400"/>
+          </a:sp3d>
+        </a:effectStyle>
+      </a:effectStyleLst>
+      <a:bgFillStyleLst>
+        <a:solidFill>
+          <a:schemeClr val="phClr"/>
+        </a:solidFill>
+        <a:gradFill rotWithShape="1">
+          <a:gsLst>
+            <a:gs pos="0">
+              <a:schemeClr val="phClr">
+                <a:tint val="40000"/>
+                <a:satMod val="350000"/>
+              </a:schemeClr>
+            </a:gs>
+            <a:gs pos="40000">
+              <a:schemeClr val="phClr">
+                <a:tint val="45000"/>
+                <a:shade val="99000"/>
+                <a:satMod val="350000"/>
+              </a:schemeClr>
+            </a:gs>
+            <a:gs pos="100000">
+              <a:schemeClr val="phClr">
+                <a:shade val="20000"/>
+                <a:satMod val="255000"/>
+              </a:schemeClr>
+            </a:gs>
+          </a:gsLst>
+          <a:path path="circle">
+            <a:fillToRect l="50000" t="-80000" r="50000" b="180000"/>
+          </a:path>
+        </a:gradFill>
+        <a:gradFill rotWithShape="1">
+          <a:gsLst>
+            <a:gs pos="0">
+              <a:schemeClr val="phClr">
+                <a:tint val="80000"/>
+                <a:satMod val="300000"/>
+              </a:schemeClr>
+            </a:gs>
+            <a:gs pos="100000">
+              <a:schemeClr val="phClr">
+                <a:shade val="30000"/>
+                <a:satMod val="200000"/>
+              </a:schemeClr>
+            </a:gs>
+          </a:gsLst>
+          <a:path path="circle">
+            <a:fillToRect l="50000" t="50000" r="50000" b="50000"/>
+          </a:path>
+        </a:gradFill>
+      </a:bgFillStyleLst>
+    </a:fmtScheme>
+  </a:themeElements>
+</a:theme>
+</file>
+
+<file path=ppt/theme/theme2.xml><?xml version="1.0" encoding="utf-8"?>
+<a:theme xmlns:a="http://schemas.openxmlformats.org/drawingml/2006/main" xmlns:r="http://schemas.openxmlformats.org/officeDocument/2006/relationships" name="Simple Light">
+  <a:themeElements>
+    <a:clrScheme name="Simple Light">
+      <a:dk1>
+        <a:srgbClr val="000000"/>
+      </a:dk1>
+      <a:lt1>
+        <a:srgbClr val="FFFFFF"/>
+      </a:lt1>
+      <a:dk2>
+        <a:srgbClr val="595959"/>
+      </a:dk2>
+      <a:lt2>
+        <a:srgbClr val="EEEEEE"/>
+      </a:lt2>
+      <a:accent1>
+        <a:srgbClr val="4285F4"/>
+      </a:accent1>
+      <a:accent2>
+        <a:srgbClr val="212121"/>
+      </a:accent2>
+      <a:accent3>
+        <a:srgbClr val="78909C"/>
+      </a:accent3>
+      <a:accent4>
+        <a:srgbClr val="FFAB40"/>
+      </a:accent4>
+      <a:accent5>
+        <a:srgbClr val="0097A7"/>
+      </a:accent5>
+      <a:accent6>
+        <a:srgbClr val="EEFF41"/>
+      </a:accent6>
+      <a:hlink>
+        <a:srgbClr val="0097A7"/>
+      </a:hlink>
+      <a:folHlink>
+        <a:srgbClr val="0097A7"/>
+      </a:folHlink>
+    </a:clrScheme>
+    <a:fontScheme name="Office">
+      <a:majorFont>
+        <a:latin typeface="Arial"/>
+        <a:ea typeface=""/>
+        <a:cs typeface=""/>
+        <a:font script="Jpan" typeface="ＭＳ Ｐゴシック"/>
+        <a:font script="Hang" typeface="맑은 고딕"/>
+        <a:font script="Hans" typeface="宋体"/>
+        <a:font script="Hant" typeface="新細明體"/>
+        <a:font script="Arab" typeface="Times New Roman"/>
+        <a:font script="Hebr" typeface="Times New Roman"/>
+        <a:font script="Thai" typeface="Angsana New"/>
+        <a:font script="Ethi" typeface="Nyala"/>
+        <a:font script="Beng" typeface="Vrinda"/>
+        <a:font script="Gujr" typeface="Shruti"/>
+        <a:font script="Khmr" typeface="MoolBoran"/>
+        <a:font script="Knda" typeface="Tunga"/>
+        <a:font script="Guru" typeface="Raavi"/>
+        <a:font script="Cans" typeface="Euphemia"/>
+        <a:font script="Cher" typeface="Plantagenet Cherokee"/>
+        <a:font script="Yiii" typeface="Microsoft Yi Baiti"/>
+        <a:font script="Tibt" typeface="Microsoft Himalaya"/>
+        <a:font script="Thaa" typeface="MV Boli"/>
+        <a:font script="Deva" typeface="Mangal"/>
+        <a:font script="Telu" typeface="Gautami"/>
+        <a:font script="Taml" typeface="Latha"/>
+        <a:font script="Syrc" typeface="Estrangelo Edessa"/>
+        <a:font script="Orya" typeface="Kalinga"/>
+        <a:font script="Mlym" typeface="Kartika"/>
+        <a:font script="Laoo" typeface="DokChampa"/>
+        <a:font script="Sinh" typeface="Iskoola Pota"/>
+        <a:font script="Mong" typeface="Mongolian Baiti"/>
+        <a:font script="Viet" typeface="Times New Roman"/>
+        <a:font script="Uigh" typeface="Microsoft Uighur"/>
+        <a:font script="Geor" typeface="Sylfaen"/>
+      </a:majorFont>
+      <a:minorFont>
+        <a:latin typeface="Arial"/>
+        <a:ea typeface=""/>
+        <a:cs typeface=""/>
+        <a:font script="Jpan" typeface="ＭＳ Ｐゴシック"/>
+        <a:font script="Hang" typeface="맑은 고딕"/>
+        <a:font script="Hans" typeface="宋体"/>
+        <a:font script="Hant" typeface="新細明體"/>
+        <a:font script="Arab" typeface="Arial"/>
+        <a:font script="Hebr" typeface="Arial"/>
+        <a:font script="Thai" typeface="Cordia New"/>
+        <a:font script="Ethi" typeface="Nyala"/>
+        <a:font script="Beng" typeface="Vrinda"/>
+        <a:font script="Gujr" typeface="Shruti"/>
+        <a:font script="Khmr" typeface="DaunPenh"/>
+        <a:font script="Knda" typeface="Tunga"/>
+        <a:font script="Guru" typeface="Raavi"/>
+        <a:font script="Cans" typeface="Euphemia"/>
+        <a:font script="Cher" typeface="Plantagenet Cherokee"/>
+        <a:font script="Yiii" typeface="Microsoft Yi Baiti"/>
+        <a:font script="Tibt" typeface="Microsoft Himalaya"/>
+        <a:font script="Thaa" typeface="MV Boli"/>
+        <a:font script="Deva" typeface="Mangal"/>
+        <a:font script="Telu" typeface="Gautami"/>
+        <a:font script="Taml" typeface="Latha"/>
+        <a:font script="Syrc" typeface="Estrangelo Edessa"/>
+        <a:font script="Orya" typeface="Kalinga"/>
+        <a:font script="Mlym" typeface="Kartika"/>
+        <a:font script="Laoo" typeface="DokChampa"/>
+        <a:font script="Sinh" typeface="Iskoola Pota"/>
+        <a:font script="Mong" typeface="Mongolian Baiti"/>
+        <a:font script="Viet" typeface="Arial"/>
+        <a:font script="Uigh" typeface="Microsoft Uighur"/>
+        <a:font script="Geor" typeface="Sylfaen"/>
+      </a:minorFont>
+    </a:fontScheme>
+    <a:fmtScheme name="Office">
+      <a:fillStyleLst>
+        <a:solidFill>
+          <a:schemeClr val="phClr"/>
+        </a:solidFill>
+        <a:gradFill rotWithShape="1">
+          <a:gsLst>
+            <a:gs pos="0">
+              <a:schemeClr val="phClr">
+                <a:tint val="50000"/>
+                <a:satMod val="300000"/>
+              </a:schemeClr>
+            </a:gs>
+            <a:gs pos="35000">
+              <a:schemeClr val="phClr">
+                <a:tint val="37000"/>
+                <a:satMod val="300000"/>
+              </a:schemeClr>
+            </a:gs>
+            <a:gs pos="100000">
+              <a:schemeClr val="phClr">
+                <a:tint val="15000"/>
+                <a:satMod val="350000"/>
+              </a:schemeClr>
+            </a:gs>
+          </a:gsLst>
+          <a:lin ang="16200000" scaled="1"/>
+        </a:gradFill>
+        <a:gradFill rotWithShape="1">
+          <a:gsLst>
+            <a:gs pos="0">
+              <a:schemeClr val="phClr">
+                <a:tint val="100000"/>
+                <a:shade val="100000"/>
+                <a:satMod val="130000"/>
+              </a:schemeClr>
+            </a:gs>
+            <a:gs pos="100000">
+              <a:schemeClr val="phClr">
+                <a:tint val="50000"/>
+                <a:shade val="100000"/>
+                <a:satMod val="350000"/>
+              </a:schemeClr>
+            </a:gs>
+          </a:gsLst>
+          <a:lin ang="16200000" scaled="0"/>
+        </a:gradFill>
+      </a:fillStyleLst>
+      <a:lnStyleLst>
+        <a:ln w="9525" cap="flat" cmpd="sng" algn="ctr">
+          <a:solidFill>
+            <a:schemeClr val="phClr">
+              <a:shade val="95000"/>
+              <a:satMod val="105000"/>
+            </a:schemeClr>
+          </a:solidFill>
+          <a:prstDash val="solid"/>
+        </a:ln>
+        <a:ln w="25400" cap="flat" cmpd="sng" algn="ctr">
+          <a:solidFill>
+            <a:schemeClr val="phClr"/>
+          </a:solidFill>
+          <a:prstDash val="solid"/>
+        </a:ln>
+        <a:ln w="38100" cap="flat" cmpd="sng" algn="ctr">
+          <a:solidFill>
+            <a:schemeClr val="phClr"/>
+          </a:solidFill>
+          <a:prstDash val="solid"/>
+        </a:ln>
+      </a:lnStyleLst>
+      <a:effectStyleLst>
+        <a:effectStyle>
+          <a:effectLst>
+            <a:outerShdw blurRad="40000" dist="20000" dir="5400000" rotWithShape="0">
+              <a:srgbClr val="000000">
+                <a:alpha val="38000"/>
+              </a:srgbClr>
+            </a:outerShdw>
+          </a:effectLst>
+        </a:effectStyle>
+        <a:effectStyle>
+          <a:effectLst>
+            <a:outerShdw blurRad="40000" dist="23000" dir="5400000" rotWithShape="0">
+              <a:srgbClr val="000000">
+                <a:alpha val="35000"/>
+              </a:srgbClr>
+            </a:outerShdw>
+          </a:effectLst>
+        </a:effectStyle>
+        <a:effectStyle>
+          <a:effectLst>
+            <a:outerShdw blurRad="40000" dist="23000" dir="5400000" rotWithShape="0">
+              <a:srgbClr val="000000">
+                <a:alpha val="35000"/>
+              </a:srgbClr>
+            </a:outerShdw>
+          </a:effectLst>
+          <a:scene3d>
+            <a:camera prst="orthographicFront">
+              <a:rot lat="0" lon="0" rev="0"/>
+            </a:camera>
+            <a:lightRig rig="threePt" dir="t">
+              <a:rot lat="0" lon="0" rev="1200000"/>
+            </a:lightRig>
+          </a:scene3d>
+          <a:sp3d>
+            <a:bevelT w="63500" h="25400"/>
+          </a:sp3d>
+        </a:effectStyle>
+      </a:effectStyleLst>
+      <a:bgFillStyleLst>
+        <a:solidFill>
+          <a:schemeClr val="phClr"/>
+        </a:solidFill>
+        <a:gradFill rotWithShape="1">
+          <a:gsLst>
+            <a:gs pos="0">
+              <a:schemeClr val="phClr">
+                <a:tint val="40000"/>
+                <a:satMod val="350000"/>
+              </a:schemeClr>
+            </a:gs>
+            <a:gs pos="40000">
+              <a:schemeClr val="phClr">
+                <a:tint val="45000"/>
+                <a:shade val="99000"/>
+                <a:satMod val="350000"/>
+              </a:schemeClr>
+            </a:gs>
+            <a:gs pos="100000">
+              <a:schemeClr val="phClr">
+                <a:shade val="20000"/>
+                <a:satMod val="255000"/>
+              </a:schemeClr>
+            </a:gs>
+          </a:gsLst>
+          <a:path path="circle">
+            <a:fillToRect l="50000" t="-80000" r="50000" b="180000"/>
+          </a:path>
+        </a:gradFill>
+        <a:gradFill rotWithShape="1">
+          <a:gsLst>
+            <a:gs pos="0">
+              <a:schemeClr val="phClr">
+                <a:tint val="80000"/>
+                <a:satMod val="300000"/>
+              </a:schemeClr>
+            </a:gs>
+            <a:gs pos="100000">
+              <a:schemeClr val="phClr">
+                <a:shade val="30000"/>
+                <a:satMod val="200000"/>
+              </a:schemeClr>
+            </a:gs>
+          </a:gsLst>
+          <a:path path="circle">
+            <a:fillToRect l="50000" t="50000" r="50000" b="50000"/>
+          </a:path>
+        </a:gradFill>
+      </a:bgFillStyleLst>
+    </a:fmtScheme>
+  </a:themeElements>
+</a:theme>
+</file>
+
+<file path=ppt/theme/theme3.xml><?xml version="1.0" encoding="utf-8"?>
 <a:theme xmlns:a="http://schemas.openxmlformats.org/drawingml/2006/main" xmlns:r="http://schemas.openxmlformats.org/officeDocument/2006/relationships">
   <a:themeElements>
     <a:clrScheme name="Default">
@@ -35791,7 +36377,7 @@
 </a:theme>
 </file>
 
-<file path=ppt/theme/theme2.xml><?xml version="1.0" encoding="utf-8"?>
+<file path=ppt/theme/theme4.xml><?xml version="1.0" encoding="utf-8"?>
 <a:theme xmlns:a="http://schemas.openxmlformats.org/drawingml/2006/main" xmlns:r="http://schemas.openxmlformats.org/officeDocument/2006/relationships" name="Geometric">
   <a:themeElements>
     <a:clrScheme name="Geometric">
@@ -36068,562 +36654,4 @@
     </a:fmtScheme>
   </a:themeElements>
 </a:theme>
-</file>
-
-<file path=ppt/theme/theme3.xml><?xml version="1.0" encoding="utf-8"?>
-<a:theme xmlns:a="http://schemas.openxmlformats.org/drawingml/2006/main" xmlns:r="http://schemas.openxmlformats.org/officeDocument/2006/relationships" name="Simple Light">
-  <a:themeElements>
-    <a:clrScheme name="Simple Light">
-      <a:dk1>
-        <a:srgbClr val="000000"/>
-      </a:dk1>
-      <a:lt1>
-        <a:srgbClr val="FFFFFF"/>
-      </a:lt1>
-      <a:dk2>
-        <a:srgbClr val="595959"/>
-      </a:dk2>
-      <a:lt2>
-        <a:srgbClr val="EEEEEE"/>
-      </a:lt2>
-      <a:accent1>
-        <a:srgbClr val="4285F4"/>
-      </a:accent1>
-      <a:accent2>
-        <a:srgbClr val="212121"/>
-      </a:accent2>
-      <a:accent3>
-        <a:srgbClr val="78909C"/>
-      </a:accent3>
-      <a:accent4>
-        <a:srgbClr val="FFAB40"/>
-      </a:accent4>
-      <a:accent5>
-        <a:srgbClr val="0097A7"/>
-      </a:accent5>
-      <a:accent6>
-        <a:srgbClr val="EEFF41"/>
-      </a:accent6>
-      <a:hlink>
-        <a:srgbClr val="0097A7"/>
-      </a:hlink>
-      <a:folHlink>
-        <a:srgbClr val="0097A7"/>
-      </a:folHlink>
-    </a:clrScheme>
-    <a:fontScheme name="Office">
-      <a:majorFont>
-        <a:latin typeface="Arial"/>
-        <a:ea typeface=""/>
-        <a:cs typeface=""/>
-        <a:font script="Jpan" typeface="ＭＳ Ｐゴシック"/>
-        <a:font script="Hang" typeface="맑은 고딕"/>
-        <a:font script="Hans" typeface="宋体"/>
-        <a:font script="Hant" typeface="新細明體"/>
-        <a:font script="Arab" typeface="Times New Roman"/>
-        <a:font script="Hebr" typeface="Times New Roman"/>
-        <a:font script="Thai" typeface="Angsana New"/>
-        <a:font script="Ethi" typeface="Nyala"/>
-        <a:font script="Beng" typeface="Vrinda"/>
-        <a:font script="Gujr" typeface="Shruti"/>
-        <a:font script="Khmr" typeface="MoolBoran"/>
-        <a:font script="Knda" typeface="Tunga"/>
-        <a:font script="Guru" typeface="Raavi"/>
-        <a:font script="Cans" typeface="Euphemia"/>
-        <a:font script="Cher" typeface="Plantagenet Cherokee"/>
-        <a:font script="Yiii" typeface="Microsoft Yi Baiti"/>
-        <a:font script="Tibt" typeface="Microsoft Himalaya"/>
-        <a:font script="Thaa" typeface="MV Boli"/>
-        <a:font script="Deva" typeface="Mangal"/>
-        <a:font script="Telu" typeface="Gautami"/>
-        <a:font script="Taml" typeface="Latha"/>
-        <a:font script="Syrc" typeface="Estrangelo Edessa"/>
-        <a:font script="Orya" typeface="Kalinga"/>
-        <a:font script="Mlym" typeface="Kartika"/>
-        <a:font script="Laoo" typeface="DokChampa"/>
-        <a:font script="Sinh" typeface="Iskoola Pota"/>
-        <a:font script="Mong" typeface="Mongolian Baiti"/>
-        <a:font script="Viet" typeface="Times New Roman"/>
-        <a:font script="Uigh" typeface="Microsoft Uighur"/>
-        <a:font script="Geor" typeface="Sylfaen"/>
-      </a:majorFont>
-      <a:minorFont>
-        <a:latin typeface="Arial"/>
-        <a:ea typeface=""/>
-        <a:cs typeface=""/>
-        <a:font script="Jpan" typeface="ＭＳ Ｐゴシック"/>
-        <a:font script="Hang" typeface="맑은 고딕"/>
-        <a:font script="Hans" typeface="宋体"/>
-        <a:font script="Hant" typeface="新細明體"/>
-        <a:font script="Arab" typeface="Arial"/>
-        <a:font script="Hebr" typeface="Arial"/>
-        <a:font script="Thai" typeface="Cordia New"/>
-        <a:font script="Ethi" typeface="Nyala"/>
-        <a:font script="Beng" typeface="Vrinda"/>
-        <a:font script="Gujr" typeface="Shruti"/>
-        <a:font script="Khmr" typeface="DaunPenh"/>
-        <a:font script="Knda" typeface="Tunga"/>
-        <a:font script="Guru" typeface="Raavi"/>
-        <a:font script="Cans" typeface="Euphemia"/>
-        <a:font script="Cher" typeface="Plantagenet Cherokee"/>
-        <a:font script="Yiii" typeface="Microsoft Yi Baiti"/>
-        <a:font script="Tibt" typeface="Microsoft Himalaya"/>
-        <a:font script="Thaa" typeface="MV Boli"/>
-        <a:font script="Deva" typeface="Mangal"/>
-        <a:font script="Telu" typeface="Gautami"/>
-        <a:font script="Taml" typeface="Latha"/>
-        <a:font script="Syrc" typeface="Estrangelo Edessa"/>
-        <a:font script="Orya" typeface="Kalinga"/>
-        <a:font script="Mlym" typeface="Kartika"/>
-        <a:font script="Laoo" typeface="DokChampa"/>
-        <a:font script="Sinh" typeface="Iskoola Pota"/>
-        <a:font script="Mong" typeface="Mongolian Baiti"/>
-        <a:font script="Viet" typeface="Arial"/>
-        <a:font script="Uigh" typeface="Microsoft Uighur"/>
-        <a:font script="Geor" typeface="Sylfaen"/>
-      </a:minorFont>
-    </a:fontScheme>
-    <a:fmtScheme name="Office">
-      <a:fillStyleLst>
-        <a:solidFill>
-          <a:schemeClr val="phClr"/>
-        </a:solidFill>
-        <a:gradFill rotWithShape="1">
-          <a:gsLst>
-            <a:gs pos="0">
-              <a:schemeClr val="phClr">
-                <a:tint val="50000"/>
-                <a:satMod val="300000"/>
-              </a:schemeClr>
-            </a:gs>
-            <a:gs pos="35000">
-              <a:schemeClr val="phClr">
-                <a:tint val="37000"/>
-                <a:satMod val="300000"/>
-              </a:schemeClr>
-            </a:gs>
-            <a:gs pos="100000">
-              <a:schemeClr val="phClr">
-                <a:tint val="15000"/>
-                <a:satMod val="350000"/>
-              </a:schemeClr>
-            </a:gs>
-          </a:gsLst>
-          <a:lin ang="16200000" scaled="1"/>
-        </a:gradFill>
-        <a:gradFill rotWithShape="1">
-          <a:gsLst>
-            <a:gs pos="0">
-              <a:schemeClr val="phClr">
-                <a:tint val="100000"/>
-                <a:shade val="100000"/>
-                <a:satMod val="130000"/>
-              </a:schemeClr>
-            </a:gs>
-            <a:gs pos="100000">
-              <a:schemeClr val="phClr">
-                <a:tint val="50000"/>
-                <a:shade val="100000"/>
-                <a:satMod val="350000"/>
-              </a:schemeClr>
-            </a:gs>
-          </a:gsLst>
-          <a:lin ang="16200000" scaled="0"/>
-        </a:gradFill>
-      </a:fillStyleLst>
-      <a:lnStyleLst>
-        <a:ln w="9525" cap="flat" cmpd="sng" algn="ctr">
-          <a:solidFill>
-            <a:schemeClr val="phClr">
-              <a:shade val="95000"/>
-              <a:satMod val="105000"/>
-            </a:schemeClr>
-          </a:solidFill>
-          <a:prstDash val="solid"/>
-        </a:ln>
-        <a:ln w="25400" cap="flat" cmpd="sng" algn="ctr">
-          <a:solidFill>
-            <a:schemeClr val="phClr"/>
-          </a:solidFill>
-          <a:prstDash val="solid"/>
-        </a:ln>
-        <a:ln w="38100" cap="flat" cmpd="sng" algn="ctr">
-          <a:solidFill>
-            <a:schemeClr val="phClr"/>
-          </a:solidFill>
-          <a:prstDash val="solid"/>
-        </a:ln>
-      </a:lnStyleLst>
-      <a:effectStyleLst>
-        <a:effectStyle>
-          <a:effectLst>
-            <a:outerShdw blurRad="40000" dist="20000" dir="5400000" rotWithShape="0">
-              <a:srgbClr val="000000">
-                <a:alpha val="38000"/>
-              </a:srgbClr>
-            </a:outerShdw>
-          </a:effectLst>
-        </a:effectStyle>
-        <a:effectStyle>
-          <a:effectLst>
-            <a:outerShdw blurRad="40000" dist="23000" dir="5400000" rotWithShape="0">
-              <a:srgbClr val="000000">
-                <a:alpha val="35000"/>
-              </a:srgbClr>
-            </a:outerShdw>
-          </a:effectLst>
-        </a:effectStyle>
-        <a:effectStyle>
-          <a:effectLst>
-            <a:outerShdw blurRad="40000" dist="23000" dir="5400000" rotWithShape="0">
-              <a:srgbClr val="000000">
-                <a:alpha val="35000"/>
-              </a:srgbClr>
-            </a:outerShdw>
-          </a:effectLst>
-          <a:scene3d>
-            <a:camera prst="orthographicFront">
-              <a:rot lat="0" lon="0" rev="0"/>
-            </a:camera>
-            <a:lightRig rig="threePt" dir="t">
-              <a:rot lat="0" lon="0" rev="1200000"/>
-            </a:lightRig>
-          </a:scene3d>
-          <a:sp3d>
-            <a:bevelT w="63500" h="25400"/>
-          </a:sp3d>
-        </a:effectStyle>
-      </a:effectStyleLst>
-      <a:bgFillStyleLst>
-        <a:solidFill>
-          <a:schemeClr val="phClr"/>
-        </a:solidFill>
-        <a:gradFill rotWithShape="1">
-          <a:gsLst>
-            <a:gs pos="0">
-              <a:schemeClr val="phClr">
-                <a:tint val="40000"/>
-                <a:satMod val="350000"/>
-              </a:schemeClr>
-            </a:gs>
-            <a:gs pos="40000">
-              <a:schemeClr val="phClr">
-                <a:tint val="45000"/>
-                <a:shade val="99000"/>
-                <a:satMod val="350000"/>
-              </a:schemeClr>
-            </a:gs>
-            <a:gs pos="100000">
-              <a:schemeClr val="phClr">
-                <a:shade val="20000"/>
-                <a:satMod val="255000"/>
-              </a:schemeClr>
-            </a:gs>
-          </a:gsLst>
-          <a:path path="circle">
-            <a:fillToRect l="50000" t="-80000" r="50000" b="180000"/>
-          </a:path>
-        </a:gradFill>
-        <a:gradFill rotWithShape="1">
-          <a:gsLst>
-            <a:gs pos="0">
-              <a:schemeClr val="phClr">
-                <a:tint val="80000"/>
-                <a:satMod val="300000"/>
-              </a:schemeClr>
-            </a:gs>
-            <a:gs pos="100000">
-              <a:schemeClr val="phClr">
-                <a:shade val="30000"/>
-                <a:satMod val="200000"/>
-              </a:schemeClr>
-            </a:gs>
-          </a:gsLst>
-          <a:path path="circle">
-            <a:fillToRect l="50000" t="50000" r="50000" b="50000"/>
-          </a:path>
-        </a:gradFill>
-      </a:bgFillStyleLst>
-    </a:fmtScheme>
-  </a:themeElements>
-</a:theme>
-</file>
-
-<file path=ppt/theme/theme4.xml><?xml version="1.0" encoding="utf-8"?>
-<a:theme xmlns:a="http://schemas.openxmlformats.org/drawingml/2006/main" xmlns:r="http://schemas.openxmlformats.org/officeDocument/2006/relationships" name="Simple Light">
-  <a:themeElements>
-    <a:clrScheme name="Simple Light">
-      <a:dk1>
-        <a:srgbClr val="000000"/>
-      </a:dk1>
-      <a:lt1>
-        <a:srgbClr val="FFFFFF"/>
-      </a:lt1>
-      <a:dk2>
-        <a:srgbClr val="595959"/>
-      </a:dk2>
-      <a:lt2>
-        <a:srgbClr val="EEEEEE"/>
-      </a:lt2>
-      <a:accent1>
-        <a:srgbClr val="4285F4"/>
-      </a:accent1>
-      <a:accent2>
-        <a:srgbClr val="212121"/>
-      </a:accent2>
-      <a:accent3>
-        <a:srgbClr val="78909C"/>
-      </a:accent3>
-      <a:accent4>
-        <a:srgbClr val="FFAB40"/>
-      </a:accent4>
-      <a:accent5>
-        <a:srgbClr val="0097A7"/>
-      </a:accent5>
-      <a:accent6>
-        <a:srgbClr val="EEFF41"/>
-      </a:accent6>
-      <a:hlink>
-        <a:srgbClr val="0097A7"/>
-      </a:hlink>
-      <a:folHlink>
-        <a:srgbClr val="0097A7"/>
-      </a:folHlink>
-    </a:clrScheme>
-    <a:fontScheme name="Office">
-      <a:majorFont>
-        <a:latin typeface="Arial"/>
-        <a:ea typeface=""/>
-        <a:cs typeface=""/>
-        <a:font script="Jpan" typeface="ＭＳ Ｐゴシック"/>
-        <a:font script="Hang" typeface="맑은 고딕"/>
-        <a:font script="Hans" typeface="宋体"/>
-        <a:font script="Hant" typeface="新細明體"/>
-        <a:font script="Arab" typeface="Times New Roman"/>
-        <a:font script="Hebr" typeface="Times New Roman"/>
-        <a:font script="Thai" typeface="Angsana New"/>
-        <a:font script="Ethi" typeface="Nyala"/>
-        <a:font script="Beng" typeface="Vrinda"/>
-        <a:font script="Gujr" typeface="Shruti"/>
-        <a:font script="Khmr" typeface="MoolBoran"/>
-        <a:font script="Knda" typeface="Tunga"/>
-        <a:font script="Guru" typeface="Raavi"/>
-        <a:font script="Cans" typeface="Euphemia"/>
-        <a:font script="Cher" typeface="Plantagenet Cherokee"/>
-        <a:font script="Yiii" typeface="Microsoft Yi Baiti"/>
-        <a:font script="Tibt" typeface="Microsoft Himalaya"/>
-        <a:font script="Thaa" typeface="MV Boli"/>
-        <a:font script="Deva" typeface="Mangal"/>
-        <a:font script="Telu" typeface="Gautami"/>
-        <a:font script="Taml" typeface="Latha"/>
-        <a:font script="Syrc" typeface="Estrangelo Edessa"/>
-        <a:font script="Orya" typeface="Kalinga"/>
-        <a:font script="Mlym" typeface="Kartika"/>
-        <a:font script="Laoo" typeface="DokChampa"/>
-        <a:font script="Sinh" typeface="Iskoola Pota"/>
-        <a:font script="Mong" typeface="Mongolian Baiti"/>
-        <a:font script="Viet" typeface="Times New Roman"/>
-        <a:font script="Uigh" typeface="Microsoft Uighur"/>
-        <a:font script="Geor" typeface="Sylfaen"/>
-      </a:majorFont>
-      <a:minorFont>
-        <a:latin typeface="Arial"/>
-        <a:ea typeface=""/>
-        <a:cs typeface=""/>
-        <a:font script="Jpan" typeface="ＭＳ Ｐゴシック"/>
-        <a:font script="Hang" typeface="맑은 고딕"/>
-        <a:font script="Hans" typeface="宋体"/>
-        <a:font script="Hant" typeface="新細明體"/>
-        <a:font script="Arab" typeface="Arial"/>
-        <a:font script="Hebr" typeface="Arial"/>
-        <a:font script="Thai" typeface="Cordia New"/>
-        <a:font script="Ethi" typeface="Nyala"/>
-        <a:font script="Beng" typeface="Vrinda"/>
-        <a:font script="Gujr" typeface="Shruti"/>
-        <a:font script="Khmr" typeface="DaunPenh"/>
-        <a:font script="Knda" typeface="Tunga"/>
-        <a:font script="Guru" typeface="Raavi"/>
-        <a:font script="Cans" typeface="Euphemia"/>
-        <a:font script="Cher" typeface="Plantagenet Cherokee"/>
-        <a:font script="Yiii" typeface="Microsoft Yi Baiti"/>
-        <a:font script="Tibt" typeface="Microsoft Himalaya"/>
-        <a:font script="Thaa" typeface="MV Boli"/>
-        <a:font script="Deva" typeface="Mangal"/>
-        <a:font script="Telu" typeface="Gautami"/>
-        <a:font script="Taml" typeface="Latha"/>
-        <a:font script="Syrc" typeface="Estrangelo Edessa"/>
-        <a:font script="Orya" typeface="Kalinga"/>
-        <a:font script="Mlym" typeface="Kartika"/>
-        <a:font script="Laoo" typeface="DokChampa"/>
-        <a:font script="Sinh" typeface="Iskoola Pota"/>
-        <a:font script="Mong" typeface="Mongolian Baiti"/>
-        <a:font script="Viet" typeface="Arial"/>
-        <a:font script="Uigh" typeface="Microsoft Uighur"/>
-        <a:font script="Geor" typeface="Sylfaen"/>
-      </a:minorFont>
-    </a:fontScheme>
-    <a:fmtScheme name="Office">
-      <a:fillStyleLst>
-        <a:solidFill>
-          <a:schemeClr val="phClr"/>
-        </a:solidFill>
-        <a:gradFill rotWithShape="1">
-          <a:gsLst>
-            <a:gs pos="0">
-              <a:schemeClr val="phClr">
-                <a:tint val="50000"/>
-                <a:satMod val="300000"/>
-              </a:schemeClr>
-            </a:gs>
-            <a:gs pos="35000">
-              <a:schemeClr val="phClr">
-                <a:tint val="37000"/>
-                <a:satMod val="300000"/>
-              </a:schemeClr>
-            </a:gs>
-            <a:gs pos="100000">
-              <a:schemeClr val="phClr">
-                <a:tint val="15000"/>
-                <a:satMod val="350000"/>
-              </a:schemeClr>
-            </a:gs>
-          </a:gsLst>
-          <a:lin ang="16200000" scaled="1"/>
-        </a:gradFill>
-        <a:gradFill rotWithShape="1">
-          <a:gsLst>
-            <a:gs pos="0">
-              <a:schemeClr val="phClr">
-                <a:tint val="100000"/>
-                <a:shade val="100000"/>
-                <a:satMod val="130000"/>
-              </a:schemeClr>
-            </a:gs>
-            <a:gs pos="100000">
-              <a:schemeClr val="phClr">
-                <a:tint val="50000"/>
-                <a:shade val="100000"/>
-                <a:satMod val="350000"/>
-              </a:schemeClr>
-            </a:gs>
-          </a:gsLst>
-          <a:lin ang="16200000" scaled="0"/>
-        </a:gradFill>
-      </a:fillStyleLst>
-      <a:lnStyleLst>
-        <a:ln w="9525" cap="flat" cmpd="sng" algn="ctr">
-          <a:solidFill>
-            <a:schemeClr val="phClr">
-              <a:shade val="95000"/>
-              <a:satMod val="105000"/>
-            </a:schemeClr>
-          </a:solidFill>
-          <a:prstDash val="solid"/>
-        </a:ln>
-        <a:ln w="25400" cap="flat" cmpd="sng" algn="ctr">
-          <a:solidFill>
-            <a:schemeClr val="phClr"/>
-          </a:solidFill>
-          <a:prstDash val="solid"/>
-        </a:ln>
-        <a:ln w="38100" cap="flat" cmpd="sng" algn="ctr">
-          <a:solidFill>
-            <a:schemeClr val="phClr"/>
-          </a:solidFill>
-          <a:prstDash val="solid"/>
-        </a:ln>
-      </a:lnStyleLst>
-      <a:effectStyleLst>
-        <a:effectStyle>
-          <a:effectLst>
-            <a:outerShdw blurRad="40000" dist="20000" dir="5400000" rotWithShape="0">
-              <a:srgbClr val="000000">
-                <a:alpha val="38000"/>
-              </a:srgbClr>
-            </a:outerShdw>
-          </a:effectLst>
-        </a:effectStyle>
-        <a:effectStyle>
-          <a:effectLst>
-            <a:outerShdw blurRad="40000" dist="23000" dir="5400000" rotWithShape="0">
-              <a:srgbClr val="000000">
-                <a:alpha val="35000"/>
-              </a:srgbClr>
-            </a:outerShdw>
-          </a:effectLst>
-        </a:effectStyle>
-        <a:effectStyle>
-          <a:effectLst>
-            <a:outerShdw blurRad="40000" dist="23000" dir="5400000" rotWithShape="0">
-              <a:srgbClr val="000000">
-                <a:alpha val="35000"/>
-              </a:srgbClr>
-            </a:outerShdw>
-          </a:effectLst>
-          <a:scene3d>
-            <a:camera prst="orthographicFront">
-              <a:rot lat="0" lon="0" rev="0"/>
-            </a:camera>
-            <a:lightRig rig="threePt" dir="t">
-              <a:rot lat="0" lon="0" rev="1200000"/>
-            </a:lightRig>
-          </a:scene3d>
-          <a:sp3d>
-            <a:bevelT w="63500" h="25400"/>
-          </a:sp3d>
-        </a:effectStyle>
-      </a:effectStyleLst>
-      <a:bgFillStyleLst>
-        <a:solidFill>
-          <a:schemeClr val="phClr"/>
-        </a:solidFill>
-        <a:gradFill rotWithShape="1">
-          <a:gsLst>
-            <a:gs pos="0">
-              <a:schemeClr val="phClr">
-                <a:tint val="40000"/>
-                <a:satMod val="350000"/>
-              </a:schemeClr>
-            </a:gs>
-            <a:gs pos="40000">
-              <a:schemeClr val="phClr">
-                <a:tint val="45000"/>
-                <a:shade val="99000"/>
-                <a:satMod val="350000"/>
-              </a:schemeClr>
-            </a:gs>
-            <a:gs pos="100000">
-              <a:schemeClr val="phClr">
-                <a:shade val="20000"/>
-                <a:satMod val="255000"/>
-              </a:schemeClr>
-            </a:gs>
-          </a:gsLst>
-          <a:path path="circle">
-            <a:fillToRect l="50000" t="-80000" r="50000" b="180000"/>
-          </a:path>
-        </a:gradFill>
-        <a:gradFill rotWithShape="1">
-          <a:gsLst>
-            <a:gs pos="0">
-              <a:schemeClr val="phClr">
-                <a:tint val="80000"/>
-                <a:satMod val="300000"/>
-              </a:schemeClr>
-            </a:gs>
-            <a:gs pos="100000">
-              <a:schemeClr val="phClr">
-                <a:shade val="30000"/>
-                <a:satMod val="200000"/>
-              </a:schemeClr>
-            </a:gs>
-          </a:gsLst>
-          <a:path path="circle">
-            <a:fillToRect l="50000" t="50000" r="50000" b="50000"/>
-          </a:path>
-        </a:gradFill>
-      </a:bgFillStyleLst>
-    </a:fmtScheme>
-  </a:themeElements>
-</a:theme>
 </file>
--- a/Day_5/Lectures/Day_5_Lecture_1_Introduction_to_Deep_Learning.pptx
+++ b/Day_5/Lectures/Day_5_Lecture_1_Introduction_to_Deep_Learning.pptx
@@ -27550,7 +27550,7 @@
                   <a:srgbClr val="4A86E8"/>
                 </a:solidFill>
               </a:rPr>
-              <a:t>Deep Learning</a:t>
+              <a:t>Deep Learning Mind Map</a:t>
             </a:r>
             <a:endParaRPr>
               <a:solidFill>
@@ -32081,9 +32081,9 @@
 </file>
 
 <file path=ppt/theme/theme1.xml><?xml version="1.0" encoding="utf-8"?>
-<a:theme xmlns:a="http://schemas.openxmlformats.org/drawingml/2006/main" xmlns:r="http://schemas.openxmlformats.org/officeDocument/2006/relationships">
+<a:theme xmlns:a="http://schemas.openxmlformats.org/drawingml/2006/main" xmlns:r="http://schemas.openxmlformats.org/officeDocument/2006/relationships" name="Simple Light">
   <a:themeElements>
-    <a:clrScheme name="Default">
+    <a:clrScheme name="Simple Light">
       <a:dk1>
         <a:srgbClr val="000000"/>
       </a:dk1>
@@ -32091,34 +32091,34 @@
         <a:srgbClr val="FFFFFF"/>
       </a:lt1>
       <a:dk2>
-        <a:srgbClr val="158158"/>
+        <a:srgbClr val="595959"/>
       </a:dk2>
       <a:lt2>
-        <a:srgbClr val="F3F3F3"/>
+        <a:srgbClr val="EEEEEE"/>
       </a:lt2>
       <a:accent1>
-        <a:srgbClr val="058DC7"/>
+        <a:srgbClr val="4285F4"/>
       </a:accent1>
       <a:accent2>
-        <a:srgbClr val="50B432"/>
+        <a:srgbClr val="212121"/>
       </a:accent2>
       <a:accent3>
-        <a:srgbClr val="ED561B"/>
+        <a:srgbClr val="78909C"/>
       </a:accent3>
       <a:accent4>
-        <a:srgbClr val="EDEF00"/>
+        <a:srgbClr val="FFAB40"/>
       </a:accent4>
       <a:accent5>
-        <a:srgbClr val="24CBE5"/>
+        <a:srgbClr val="0097A7"/>
       </a:accent5>
       <a:accent6>
-        <a:srgbClr val="64E572"/>
+        <a:srgbClr val="EEFF41"/>
       </a:accent6>
       <a:hlink>
-        <a:srgbClr val="2200CC"/>
+        <a:srgbClr val="0097A7"/>
       </a:hlink>
       <a:folHlink>
-        <a:srgbClr val="551A8B"/>
+        <a:srgbClr val="0097A7"/>
       </a:folHlink>
     </a:clrScheme>
     <a:fontScheme name="Office">
@@ -32639,6 +32639,285 @@
 </file>
 
 <file path=ppt/theme/theme3.xml><?xml version="1.0" encoding="utf-8"?>
+<a:theme xmlns:a="http://schemas.openxmlformats.org/drawingml/2006/main" xmlns:r="http://schemas.openxmlformats.org/officeDocument/2006/relationships">
+  <a:themeElements>
+    <a:clrScheme name="Default">
+      <a:dk1>
+        <a:srgbClr val="000000"/>
+      </a:dk1>
+      <a:lt1>
+        <a:srgbClr val="FFFFFF"/>
+      </a:lt1>
+      <a:dk2>
+        <a:srgbClr val="158158"/>
+      </a:dk2>
+      <a:lt2>
+        <a:srgbClr val="F3F3F3"/>
+      </a:lt2>
+      <a:accent1>
+        <a:srgbClr val="058DC7"/>
+      </a:accent1>
+      <a:accent2>
+        <a:srgbClr val="50B432"/>
+      </a:accent2>
+      <a:accent3>
+        <a:srgbClr val="ED561B"/>
+      </a:accent3>
+      <a:accent4>
+        <a:srgbClr val="EDEF00"/>
+      </a:accent4>
+      <a:accent5>
+        <a:srgbClr val="24CBE5"/>
+      </a:accent5>
+      <a:accent6>
+        <a:srgbClr val="64E572"/>
+      </a:accent6>
+      <a:hlink>
+        <a:srgbClr val="2200CC"/>
+      </a:hlink>
+      <a:folHlink>
+        <a:srgbClr val="551A8B"/>
+      </a:folHlink>
+    </a:clrScheme>
+    <a:fontScheme name="Office">
+      <a:majorFont>
+        <a:latin typeface="Arial"/>
+        <a:ea typeface=""/>
+        <a:cs typeface=""/>
+        <a:font script="Jpan" typeface="ＭＳ Ｐゴシック"/>
+        <a:font script="Hang" typeface="맑은 고딕"/>
+        <a:font script="Hans" typeface="宋体"/>
+        <a:font script="Hant" typeface="新細明體"/>
+        <a:font script="Arab" typeface="Times New Roman"/>
+        <a:font script="Hebr" typeface="Times New Roman"/>
+        <a:font script="Thai" typeface="Angsana New"/>
+        <a:font script="Ethi" typeface="Nyala"/>
+        <a:font script="Beng" typeface="Vrinda"/>
+        <a:font script="Gujr" typeface="Shruti"/>
+        <a:font script="Khmr" typeface="MoolBoran"/>
+        <a:font script="Knda" typeface="Tunga"/>
+        <a:font script="Guru" typeface="Raavi"/>
+        <a:font script="Cans" typeface="Euphemia"/>
+        <a:font script="Cher" typeface="Plantagenet Cherokee"/>
+        <a:font script="Yiii" typeface="Microsoft Yi Baiti"/>
+        <a:font script="Tibt" typeface="Microsoft Himalaya"/>
+        <a:font script="Thaa" typeface="MV Boli"/>
+        <a:font script="Deva" typeface="Mangal"/>
+        <a:font script="Telu" typeface="Gautami"/>
+        <a:font script="Taml" typeface="Latha"/>
+        <a:font script="Syrc" typeface="Estrangelo Edessa"/>
+        <a:font script="Orya" typeface="Kalinga"/>
+        <a:font script="Mlym" typeface="Kartika"/>
+        <a:font script="Laoo" typeface="DokChampa"/>
+        <a:font script="Sinh" typeface="Iskoola Pota"/>
+        <a:font script="Mong" typeface="Mongolian Baiti"/>
+        <a:font script="Viet" typeface="Times New Roman"/>
+        <a:font script="Uigh" typeface="Microsoft Uighur"/>
+        <a:font script="Geor" typeface="Sylfaen"/>
+      </a:majorFont>
+      <a:minorFont>
+        <a:latin typeface="Arial"/>
+        <a:ea typeface=""/>
+        <a:cs typeface=""/>
+        <a:font script="Jpan" typeface="ＭＳ Ｐゴシック"/>
+        <a:font script="Hang" typeface="맑은 고딕"/>
+        <a:font script="Hans" typeface="宋体"/>
+        <a:font script="Hant" typeface="新細明體"/>
+        <a:font script="Arab" typeface="Arial"/>
+        <a:font script="Hebr" typeface="Arial"/>
+        <a:font script="Thai" typeface="Cordia New"/>
+        <a:font script="Ethi" typeface="Nyala"/>
+        <a:font script="Beng" typeface="Vrinda"/>
+        <a:font script="Gujr" typeface="Shruti"/>
+        <a:font script="Khmr" typeface="DaunPenh"/>
+        <a:font script="Knda" typeface="Tunga"/>
+        <a:font script="Guru" typeface="Raavi"/>
+        <a:font script="Cans" typeface="Euphemia"/>
+        <a:font script="Cher" typeface="Plantagenet Cherokee"/>
+        <a:font script="Yiii" typeface="Microsoft Yi Baiti"/>
+        <a:font script="Tibt" typeface="Microsoft Himalaya"/>
+        <a:font script="Thaa" typeface="MV Boli"/>
+        <a:font script="Deva" typeface="Mangal"/>
+        <a:font script="Telu" typeface="Gautami"/>
+        <a:font script="Taml" typeface="Latha"/>
+        <a:font script="Syrc" typeface="Estrangelo Edessa"/>
+        <a:font script="Orya" typeface="Kalinga"/>
+        <a:font script="Mlym" typeface="Kartika"/>
+        <a:font script="Laoo" typeface="DokChampa"/>
+        <a:font script="Sinh" typeface="Iskoola Pota"/>
+        <a:font script="Mong" typeface="Mongolian Baiti"/>
+        <a:font script="Viet" typeface="Arial"/>
+        <a:font script="Uigh" typeface="Microsoft Uighur"/>
+        <a:font script="Geor" typeface="Sylfaen"/>
+      </a:minorFont>
+    </a:fontScheme>
+    <a:fmtScheme name="Office">
+      <a:fillStyleLst>
+        <a:solidFill>
+          <a:schemeClr val="phClr"/>
+        </a:solidFill>
+        <a:gradFill rotWithShape="1">
+          <a:gsLst>
+            <a:gs pos="0">
+              <a:schemeClr val="phClr">
+                <a:tint val="50000"/>
+                <a:satMod val="300000"/>
+              </a:schemeClr>
+            </a:gs>
+            <a:gs pos="35000">
+              <a:schemeClr val="phClr">
+                <a:tint val="37000"/>
+                <a:satMod val="300000"/>
+              </a:schemeClr>
+            </a:gs>
+            <a:gs pos="100000">
+              <a:schemeClr val="phClr">
+                <a:tint val="15000"/>
+                <a:satMod val="350000"/>
+              </a:schemeClr>
+            </a:gs>
+          </a:gsLst>
+          <a:lin ang="16200000" scaled="1"/>
+        </a:gradFill>
+        <a:gradFill rotWithShape="1">
+          <a:gsLst>
+            <a:gs pos="0">
+              <a:schemeClr val="phClr">
+                <a:tint val="100000"/>
+                <a:shade val="100000"/>
+                <a:satMod val="130000"/>
+              </a:schemeClr>
+            </a:gs>
+            <a:gs pos="100000">
+              <a:schemeClr val="phClr">
+                <a:tint val="50000"/>
+                <a:shade val="100000"/>
+                <a:satMod val="350000"/>
+              </a:schemeClr>
+            </a:gs>
+          </a:gsLst>
+          <a:lin ang="16200000" scaled="0"/>
+        </a:gradFill>
+      </a:fillStyleLst>
+      <a:lnStyleLst>
+        <a:ln w="9525" cap="flat" cmpd="sng" algn="ctr">
+          <a:solidFill>
+            <a:schemeClr val="phClr">
+              <a:shade val="95000"/>
+              <a:satMod val="105000"/>
+            </a:schemeClr>
+          </a:solidFill>
+          <a:prstDash val="solid"/>
+        </a:ln>
+        <a:ln w="25400" cap="flat" cmpd="sng" algn="ctr">
+          <a:solidFill>
+            <a:schemeClr val="phClr"/>
+          </a:solidFill>
+          <a:prstDash val="solid"/>
+        </a:ln>
+        <a:ln w="38100" cap="flat" cmpd="sng" algn="ctr">
+          <a:solidFill>
+            <a:schemeClr val="phClr"/>
+          </a:solidFill>
+          <a:prstDash val="solid"/>
+        </a:ln>
+      </a:lnStyleLst>
+      <a:effectStyleLst>
+        <a:effectStyle>
+          <a:effectLst>
+            <a:outerShdw blurRad="40000" dist="20000" dir="5400000" rotWithShape="0">
+              <a:srgbClr val="000000">
+                <a:alpha val="38000"/>
+              </a:srgbClr>
+            </a:outerShdw>
+          </a:effectLst>
+        </a:effectStyle>
+        <a:effectStyle>
+          <a:effectLst>
+            <a:outerShdw blurRad="40000" dist="23000" dir="5400000" rotWithShape="0">
+              <a:srgbClr val="000000">
+                <a:alpha val="35000"/>
+              </a:srgbClr>
+            </a:outerShdw>
+          </a:effectLst>
+        </a:effectStyle>
+        <a:effectStyle>
+          <a:effectLst>
+            <a:outerShdw blurRad="40000" dist="23000" dir="5400000" rotWithShape="0">
+              <a:srgbClr val="000000">
+                <a:alpha val="35000"/>
+              </a:srgbClr>
+            </a:outerShdw>
+          </a:effectLst>
+          <a:scene3d>
+            <a:camera prst="orthographicFront">
+              <a:rot lat="0" lon="0" rev="0"/>
+            </a:camera>
+            <a:lightRig rig="threePt" dir="t">
+              <a:rot lat="0" lon="0" rev="1200000"/>
+            </a:lightRig>
+          </a:scene3d>
+          <a:sp3d>
+            <a:bevelT w="63500" h="25400"/>
+          </a:sp3d>
+        </a:effectStyle>
+      </a:effectStyleLst>
+      <a:bgFillStyleLst>
+        <a:solidFill>
+          <a:schemeClr val="phClr"/>
+        </a:solidFill>
+        <a:gradFill rotWithShape="1">
+          <a:gsLst>
+            <a:gs pos="0">
+              <a:schemeClr val="phClr">
+                <a:tint val="40000"/>
+                <a:satMod val="350000"/>
+              </a:schemeClr>
+            </a:gs>
+            <a:gs pos="40000">
+              <a:schemeClr val="phClr">
+                <a:tint val="45000"/>
+                <a:shade val="99000"/>
+                <a:satMod val="350000"/>
+              </a:schemeClr>
+            </a:gs>
+            <a:gs pos="100000">
+              <a:schemeClr val="phClr">
+                <a:shade val="20000"/>
+                <a:satMod val="255000"/>
+              </a:schemeClr>
+            </a:gs>
+          </a:gsLst>
+          <a:path path="circle">
+            <a:fillToRect l="50000" t="-80000" r="50000" b="180000"/>
+          </a:path>
+        </a:gradFill>
+        <a:gradFill rotWithShape="1">
+          <a:gsLst>
+            <a:gs pos="0">
+              <a:schemeClr val="phClr">
+                <a:tint val="80000"/>
+                <a:satMod val="300000"/>
+              </a:schemeClr>
+            </a:gs>
+            <a:gs pos="100000">
+              <a:schemeClr val="phClr">
+                <a:shade val="30000"/>
+                <a:satMod val="200000"/>
+              </a:schemeClr>
+            </a:gs>
+          </a:gsLst>
+          <a:path path="circle">
+            <a:fillToRect l="50000" t="50000" r="50000" b="50000"/>
+          </a:path>
+        </a:gradFill>
+      </a:bgFillStyleLst>
+    </a:fmtScheme>
+  </a:themeElements>
+</a:theme>
+</file>
+
+<file path=ppt/theme/theme4.xml><?xml version="1.0" encoding="utf-8"?>
 <a:theme xmlns:a="http://schemas.openxmlformats.org/drawingml/2006/main" xmlns:r="http://schemas.openxmlformats.org/officeDocument/2006/relationships" name="Geometric">
   <a:themeElements>
     <a:clrScheme name="Geometric">
@@ -32915,283 +33194,4 @@
     </a:fmtScheme>
   </a:themeElements>
 </a:theme>
-</file>
-
-<file path=ppt/theme/theme4.xml><?xml version="1.0" encoding="utf-8"?>
-<a:theme xmlns:a="http://schemas.openxmlformats.org/drawingml/2006/main" xmlns:r="http://schemas.openxmlformats.org/officeDocument/2006/relationships" name="Simple Light">
-  <a:themeElements>
-    <a:clrScheme name="Simple Light">
-      <a:dk1>
-        <a:srgbClr val="000000"/>
-      </a:dk1>
-      <a:lt1>
-        <a:srgbClr val="FFFFFF"/>
-      </a:lt1>
-      <a:dk2>
-        <a:srgbClr val="595959"/>
-      </a:dk2>
-      <a:lt2>
-        <a:srgbClr val="EEEEEE"/>
-      </a:lt2>
-      <a:accent1>
-        <a:srgbClr val="4285F4"/>
-      </a:accent1>
-      <a:accent2>
-        <a:srgbClr val="212121"/>
-      </a:accent2>
-      <a:accent3>
-        <a:srgbClr val="78909C"/>
-      </a:accent3>
-      <a:accent4>
-        <a:srgbClr val="FFAB40"/>
-      </a:accent4>
-      <a:accent5>
-        <a:srgbClr val="0097A7"/>
-      </a:accent5>
-      <a:accent6>
-        <a:srgbClr val="EEFF41"/>
-      </a:accent6>
-      <a:hlink>
-        <a:srgbClr val="0097A7"/>
-      </a:hlink>
-      <a:folHlink>
-        <a:srgbClr val="0097A7"/>
-      </a:folHlink>
-    </a:clrScheme>
-    <a:fontScheme name="Office">
-      <a:majorFont>
-        <a:latin typeface="Arial"/>
-        <a:ea typeface=""/>
-        <a:cs typeface=""/>
-        <a:font script="Jpan" typeface="ＭＳ Ｐゴシック"/>
-        <a:font script="Hang" typeface="맑은 고딕"/>
-        <a:font script="Hans" typeface="宋体"/>
-        <a:font script="Hant" typeface="新細明體"/>
-        <a:font script="Arab" typeface="Times New Roman"/>
-        <a:font script="Hebr" typeface="Times New Roman"/>
-        <a:font script="Thai" typeface="Angsana New"/>
-        <a:font script="Ethi" typeface="Nyala"/>
-        <a:font script="Beng" typeface="Vrinda"/>
-        <a:font script="Gujr" typeface="Shruti"/>
-        <a:font script="Khmr" typeface="MoolBoran"/>
-        <a:font script="Knda" typeface="Tunga"/>
-        <a:font script="Guru" typeface="Raavi"/>
-        <a:font script="Cans" typeface="Euphemia"/>
-        <a:font script="Cher" typeface="Plantagenet Cherokee"/>
-        <a:font script="Yiii" typeface="Microsoft Yi Baiti"/>
-        <a:font script="Tibt" typeface="Microsoft Himalaya"/>
-        <a:font script="Thaa" typeface="MV Boli"/>
-        <a:font script="Deva" typeface="Mangal"/>
-        <a:font script="Telu" typeface="Gautami"/>
-        <a:font script="Taml" typeface="Latha"/>
-        <a:font script="Syrc" typeface="Estrangelo Edessa"/>
-        <a:font script="Orya" typeface="Kalinga"/>
-        <a:font script="Mlym" typeface="Kartika"/>
-        <a:font script="Laoo" typeface="DokChampa"/>
-        <a:font script="Sinh" typeface="Iskoola Pota"/>
-        <a:font script="Mong" typeface="Mongolian Baiti"/>
-        <a:font script="Viet" typeface="Times New Roman"/>
-        <a:font script="Uigh" typeface="Microsoft Uighur"/>
-        <a:font script="Geor" typeface="Sylfaen"/>
-      </a:majorFont>
-      <a:minorFont>
-        <a:latin typeface="Arial"/>
-        <a:ea typeface=""/>
-        <a:cs typeface=""/>
-        <a:font script="Jpan" typeface="ＭＳ Ｐゴシック"/>
-        <a:font script="Hang" typeface="맑은 고딕"/>
-        <a:font script="Hans" typeface="宋体"/>
-        <a:font script="Hant" typeface="新細明體"/>
-        <a:font script="Arab" typeface="Arial"/>
-        <a:font script="Hebr" typeface="Arial"/>
-        <a:font script="Thai" typeface="Cordia New"/>
-        <a:font script="Ethi" typeface="Nyala"/>
-        <a:font script="Beng" typeface="Vrinda"/>
-        <a:font script="Gujr" typeface="Shruti"/>
-        <a:font script="Khmr" typeface="DaunPenh"/>
-        <a:font script="Knda" typeface="Tunga"/>
-        <a:font script="Guru" typeface="Raavi"/>
-        <a:font script="Cans" typeface="Euphemia"/>
-        <a:font script="Cher" typeface="Plantagenet Cherokee"/>
-        <a:font script="Yiii" typeface="Microsoft Yi Baiti"/>
-        <a:font script="Tibt" typeface="Microsoft Himalaya"/>
-        <a:font script="Thaa" typeface="MV Boli"/>
-        <a:font script="Deva" typeface="Mangal"/>
-        <a:font script="Telu" typeface="Gautami"/>
-        <a:font script="Taml" typeface="Latha"/>
-        <a:font script="Syrc" typeface="Estrangelo Edessa"/>
-        <a:font script="Orya" typeface="Kalinga"/>
-        <a:font script="Mlym" typeface="Kartika"/>
-        <a:font script="Laoo" typeface="DokChampa"/>
-        <a:font script="Sinh" typeface="Iskoola Pota"/>
-        <a:font script="Mong" typeface="Mongolian Baiti"/>
-        <a:font script="Viet" typeface="Arial"/>
-        <a:font script="Uigh" typeface="Microsoft Uighur"/>
-        <a:font script="Geor" typeface="Sylfaen"/>
-      </a:minorFont>
-    </a:fontScheme>
-    <a:fmtScheme name="Office">
-      <a:fillStyleLst>
-        <a:solidFill>
-          <a:schemeClr val="phClr"/>
-        </a:solidFill>
-        <a:gradFill rotWithShape="1">
-          <a:gsLst>
-            <a:gs pos="0">
-              <a:schemeClr val="phClr">
-                <a:tint val="50000"/>
-                <a:satMod val="300000"/>
-              </a:schemeClr>
-            </a:gs>
-            <a:gs pos="35000">
-              <a:schemeClr val="phClr">
-                <a:tint val="37000"/>
-                <a:satMod val="300000"/>
-              </a:schemeClr>
-            </a:gs>
-            <a:gs pos="100000">
-              <a:schemeClr val="phClr">
-                <a:tint val="15000"/>
-                <a:satMod val="350000"/>
-              </a:schemeClr>
-            </a:gs>
-          </a:gsLst>
-          <a:lin ang="16200000" scaled="1"/>
-        </a:gradFill>
-        <a:gradFill rotWithShape="1">
-          <a:gsLst>
-            <a:gs pos="0">
-              <a:schemeClr val="phClr">
-                <a:tint val="100000"/>
-                <a:shade val="100000"/>
-                <a:satMod val="130000"/>
-              </a:schemeClr>
-            </a:gs>
-            <a:gs pos="100000">
-              <a:schemeClr val="phClr">
-                <a:tint val="50000"/>
-                <a:shade val="100000"/>
-                <a:satMod val="350000"/>
-              </a:schemeClr>
-            </a:gs>
-          </a:gsLst>
-          <a:lin ang="16200000" scaled="0"/>
-        </a:gradFill>
-      </a:fillStyleLst>
-      <a:lnStyleLst>
-        <a:ln w="9525" cap="flat" cmpd="sng" algn="ctr">
-          <a:solidFill>
-            <a:schemeClr val="phClr">
-              <a:shade val="95000"/>
-              <a:satMod val="105000"/>
-            </a:schemeClr>
-          </a:solidFill>
-          <a:prstDash val="solid"/>
-        </a:ln>
-        <a:ln w="25400" cap="flat" cmpd="sng" algn="ctr">
-          <a:solidFill>
-            <a:schemeClr val="phClr"/>
-          </a:solidFill>
-          <a:prstDash val="solid"/>
-        </a:ln>
-        <a:ln w="38100" cap="flat" cmpd="sng" algn="ctr">
-          <a:solidFill>
-            <a:schemeClr val="phClr"/>
-          </a:solidFill>
-          <a:prstDash val="solid"/>
-        </a:ln>
-      </a:lnStyleLst>
-      <a:effectStyleLst>
-        <a:effectStyle>
-          <a:effectLst>
-            <a:outerShdw blurRad="40000" dist="20000" dir="5400000" rotWithShape="0">
-              <a:srgbClr val="000000">
-                <a:alpha val="38000"/>
-              </a:srgbClr>
-            </a:outerShdw>
-          </a:effectLst>
-        </a:effectStyle>
-        <a:effectStyle>
-          <a:effectLst>
-            <a:outerShdw blurRad="40000" dist="23000" dir="5400000" rotWithShape="0">
-              <a:srgbClr val="000000">
-                <a:alpha val="35000"/>
-              </a:srgbClr>
-            </a:outerShdw>
-          </a:effectLst>
-        </a:effectStyle>
-        <a:effectStyle>
-          <a:effectLst>
-            <a:outerShdw blurRad="40000" dist="23000" dir="5400000" rotWithShape="0">
-              <a:srgbClr val="000000">
-                <a:alpha val="35000"/>
-              </a:srgbClr>
-            </a:outerShdw>
-          </a:effectLst>
-          <a:scene3d>
-            <a:camera prst="orthographicFront">
-              <a:rot lat="0" lon="0" rev="0"/>
-            </a:camera>
-            <a:lightRig rig="threePt" dir="t">
-              <a:rot lat="0" lon="0" rev="1200000"/>
-            </a:lightRig>
-          </a:scene3d>
-          <a:sp3d>
-            <a:bevelT w="63500" h="25400"/>
-          </a:sp3d>
-        </a:effectStyle>
-      </a:effectStyleLst>
-      <a:bgFillStyleLst>
-        <a:solidFill>
-          <a:schemeClr val="phClr"/>
-        </a:solidFill>
-        <a:gradFill rotWithShape="1">
-          <a:gsLst>
-            <a:gs pos="0">
-              <a:schemeClr val="phClr">
-                <a:tint val="40000"/>
-                <a:satMod val="350000"/>
-              </a:schemeClr>
-            </a:gs>
-            <a:gs pos="40000">
-              <a:schemeClr val="phClr">
-                <a:tint val="45000"/>
-                <a:shade val="99000"/>
-                <a:satMod val="350000"/>
-              </a:schemeClr>
-            </a:gs>
-            <a:gs pos="100000">
-              <a:schemeClr val="phClr">
-                <a:shade val="20000"/>
-                <a:satMod val="255000"/>
-              </a:schemeClr>
-            </a:gs>
-          </a:gsLst>
-          <a:path path="circle">
-            <a:fillToRect l="50000" t="-80000" r="50000" b="180000"/>
-          </a:path>
-        </a:gradFill>
-        <a:gradFill rotWithShape="1">
-          <a:gsLst>
-            <a:gs pos="0">
-              <a:schemeClr val="phClr">
-                <a:tint val="80000"/>
-                <a:satMod val="300000"/>
-              </a:schemeClr>
-            </a:gs>
-            <a:gs pos="100000">
-              <a:schemeClr val="phClr">
-                <a:shade val="30000"/>
-                <a:satMod val="200000"/>
-              </a:schemeClr>
-            </a:gs>
-          </a:gsLst>
-          <a:path path="circle">
-            <a:fillToRect l="50000" t="50000" r="50000" b="50000"/>
-          </a:path>
-        </a:gradFill>
-      </a:bgFillStyleLst>
-    </a:fmtScheme>
-  </a:themeElements>
-</a:theme>
 </file>
--- a/Day_5/Lectures/Day_5_Lecture_1_Introduction_to_Deep_Learning.pptx
+++ b/Day_5/Lectures/Day_5_Lecture_1_Introduction_to_Deep_Learning.pptx
@@ -27468,8 +27468,8 @@
         </p:nvSpPr>
         <p:spPr>
           <a:xfrm>
-            <a:off x="6606900" y="4341000"/>
-            <a:ext cx="2537100" cy="369300"/>
+            <a:off x="7110725" y="4433400"/>
+            <a:ext cx="2537100" cy="276900"/>
           </a:xfrm>
           <a:prstGeom prst="rect">
             <a:avLst/>
@@ -27495,7 +27495,7 @@
               <a:buNone/>
             </a:pPr>
             <a:r>
-              <a:rPr i="1" lang="en" sz="1200">
+              <a:rPr i="1" lang="en" sz="600">
                 <a:latin typeface="Roboto"/>
                 <a:ea typeface="Roboto"/>
                 <a:cs typeface="Roboto"/>
@@ -27503,7 +27503,7 @@
               </a:rPr>
               <a:t>Created in Canva by C. Arighi</a:t>
             </a:r>
-            <a:endParaRPr i="1" sz="1200">
+            <a:endParaRPr i="1" sz="600">
               <a:latin typeface="Roboto"/>
               <a:ea typeface="Roboto"/>
               <a:cs typeface="Roboto"/>
@@ -32081,44 +32081,44 @@
 </file>
 
 <file path=ppt/theme/theme1.xml><?xml version="1.0" encoding="utf-8"?>
-<a:theme xmlns:a="http://schemas.openxmlformats.org/drawingml/2006/main" xmlns:r="http://schemas.openxmlformats.org/officeDocument/2006/relationships" name="Simple Light">
+<a:theme xmlns:a="http://schemas.openxmlformats.org/drawingml/2006/main" xmlns:r="http://schemas.openxmlformats.org/officeDocument/2006/relationships" name="Geometric">
   <a:themeElements>
-    <a:clrScheme name="Simple Light">
+    <a:clrScheme name="Geometric">
       <a:dk1>
-        <a:srgbClr val="000000"/>
+        <a:srgbClr val="2A3990"/>
       </a:dk1>
       <a:lt1>
         <a:srgbClr val="FFFFFF"/>
       </a:lt1>
       <a:dk2>
-        <a:srgbClr val="595959"/>
+        <a:srgbClr val="434343"/>
       </a:dk2>
       <a:lt2>
-        <a:srgbClr val="EEEEEE"/>
+        <a:srgbClr val="999999"/>
       </a:lt2>
       <a:accent1>
-        <a:srgbClr val="4285F4"/>
+        <a:srgbClr val="212D74"/>
       </a:accent1>
       <a:accent2>
-        <a:srgbClr val="212121"/>
+        <a:srgbClr val="3949AB"/>
       </a:accent2>
       <a:accent3>
-        <a:srgbClr val="78909C"/>
+        <a:srgbClr val="9C254D"/>
       </a:accent3>
       <a:accent4>
-        <a:srgbClr val="FFAB40"/>
+        <a:srgbClr val="D23369"/>
       </a:accent4>
       <a:accent5>
-        <a:srgbClr val="0097A7"/>
+        <a:srgbClr val="F06292"/>
       </a:accent5>
       <a:accent6>
-        <a:srgbClr val="EEFF41"/>
+        <a:srgbClr val="7890CD"/>
       </a:accent6>
       <a:hlink>
-        <a:srgbClr val="0097A7"/>
+        <a:srgbClr val="F06292"/>
       </a:hlink>
       <a:folHlink>
-        <a:srgbClr val="0097A7"/>
+        <a:srgbClr val="F06292"/>
       </a:folHlink>
     </a:clrScheme>
     <a:fontScheme name="Office">
@@ -32918,44 +32918,44 @@
 </file>
 
 <file path=ppt/theme/theme4.xml><?xml version="1.0" encoding="utf-8"?>
-<a:theme xmlns:a="http://schemas.openxmlformats.org/drawingml/2006/main" xmlns:r="http://schemas.openxmlformats.org/officeDocument/2006/relationships" name="Geometric">
+<a:theme xmlns:a="http://schemas.openxmlformats.org/drawingml/2006/main" xmlns:r="http://schemas.openxmlformats.org/officeDocument/2006/relationships" name="Simple Light">
   <a:themeElements>
-    <a:clrScheme name="Geometric">
+    <a:clrScheme name="Simple Light">
       <a:dk1>
-        <a:srgbClr val="2A3990"/>
+        <a:srgbClr val="000000"/>
       </a:dk1>
       <a:lt1>
         <a:srgbClr val="FFFFFF"/>
       </a:lt1>
       <a:dk2>
-        <a:srgbClr val="434343"/>
+        <a:srgbClr val="595959"/>
       </a:dk2>
       <a:lt2>
-        <a:srgbClr val="999999"/>
+        <a:srgbClr val="EEEEEE"/>
       </a:lt2>
       <a:accent1>
-        <a:srgbClr val="212D74"/>
+        <a:srgbClr val="4285F4"/>
       </a:accent1>
       <a:accent2>
-        <a:srgbClr val="3949AB"/>
+        <a:srgbClr val="212121"/>
       </a:accent2>
       <a:accent3>
-        <a:srgbClr val="9C254D"/>
+        <a:srgbClr val="78909C"/>
       </a:accent3>
       <a:accent4>
-        <a:srgbClr val="D23369"/>
+        <a:srgbClr val="FFAB40"/>
       </a:accent4>
       <a:accent5>
-        <a:srgbClr val="F06292"/>
+        <a:srgbClr val="0097A7"/>
       </a:accent5>
       <a:accent6>
-        <a:srgbClr val="7890CD"/>
+        <a:srgbClr val="EEFF41"/>
       </a:accent6>
       <a:hlink>
-        <a:srgbClr val="F06292"/>
+        <a:srgbClr val="0097A7"/>
       </a:hlink>
       <a:folHlink>
-        <a:srgbClr val="F06292"/>
+        <a:srgbClr val="0097A7"/>
       </a:folHlink>
     </a:clrScheme>
     <a:fontScheme name="Office">

--- a/Day_5/Lectures/Day_5_Lecture_1_Introduction_to_Deep_Learning.pptx
+++ b/Day_5/Lectures/Day_5_Lecture_1_Introduction_to_Deep_Learning.pptx
@@ -32360,9 +32360,9 @@
 </file>
 
 <file path=ppt/theme/theme2.xml><?xml version="1.0" encoding="utf-8"?>
-<a:theme xmlns:a="http://schemas.openxmlformats.org/drawingml/2006/main" xmlns:r="http://schemas.openxmlformats.org/officeDocument/2006/relationships" name="Simple Light">
+<a:theme xmlns:a="http://schemas.openxmlformats.org/drawingml/2006/main" xmlns:r="http://schemas.openxmlformats.org/officeDocument/2006/relationships">
   <a:themeElements>
-    <a:clrScheme name="Simple Light">
+    <a:clrScheme name="Default">
       <a:dk1>
         <a:srgbClr val="000000"/>
       </a:dk1>
@@ -32370,34 +32370,34 @@
         <a:srgbClr val="FFFFFF"/>
       </a:lt1>
       <a:dk2>
-        <a:srgbClr val="595959"/>
+        <a:srgbClr val="158158"/>
       </a:dk2>
       <a:lt2>
-        <a:srgbClr val="EEEEEE"/>
+        <a:srgbClr val="F3F3F3"/>
       </a:lt2>
       <a:accent1>
-        <a:srgbClr val="4285F4"/>
+        <a:srgbClr val="058DC7"/>
       </a:accent1>
       <a:accent2>
-        <a:srgbClr val="212121"/>
+        <a:srgbClr val="50B432"/>
       </a:accent2>
       <a:accent3>
-        <a:srgbClr val="78909C"/>
+        <a:srgbClr val="ED561B"/>
       </a:accent3>
       <a:accent4>
-        <a:srgbClr val="FFAB40"/>
+        <a:srgbClr val="EDEF00"/>
       </a:accent4>
       <a:accent5>
-        <a:srgbClr val="0097A7"/>
+        <a:srgbClr val="24CBE5"/>
       </a:accent5>
       <a:accent6>
-        <a:srgbClr val="EEFF41"/>
+        <a:srgbClr val="64E572"/>
       </a:accent6>
       <a:hlink>
-        <a:srgbClr val="0097A7"/>
+        <a:srgbClr val="2200CC"/>
       </a:hlink>
       <a:folHlink>
-        <a:srgbClr val="0097A7"/>
+        <a:srgbClr val="551A8B"/>
       </a:folHlink>
     </a:clrScheme>
     <a:fontScheme name="Office">
@@ -32639,9 +32639,9 @@
 </file>
 
 <file path=ppt/theme/theme3.xml><?xml version="1.0" encoding="utf-8"?>
-<a:theme xmlns:a="http://schemas.openxmlformats.org/drawingml/2006/main" xmlns:r="http://schemas.openxmlformats.org/officeDocument/2006/relationships">
+<a:theme xmlns:a="http://schemas.openxmlformats.org/drawingml/2006/main" xmlns:r="http://schemas.openxmlformats.org/officeDocument/2006/relationships" name="Simple Light">
   <a:themeElements>
-    <a:clrScheme name="Default">
+    <a:clrScheme name="Simple Light">
       <a:dk1>
         <a:srgbClr val="000000"/>
       </a:dk1>
@@ -32649,34 +32649,34 @@
         <a:srgbClr val="FFFFFF"/>
       </a:lt1>
       <a:dk2>
-        <a:srgbClr val="158158"/>
+        <a:srgbClr val="595959"/>
       </a:dk2>
       <a:lt2>
-        <a:srgbClr val="F3F3F3"/>
+        <a:srgbClr val="EEEEEE"/>
       </a:lt2>
       <a:accent1>
-        <a:srgbClr val="058DC7"/>
+        <a:srgbClr val="4285F4"/>
       </a:accent1>
       <a:accent2>
-        <a:srgbClr val="50B432"/>
+        <a:srgbClr val="212121"/>
       </a:accent2>
       <a:accent3>
-        <a:srgbClr val="ED561B"/>
+        <a:srgbClr val="78909C"/>
       </a:accent3>
       <a:accent4>
-        <a:srgbClr val="EDEF00"/>
+        <a:srgbClr val="FFAB40"/>
       </a:accent4>
       <a:accent5>
-        <a:srgbClr val="24CBE5"/>
+        <a:srgbClr val="0097A7"/>
       </a:accent5>
       <a:accent6>
-        <a:srgbClr val="64E572"/>
+        <a:srgbClr val="EEFF41"/>
       </a:accent6>
       <a:hlink>
-        <a:srgbClr val="2200CC"/>
+        <a:srgbClr val="0097A7"/>
       </a:hlink>
       <a:folHlink>
-        <a:srgbClr val="551A8B"/>
+        <a:srgbClr val="0097A7"/>
       </a:folHlink>
     </a:clrScheme>
     <a:fontScheme name="Office">

--- a/Day_5/Lectures/Day_5_Lecture_1_Introduction_to_Deep_Learning.pptx
+++ b/Day_5/Lectures/Day_5_Lecture_1_Introduction_to_Deep_Learning.pptx
@@ -23272,7 +23272,7 @@
             </a:pPr>
             <a:r>
               <a:rPr lang="en" sz="1600"/>
-              <a:t>Y = w</a:t>
+              <a:t>y = w</a:t>
             </a:r>
             <a:r>
               <a:rPr baseline="-25000" lang="en" sz="1600"/>
@@ -25665,7 +25665,15 @@
             </a:pPr>
             <a:r>
               <a:rPr lang="en" sz="1700"/>
-              <a:t>The learning rate and the size of the mini-batches are the two parameters that have the largest effect on how the SGD training proceeds. Their interaction is often subtle and the right choice for these parameters isn't always obvious.</a:t>
+              <a:t>The learning rate and the size of the mini-batches are the two parameters that have the largest effect on how the SGD training proce</a:t>
+            </a:r>
+            <a:r>
+              <a:rPr lang="en" sz="1700"/>
+              <a:t>eds</a:t>
+            </a:r>
+            <a:r>
+              <a:rPr lang="en" sz="1700"/>
+              <a:t>. Their interaction is often subtle and the right choice for these parameters isn't always obvious.</a:t>
             </a:r>
             <a:endParaRPr sz="1700"/>
           </a:p>
@@ -30292,7 +30300,7 @@
             </a:pPr>
             <a:r>
               <a:rPr lang="en" sz="1600"/>
-              <a:t>Sub-field of Machine Learning, often termed as a rebranded fancy term for neural networks.</a:t>
+              <a:t>Sub-field of Machine Learning, often termed as a rebranded fancy name for neural networks.</a:t>
             </a:r>
             <a:endParaRPr sz="1600"/>
           </a:p>
@@ -31938,7 +31946,7 @@
             </a:pPr>
             <a:r>
               <a:rPr lang="en" sz="1700"/>
-              <a:t>Deep neural network are MLPs when they have multiple hidden layers.</a:t>
+              <a:t>Deep neural networks are MLPs when they have multiple hidden layers.</a:t>
             </a:r>
             <a:endParaRPr sz="1700"/>
           </a:p>
@@ -32081,6 +32089,285 @@
 </file>
 
 <file path=ppt/theme/theme1.xml><?xml version="1.0" encoding="utf-8"?>
+<a:theme xmlns:a="http://schemas.openxmlformats.org/drawingml/2006/main" xmlns:r="http://schemas.openxmlformats.org/officeDocument/2006/relationships" name="Simple Light">
+  <a:themeElements>
+    <a:clrScheme name="Simple Light">
+      <a:dk1>
+        <a:srgbClr val="000000"/>
+      </a:dk1>
+      <a:lt1>
+        <a:srgbClr val="FFFFFF"/>
+      </a:lt1>
+      <a:dk2>
+        <a:srgbClr val="595959"/>
+      </a:dk2>
+      <a:lt2>
+        <a:srgbClr val="EEEEEE"/>
+      </a:lt2>
+      <a:accent1>
+        <a:srgbClr val="4285F4"/>
+      </a:accent1>
+      <a:accent2>
+        <a:srgbClr val="212121"/>
+      </a:accent2>
+      <a:accent3>
+        <a:srgbClr val="78909C"/>
+      </a:accent3>
+      <a:accent4>
+        <a:srgbClr val="FFAB40"/>
+      </a:accent4>
+      <a:accent5>
+        <a:srgbClr val="0097A7"/>
+      </a:accent5>
+      <a:accent6>
+        <a:srgbClr val="EEFF41"/>
+      </a:accent6>
+      <a:hlink>
+        <a:srgbClr val="0097A7"/>
+      </a:hlink>
+      <a:folHlink>
+        <a:srgbClr val="0097A7"/>
+      </a:folHlink>
+    </a:clrScheme>
+    <a:fontScheme name="Office">
+      <a:majorFont>
+        <a:latin typeface="Arial"/>
+        <a:ea typeface=""/>
+        <a:cs typeface=""/>
+        <a:font script="Jpan" typeface="ＭＳ Ｐゴシック"/>
+        <a:font script="Hang" typeface="맑은 고딕"/>
+        <a:font script="Hans" typeface="宋体"/>
+        <a:font script="Hant" typeface="新細明體"/>
+        <a:font script="Arab" typeface="Times New Roman"/>
+        <a:font script="Hebr" typeface="Times New Roman"/>
+        <a:font script="Thai" typeface="Angsana New"/>
+        <a:font script="Ethi" typeface="Nyala"/>
+        <a:font script="Beng" typeface="Vrinda"/>
+        <a:font script="Gujr" typeface="Shruti"/>
+        <a:font script="Khmr" typeface="MoolBoran"/>
+        <a:font script="Knda" typeface="Tunga"/>
+        <a:font script="Guru" typeface="Raavi"/>
+        <a:font script="Cans" typeface="Euphemia"/>
+        <a:font script="Cher" typeface="Plantagenet Cherokee"/>
+        <a:font script="Yiii" typeface="Microsoft Yi Baiti"/>
+        <a:font script="Tibt" typeface="Microsoft Himalaya"/>
+        <a:font script="Thaa" typeface="MV Boli"/>
+        <a:font script="Deva" typeface="Mangal"/>
+        <a:font script="Telu" typeface="Gautami"/>
+        <a:font script="Taml" typeface="Latha"/>
+        <a:font script="Syrc" typeface="Estrangelo Edessa"/>
+        <a:font script="Orya" typeface="Kalinga"/>
+        <a:font script="Mlym" typeface="Kartika"/>
+        <a:font script="Laoo" typeface="DokChampa"/>
+        <a:font script="Sinh" typeface="Iskoola Pota"/>
+        <a:font script="Mong" typeface="Mongolian Baiti"/>
+        <a:font script="Viet" typeface="Times New Roman"/>
+        <a:font script="Uigh" typeface="Microsoft Uighur"/>
+        <a:font script="Geor" typeface="Sylfaen"/>
+      </a:majorFont>
+      <a:minorFont>
+        <a:latin typeface="Arial"/>
+        <a:ea typeface=""/>
+        <a:cs typeface=""/>
+        <a:font script="Jpan" typeface="ＭＳ Ｐゴシック"/>
+        <a:font script="Hang" typeface="맑은 고딕"/>
+        <a:font script="Hans" typeface="宋体"/>
+        <a:font script="Hant" typeface="新細明體"/>
+        <a:font script="Arab" typeface="Arial"/>
+        <a:font script="Hebr" typeface="Arial"/>
+        <a:font script="Thai" typeface="Cordia New"/>
+        <a:font script="Ethi" typeface="Nyala"/>
+        <a:font script="Beng" typeface="Vrinda"/>
+        <a:font script="Gujr" typeface="Shruti"/>
+        <a:font script="Khmr" typeface="DaunPenh"/>
+        <a:font script="Knda" typeface="Tunga"/>
+        <a:font script="Guru" typeface="Raavi"/>
+        <a:font script="Cans" typeface="Euphemia"/>
+        <a:font script="Cher" typeface="Plantagenet Cherokee"/>
+        <a:font script="Yiii" typeface="Microsoft Yi Baiti"/>
+        <a:font script="Tibt" typeface="Microsoft Himalaya"/>
+        <a:font script="Thaa" typeface="MV Boli"/>
+        <a:font script="Deva" typeface="Mangal"/>
+        <a:font script="Telu" typeface="Gautami"/>
+        <a:font script="Taml" typeface="Latha"/>
+        <a:font script="Syrc" typeface="Estrangelo Edessa"/>
+        <a:font script="Orya" typeface="Kalinga"/>
+        <a:font script="Mlym" typeface="Kartika"/>
+        <a:font script="Laoo" typeface="DokChampa"/>
+        <a:font script="Sinh" typeface="Iskoola Pota"/>
+        <a:font script="Mong" typeface="Mongolian Baiti"/>
+        <a:font script="Viet" typeface="Arial"/>
+        <a:font script="Uigh" typeface="Microsoft Uighur"/>
+        <a:font script="Geor" typeface="Sylfaen"/>
+      </a:minorFont>
+    </a:fontScheme>
+    <a:fmtScheme name="Office">
+      <a:fillStyleLst>
+        <a:solidFill>
+          <a:schemeClr val="phClr"/>
+        </a:solidFill>
+        <a:gradFill rotWithShape="1">
+          <a:gsLst>
+            <a:gs pos="0">
+              <a:schemeClr val="phClr">
+                <a:tint val="50000"/>
+                <a:satMod val="300000"/>
+              </a:schemeClr>
+            </a:gs>
+            <a:gs pos="35000">
+              <a:schemeClr val="phClr">
+                <a:tint val="37000"/>
+                <a:satMod val="300000"/>
+              </a:schemeClr>
+            </a:gs>
+            <a:gs pos="100000">
+              <a:schemeClr val="phClr">
+                <a:tint val="15000"/>
+                <a:satMod val="350000"/>
+              </a:schemeClr>
+            </a:gs>
+          </a:gsLst>
+          <a:lin ang="16200000" scaled="1"/>
+        </a:gradFill>
+        <a:gradFill rotWithShape="1">
+          <a:gsLst>
+            <a:gs pos="0">
+              <a:schemeClr val="phClr">
+                <a:tint val="100000"/>
+                <a:shade val="100000"/>
+                <a:satMod val="130000"/>
+              </a:schemeClr>
+            </a:gs>
+            <a:gs pos="100000">
+              <a:schemeClr val="phClr">
+                <a:tint val="50000"/>
+                <a:shade val="100000"/>
+                <a:satMod val="350000"/>
+              </a:schemeClr>
+            </a:gs>
+          </a:gsLst>
+          <a:lin ang="16200000" scaled="0"/>
+        </a:gradFill>
+      </a:fillStyleLst>
+      <a:lnStyleLst>
+        <a:ln w="9525" cap="flat" cmpd="sng" algn="ctr">
+          <a:solidFill>
+            <a:schemeClr val="phClr">
+              <a:shade val="95000"/>
+              <a:satMod val="105000"/>
+            </a:schemeClr>
+          </a:solidFill>
+          <a:prstDash val="solid"/>
+        </a:ln>
+        <a:ln w="25400" cap="flat" cmpd="sng" algn="ctr">
+          <a:solidFill>
+            <a:schemeClr val="phClr"/>
+          </a:solidFill>
+          <a:prstDash val="solid"/>
+        </a:ln>
+        <a:ln w="38100" cap="flat" cmpd="sng" algn="ctr">
+          <a:solidFill>
+            <a:schemeClr val="phClr"/>
+          </a:solidFill>
+          <a:prstDash val="solid"/>
+        </a:ln>
+      </a:lnStyleLst>
+      <a:effectStyleLst>
+        <a:effectStyle>
+          <a:effectLst>
+            <a:outerShdw blurRad="40000" dist="20000" dir="5400000" rotWithShape="0">
+              <a:srgbClr val="000000">
+                <a:alpha val="38000"/>
+              </a:srgbClr>
+            </a:outerShdw>
+          </a:effectLst>
+        </a:effectStyle>
+        <a:effectStyle>
+          <a:effectLst>
+            <a:outerShdw blurRad="40000" dist="23000" dir="5400000" rotWithShape="0">
+              <a:srgbClr val="000000">
+                <a:alpha val="35000"/>
+              </a:srgbClr>
+            </a:outerShdw>
+          </a:effectLst>
+        </a:effectStyle>
+        <a:effectStyle>
+          <a:effectLst>
+            <a:outerShdw blurRad="40000" dist="23000" dir="5400000" rotWithShape="0">
+              <a:srgbClr val="000000">
+                <a:alpha val="35000"/>
+              </a:srgbClr>
+            </a:outerShdw>
+          </a:effectLst>
+          <a:scene3d>
+            <a:camera prst="orthographicFront">
+              <a:rot lat="0" lon="0" rev="0"/>
+            </a:camera>
+            <a:lightRig rig="threePt" dir="t">
+              <a:rot lat="0" lon="0" rev="1200000"/>
+            </a:lightRig>
+          </a:scene3d>
+          <a:sp3d>
+            <a:bevelT w="63500" h="25400"/>
+          </a:sp3d>
+        </a:effectStyle>
+      </a:effectStyleLst>
+      <a:bgFillStyleLst>
+        <a:solidFill>
+          <a:schemeClr val="phClr"/>
+        </a:solidFill>
+        <a:gradFill rotWithShape="1">
+          <a:gsLst>
+            <a:gs pos="0">
+              <a:schemeClr val="phClr">
+                <a:tint val="40000"/>
+                <a:satMod val="350000"/>
+              </a:schemeClr>
+            </a:gs>
+            <a:gs pos="40000">
+              <a:schemeClr val="phClr">
+                <a:tint val="45000"/>
+                <a:shade val="99000"/>
+                <a:satMod val="350000"/>
+              </a:schemeClr>
+            </a:gs>
+            <a:gs pos="100000">
+              <a:schemeClr val="phClr">
+                <a:shade val="20000"/>
+                <a:satMod val="255000"/>
+              </a:schemeClr>
+            </a:gs>
+          </a:gsLst>
+          <a:path path="circle">
+            <a:fillToRect l="50000" t="-80000" r="50000" b="180000"/>
+          </a:path>
+        </a:gradFill>
+        <a:gradFill rotWithShape="1">
+          <a:gsLst>
+            <a:gs pos="0">
+              <a:schemeClr val="phClr">
+                <a:tint val="80000"/>
+                <a:satMod val="300000"/>
+              </a:schemeClr>
+            </a:gs>
+            <a:gs pos="100000">
+              <a:schemeClr val="phClr">
+                <a:shade val="30000"/>
+                <a:satMod val="200000"/>
+              </a:schemeClr>
+            </a:gs>
+          </a:gsLst>
+          <a:path path="circle">
+            <a:fillToRect l="50000" t="50000" r="50000" b="50000"/>
+          </a:path>
+        </a:gradFill>
+      </a:bgFillStyleLst>
+    </a:fmtScheme>
+  </a:themeElements>
+</a:theme>
+</file>
+
+<file path=ppt/theme/theme2.xml><?xml version="1.0" encoding="utf-8"?>
 <a:theme xmlns:a="http://schemas.openxmlformats.org/drawingml/2006/main" xmlns:r="http://schemas.openxmlformats.org/officeDocument/2006/relationships" name="Geometric">
   <a:themeElements>
     <a:clrScheme name="Geometric">
@@ -32359,7 +32646,7 @@
 </a:theme>
 </file>
 
-<file path=ppt/theme/theme2.xml><?xml version="1.0" encoding="utf-8"?>
+<file path=ppt/theme/theme3.xml><?xml version="1.0" encoding="utf-8"?>
 <a:theme xmlns:a="http://schemas.openxmlformats.org/drawingml/2006/main" xmlns:r="http://schemas.openxmlformats.org/officeDocument/2006/relationships">
   <a:themeElements>
     <a:clrScheme name="Default">
@@ -32398,285 +32685,6 @@
       </a:hlink>
       <a:folHlink>
         <a:srgbClr val="551A8B"/>
-      </a:folHlink>
-    </a:clrScheme>
-    <a:fontScheme name="Office">
-      <a:majorFont>
-        <a:latin typeface="Arial"/>
-        <a:ea typeface=""/>
-        <a:cs typeface=""/>
-        <a:font script="Jpan" typeface="ＭＳ Ｐゴシック"/>
-        <a:font script="Hang" typeface="맑은 고딕"/>
-        <a:font script="Hans" typeface="宋体"/>
-        <a:font script="Hant" typeface="新細明體"/>
-        <a:font script="Arab" typeface="Times New Roman"/>
-        <a:font script="Hebr" typeface="Times New Roman"/>
-        <a:font script="Thai" typeface="Angsana New"/>
-        <a:font script="Ethi" typeface="Nyala"/>
-        <a:font script="Beng" typeface="Vrinda"/>
-        <a:font script="Gujr" typeface="Shruti"/>
-        <a:font script="Khmr" typeface="MoolBoran"/>
-        <a:font script="Knda" typeface="Tunga"/>
-        <a:font script="Guru" typeface="Raavi"/>
-        <a:font script="Cans" typeface="Euphemia"/>
-        <a:font script="Cher" typeface="Plantagenet Cherokee"/>
-        <a:font script="Yiii" typeface="Microsoft Yi Baiti"/>
-        <a:font script="Tibt" typeface="Microsoft Himalaya"/>
-        <a:font script="Thaa" typeface="MV Boli"/>
-        <a:font script="Deva" typeface="Mangal"/>
-        <a:font script="Telu" typeface="Gautami"/>
-        <a:font script="Taml" typeface="Latha"/>
-        <a:font script="Syrc" typeface="Estrangelo Edessa"/>
-        <a:font script="Orya" typeface="Kalinga"/>
-        <a:font script="Mlym" typeface="Kartika"/>
-        <a:font script="Laoo" typeface="DokChampa"/>
-        <a:font script="Sinh" typeface="Iskoola Pota"/>
-        <a:font script="Mong" typeface="Mongolian Baiti"/>
-        <a:font script="Viet" typeface="Times New Roman"/>
-        <a:font script="Uigh" typeface="Microsoft Uighur"/>
-        <a:font script="Geor" typeface="Sylfaen"/>
-      </a:majorFont>
-      <a:minorFont>
-        <a:latin typeface="Arial"/>
-        <a:ea typeface=""/>
-        <a:cs typeface=""/>
-        <a:font script="Jpan" typeface="ＭＳ Ｐゴシック"/>
-        <a:font script="Hang" typeface="맑은 고딕"/>
-        <a:font script="Hans" typeface="宋体"/>
-        <a:font script="Hant" typeface="新細明體"/>
-        <a:font script="Arab" typeface="Arial"/>
-        <a:font script="Hebr" typeface="Arial"/>
-        <a:font script="Thai" typeface="Cordia New"/>
-        <a:font script="Ethi" typeface="Nyala"/>
-        <a:font script="Beng" typeface="Vrinda"/>
-        <a:font script="Gujr" typeface="Shruti"/>
-        <a:font script="Khmr" typeface="DaunPenh"/>
-        <a:font script="Knda" typeface="Tunga"/>
-        <a:font script="Guru" typeface="Raavi"/>
-        <a:font script="Cans" typeface="Euphemia"/>
-        <a:font script="Cher" typeface="Plantagenet Cherokee"/>
-        <a:font script="Yiii" typeface="Microsoft Yi Baiti"/>
-        <a:font script="Tibt" typeface="Microsoft Himalaya"/>
-        <a:font script="Thaa" typeface="MV Boli"/>
-        <a:font script="Deva" typeface="Mangal"/>
-        <a:font script="Telu" typeface="Gautami"/>
-        <a:font script="Taml" typeface="Latha"/>
-        <a:font script="Syrc" typeface="Estrangelo Edessa"/>
-        <a:font script="Orya" typeface="Kalinga"/>
-        <a:font script="Mlym" typeface="Kartika"/>
-        <a:font script="Laoo" typeface="DokChampa"/>
-        <a:font script="Sinh" typeface="Iskoola Pota"/>
-        <a:font script="Mong" typeface="Mongolian Baiti"/>
-        <a:font script="Viet" typeface="Arial"/>
-        <a:font script="Uigh" typeface="Microsoft Uighur"/>
-        <a:font script="Geor" typeface="Sylfaen"/>
-      </a:minorFont>
-    </a:fontScheme>
-    <a:fmtScheme name="Office">
-      <a:fillStyleLst>
-        <a:solidFill>
-          <a:schemeClr val="phClr"/>
-        </a:solidFill>
-        <a:gradFill rotWithShape="1">
-          <a:gsLst>
-            <a:gs pos="0">
-              <a:schemeClr val="phClr">
-                <a:tint val="50000"/>
-                <a:satMod val="300000"/>
-              </a:schemeClr>
-            </a:gs>
-            <a:gs pos="35000">
-              <a:schemeClr val="phClr">
-                <a:tint val="37000"/>
-                <a:satMod val="300000"/>
-              </a:schemeClr>
-            </a:gs>
-            <a:gs pos="100000">
-              <a:schemeClr val="phClr">
-                <a:tint val="15000"/>
-                <a:satMod val="350000"/>
-              </a:schemeClr>
-            </a:gs>
-          </a:gsLst>
-          <a:lin ang="16200000" scaled="1"/>
-        </a:gradFill>
-        <a:gradFill rotWithShape="1">
-          <a:gsLst>
-            <a:gs pos="0">
-              <a:schemeClr val="phClr">
-                <a:tint val="100000"/>
-                <a:shade val="100000"/>
-                <a:satMod val="130000"/>
-              </a:schemeClr>
-            </a:gs>
-            <a:gs pos="100000">
-              <a:schemeClr val="phClr">
-                <a:tint val="50000"/>
-                <a:shade val="100000"/>
-                <a:satMod val="350000"/>
-              </a:schemeClr>
-            </a:gs>
-          </a:gsLst>
-          <a:lin ang="16200000" scaled="0"/>
-        </a:gradFill>
-      </a:fillStyleLst>
-      <a:lnStyleLst>
-        <a:ln w="9525" cap="flat" cmpd="sng" algn="ctr">
-          <a:solidFill>
-            <a:schemeClr val="phClr">
-              <a:shade val="95000"/>
-              <a:satMod val="105000"/>
-            </a:schemeClr>
-          </a:solidFill>
-          <a:prstDash val="solid"/>
-        </a:ln>
-        <a:ln w="25400" cap="flat" cmpd="sng" algn="ctr">
-          <a:solidFill>
-            <a:schemeClr val="phClr"/>
-          </a:solidFill>
-          <a:prstDash val="solid"/>
-        </a:ln>
-        <a:ln w="38100" cap="flat" cmpd="sng" algn="ctr">
-          <a:solidFill>
-            <a:schemeClr val="phClr"/>
-          </a:solidFill>
-          <a:prstDash val="solid"/>
-        </a:ln>
-      </a:lnStyleLst>
-      <a:effectStyleLst>
-        <a:effectStyle>
-          <a:effectLst>
-            <a:outerShdw blurRad="40000" dist="20000" dir="5400000" rotWithShape="0">
-              <a:srgbClr val="000000">
-                <a:alpha val="38000"/>
-              </a:srgbClr>
-            </a:outerShdw>
-          </a:effectLst>
-        </a:effectStyle>
-        <a:effectStyle>
-          <a:effectLst>
-            <a:outerShdw blurRad="40000" dist="23000" dir="5400000" rotWithShape="0">
-              <a:srgbClr val="000000">
-                <a:alpha val="35000"/>
-              </a:srgbClr>
-            </a:outerShdw>
-          </a:effectLst>
-        </a:effectStyle>
-        <a:effectStyle>
-          <a:effectLst>
-            <a:outerShdw blurRad="40000" dist="23000" dir="5400000" rotWithShape="0">
-              <a:srgbClr val="000000">
-                <a:alpha val="35000"/>
-              </a:srgbClr>
-            </a:outerShdw>
-          </a:effectLst>
-          <a:scene3d>
-            <a:camera prst="orthographicFront">
-              <a:rot lat="0" lon="0" rev="0"/>
-            </a:camera>
-            <a:lightRig rig="threePt" dir="t">
-              <a:rot lat="0" lon="0" rev="1200000"/>
-            </a:lightRig>
-          </a:scene3d>
-          <a:sp3d>
-            <a:bevelT w="63500" h="25400"/>
-          </a:sp3d>
-        </a:effectStyle>
-      </a:effectStyleLst>
-      <a:bgFillStyleLst>
-        <a:solidFill>
-          <a:schemeClr val="phClr"/>
-        </a:solidFill>
-        <a:gradFill rotWithShape="1">
-          <a:gsLst>
-            <a:gs pos="0">
-              <a:schemeClr val="phClr">
-                <a:tint val="40000"/>
-                <a:satMod val="350000"/>
-              </a:schemeClr>
-            </a:gs>
-            <a:gs pos="40000">
-              <a:schemeClr val="phClr">
-                <a:tint val="45000"/>
-                <a:shade val="99000"/>
-                <a:satMod val="350000"/>
-              </a:schemeClr>
-            </a:gs>
-            <a:gs pos="100000">
-              <a:schemeClr val="phClr">
-                <a:shade val="20000"/>
-                <a:satMod val="255000"/>
-              </a:schemeClr>
-            </a:gs>
-          </a:gsLst>
-          <a:path path="circle">
-            <a:fillToRect l="50000" t="-80000" r="50000" b="180000"/>
-          </a:path>
-        </a:gradFill>
-        <a:gradFill rotWithShape="1">
-          <a:gsLst>
-            <a:gs pos="0">
-              <a:schemeClr val="phClr">
-                <a:tint val="80000"/>
-                <a:satMod val="300000"/>
-              </a:schemeClr>
-            </a:gs>
-            <a:gs pos="100000">
-              <a:schemeClr val="phClr">
-                <a:shade val="30000"/>
-                <a:satMod val="200000"/>
-              </a:schemeClr>
-            </a:gs>
-          </a:gsLst>
-          <a:path path="circle">
-            <a:fillToRect l="50000" t="50000" r="50000" b="50000"/>
-          </a:path>
-        </a:gradFill>
-      </a:bgFillStyleLst>
-    </a:fmtScheme>
-  </a:themeElements>
-</a:theme>
-</file>
-
-<file path=ppt/theme/theme3.xml><?xml version="1.0" encoding="utf-8"?>
-<a:theme xmlns:a="http://schemas.openxmlformats.org/drawingml/2006/main" xmlns:r="http://schemas.openxmlformats.org/officeDocument/2006/relationships" name="Simple Light">
-  <a:themeElements>
-    <a:clrScheme name="Simple Light">
-      <a:dk1>
-        <a:srgbClr val="000000"/>
-      </a:dk1>
-      <a:lt1>
-        <a:srgbClr val="FFFFFF"/>
-      </a:lt1>
-      <a:dk2>
-        <a:srgbClr val="595959"/>
-      </a:dk2>
-      <a:lt2>
-        <a:srgbClr val="EEEEEE"/>
-      </a:lt2>
-      <a:accent1>
-        <a:srgbClr val="4285F4"/>
-      </a:accent1>
-      <a:accent2>
-        <a:srgbClr val="212121"/>
-      </a:accent2>
-      <a:accent3>
-        <a:srgbClr val="78909C"/>
-      </a:accent3>
-      <a:accent4>
-        <a:srgbClr val="FFAB40"/>
-      </a:accent4>
-      <a:accent5>
-        <a:srgbClr val="0097A7"/>
-      </a:accent5>
-      <a:accent6>
-        <a:srgbClr val="EEFF41"/>
-      </a:accent6>
-      <a:hlink>
-        <a:srgbClr val="0097A7"/>
-      </a:hlink>
-      <a:folHlink>
-        <a:srgbClr val="0097A7"/>
       </a:folHlink>
     </a:clrScheme>
     <a:fontScheme name="Office">

--- a/Day_5/Lectures/Day_5_Lecture_1_Introduction_to_Deep_Learning.pptx
+++ b/Day_5/Lectures/Day_5_Lecture_1_Introduction_to_Deep_Learning.pptx
@@ -22883,8 +22883,8 @@
         </p:nvSpPr>
         <p:spPr>
           <a:xfrm>
-            <a:off x="3905675" y="1197938"/>
-            <a:ext cx="5008500" cy="3270300"/>
+            <a:off x="3905675" y="947525"/>
+            <a:ext cx="5008500" cy="3584700"/>
           </a:xfrm>
           <a:prstGeom prst="rect">
             <a:avLst/>
@@ -22930,6 +22930,23 @@
             <a:r>
               <a:rPr lang="en" sz="1700"/>
               <a:t>mechanism.</a:t>
+            </a:r>
+            <a:endParaRPr sz="1700"/>
+          </a:p>
+          <a:p>
+            <a:pPr indent="-336550" lvl="0" marL="457200" rtl="0" algn="l">
+              <a:spcBef>
+                <a:spcPts val="0"/>
+              </a:spcBef>
+              <a:spcAft>
+                <a:spcPts val="0"/>
+              </a:spcAft>
+              <a:buSzPts val="1700"/>
+              <a:buChar char="●"/>
+            </a:pPr>
+            <a:r>
+              <a:rPr lang="en" sz="1700"/>
+              <a:t>Self Attention, also called intra Attention, is an attention mechanism relating different positions of a single sequence in order to compute a representation of the same sequence.</a:t>
             </a:r>
             <a:endParaRPr sz="1700"/>
           </a:p>
@@ -32089,6 +32106,285 @@
 </file>
 
 <file path=ppt/theme/theme1.xml><?xml version="1.0" encoding="utf-8"?>
+<a:theme xmlns:a="http://schemas.openxmlformats.org/drawingml/2006/main" xmlns:r="http://schemas.openxmlformats.org/officeDocument/2006/relationships">
+  <a:themeElements>
+    <a:clrScheme name="Default">
+      <a:dk1>
+        <a:srgbClr val="000000"/>
+      </a:dk1>
+      <a:lt1>
+        <a:srgbClr val="FFFFFF"/>
+      </a:lt1>
+      <a:dk2>
+        <a:srgbClr val="158158"/>
+      </a:dk2>
+      <a:lt2>
+        <a:srgbClr val="F3F3F3"/>
+      </a:lt2>
+      <a:accent1>
+        <a:srgbClr val="058DC7"/>
+      </a:accent1>
+      <a:accent2>
+        <a:srgbClr val="50B432"/>
+      </a:accent2>
+      <a:accent3>
+        <a:srgbClr val="ED561B"/>
+      </a:accent3>
+      <a:accent4>
+        <a:srgbClr val="EDEF00"/>
+      </a:accent4>
+      <a:accent5>
+        <a:srgbClr val="24CBE5"/>
+      </a:accent5>
+      <a:accent6>
+        <a:srgbClr val="64E572"/>
+      </a:accent6>
+      <a:hlink>
+        <a:srgbClr val="2200CC"/>
+      </a:hlink>
+      <a:folHlink>
+        <a:srgbClr val="551A8B"/>
+      </a:folHlink>
+    </a:clrScheme>
+    <a:fontScheme name="Office">
+      <a:majorFont>
+        <a:latin typeface="Arial"/>
+        <a:ea typeface=""/>
+        <a:cs typeface=""/>
+        <a:font script="Jpan" typeface="ＭＳ Ｐゴシック"/>
+        <a:font script="Hang" typeface="맑은 고딕"/>
+        <a:font script="Hans" typeface="宋体"/>
+        <a:font script="Hant" typeface="新細明體"/>
+        <a:font script="Arab" typeface="Times New Roman"/>
+        <a:font script="Hebr" typeface="Times New Roman"/>
+        <a:font script="Thai" typeface="Angsana New"/>
+        <a:font script="Ethi" typeface="Nyala"/>
+        <a:font script="Beng" typeface="Vrinda"/>
+        <a:font script="Gujr" typeface="Shruti"/>
+        <a:font script="Khmr" typeface="MoolBoran"/>
+        <a:font script="Knda" typeface="Tunga"/>
+        <a:font script="Guru" typeface="Raavi"/>
+        <a:font script="Cans" typeface="Euphemia"/>
+        <a:font script="Cher" typeface="Plantagenet Cherokee"/>
+        <a:font script="Yiii" typeface="Microsoft Yi Baiti"/>
+        <a:font script="Tibt" typeface="Microsoft Himalaya"/>
+        <a:font script="Thaa" typeface="MV Boli"/>
+        <a:font script="Deva" typeface="Mangal"/>
+        <a:font script="Telu" typeface="Gautami"/>
+        <a:font script="Taml" typeface="Latha"/>
+        <a:font script="Syrc" typeface="Estrangelo Edessa"/>
+        <a:font script="Orya" typeface="Kalinga"/>
+        <a:font script="Mlym" typeface="Kartika"/>
+        <a:font script="Laoo" typeface="DokChampa"/>
+        <a:font script="Sinh" typeface="Iskoola Pota"/>
+        <a:font script="Mong" typeface="Mongolian Baiti"/>
+        <a:font script="Viet" typeface="Times New Roman"/>
+        <a:font script="Uigh" typeface="Microsoft Uighur"/>
+        <a:font script="Geor" typeface="Sylfaen"/>
+      </a:majorFont>
+      <a:minorFont>
+        <a:latin typeface="Arial"/>
+        <a:ea typeface=""/>
+        <a:cs typeface=""/>
+        <a:font script="Jpan" typeface="ＭＳ Ｐゴシック"/>
+        <a:font script="Hang" typeface="맑은 고딕"/>
+        <a:font script="Hans" typeface="宋体"/>
+        <a:font script="Hant" typeface="新細明體"/>
+        <a:font script="Arab" typeface="Arial"/>
+        <a:font script="Hebr" typeface="Arial"/>
+        <a:font script="Thai" typeface="Cordia New"/>
+        <a:font script="Ethi" typeface="Nyala"/>
+        <a:font script="Beng" typeface="Vrinda"/>
+        <a:font script="Gujr" typeface="Shruti"/>
+        <a:font script="Khmr" typeface="DaunPenh"/>
+        <a:font script="Knda" typeface="Tunga"/>
+        <a:font script="Guru" typeface="Raavi"/>
+        <a:font script="Cans" typeface="Euphemia"/>
+        <a:font script="Cher" typeface="Plantagenet Cherokee"/>
+        <a:font script="Yiii" typeface="Microsoft Yi Baiti"/>
+        <a:font script="Tibt" typeface="Microsoft Himalaya"/>
+        <a:font script="Thaa" typeface="MV Boli"/>
+        <a:font script="Deva" typeface="Mangal"/>
+        <a:font script="Telu" typeface="Gautami"/>
+        <a:font script="Taml" typeface="Latha"/>
+        <a:font script="Syrc" typeface="Estrangelo Edessa"/>
+        <a:font script="Orya" typeface="Kalinga"/>
+        <a:font script="Mlym" typeface="Kartika"/>
+        <a:font script="Laoo" typeface="DokChampa"/>
+        <a:font script="Sinh" typeface="Iskoola Pota"/>
+        <a:font script="Mong" typeface="Mongolian Baiti"/>
+        <a:font script="Viet" typeface="Arial"/>
+        <a:font script="Uigh" typeface="Microsoft Uighur"/>
+        <a:font script="Geor" typeface="Sylfaen"/>
+      </a:minorFont>
+    </a:fontScheme>
+    <a:fmtScheme name="Office">
+      <a:fillStyleLst>
+        <a:solidFill>
+          <a:schemeClr val="phClr"/>
+        </a:solidFill>
+        <a:gradFill rotWithShape="1">
+          <a:gsLst>
+            <a:gs pos="0">
+              <a:schemeClr val="phClr">
+                <a:tint val="50000"/>
+                <a:satMod val="300000"/>
+              </a:schemeClr>
+            </a:gs>
+            <a:gs pos="35000">
+              <a:schemeClr val="phClr">
+                <a:tint val="37000"/>
+                <a:satMod val="300000"/>
+              </a:schemeClr>
+            </a:gs>
+            <a:gs pos="100000">
+              <a:schemeClr val="phClr">
+                <a:tint val="15000"/>
+                <a:satMod val="350000"/>
+              </a:schemeClr>
+            </a:gs>
+          </a:gsLst>
+          <a:lin ang="16200000" scaled="1"/>
+        </a:gradFill>
+        <a:gradFill rotWithShape="1">
+          <a:gsLst>
+            <a:gs pos="0">
+              <a:schemeClr val="phClr">
+                <a:tint val="100000"/>
+                <a:shade val="100000"/>
+                <a:satMod val="130000"/>
+              </a:schemeClr>
+            </a:gs>
+            <a:gs pos="100000">
+              <a:schemeClr val="phClr">
+                <a:tint val="50000"/>
+                <a:shade val="100000"/>
+                <a:satMod val="350000"/>
+              </a:schemeClr>
+            </a:gs>
+          </a:gsLst>
+          <a:lin ang="16200000" scaled="0"/>
+        </a:gradFill>
+      </a:fillStyleLst>
+      <a:lnStyleLst>
+        <a:ln w="9525" cap="flat" cmpd="sng" algn="ctr">
+          <a:solidFill>
+            <a:schemeClr val="phClr">
+              <a:shade val="95000"/>
+              <a:satMod val="105000"/>
+            </a:schemeClr>
+          </a:solidFill>
+          <a:prstDash val="solid"/>
+        </a:ln>
+        <a:ln w="25400" cap="flat" cmpd="sng" algn="ctr">
+          <a:solidFill>
+            <a:schemeClr val="phClr"/>
+          </a:solidFill>
+          <a:prstDash val="solid"/>
+        </a:ln>
+        <a:ln w="38100" cap="flat" cmpd="sng" algn="ctr">
+          <a:solidFill>
+            <a:schemeClr val="phClr"/>
+          </a:solidFill>
+          <a:prstDash val="solid"/>
+        </a:ln>
+      </a:lnStyleLst>
+      <a:effectStyleLst>
+        <a:effectStyle>
+          <a:effectLst>
+            <a:outerShdw blurRad="40000" dist="20000" dir="5400000" rotWithShape="0">
+              <a:srgbClr val="000000">
+                <a:alpha val="38000"/>
+              </a:srgbClr>
+            </a:outerShdw>
+          </a:effectLst>
+        </a:effectStyle>
+        <a:effectStyle>
+          <a:effectLst>
+            <a:outerShdw blurRad="40000" dist="23000" dir="5400000" rotWithShape="0">
+              <a:srgbClr val="000000">
+                <a:alpha val="35000"/>
+              </a:srgbClr>
+            </a:outerShdw>
+          </a:effectLst>
+        </a:effectStyle>
+        <a:effectStyle>
+          <a:effectLst>
+            <a:outerShdw blurRad="40000" dist="23000" dir="5400000" rotWithShape="0">
+              <a:srgbClr val="000000">
+                <a:alpha val="35000"/>
+              </a:srgbClr>
+            </a:outerShdw>
+          </a:effectLst>
+          <a:scene3d>
+            <a:camera prst="orthographicFront">
+              <a:rot lat="0" lon="0" rev="0"/>
+            </a:camera>
+            <a:lightRig rig="threePt" dir="t">
+              <a:rot lat="0" lon="0" rev="1200000"/>
+            </a:lightRig>
+          </a:scene3d>
+          <a:sp3d>
+            <a:bevelT w="63500" h="25400"/>
+          </a:sp3d>
+        </a:effectStyle>
+      </a:effectStyleLst>
+      <a:bgFillStyleLst>
+        <a:solidFill>
+          <a:schemeClr val="phClr"/>
+        </a:solidFill>
+        <a:gradFill rotWithShape="1">
+          <a:gsLst>
+            <a:gs pos="0">
+              <a:schemeClr val="phClr">
+                <a:tint val="40000"/>
+                <a:satMod val="350000"/>
+              </a:schemeClr>
+            </a:gs>
+            <a:gs pos="40000">
+              <a:schemeClr val="phClr">
+                <a:tint val="45000"/>
+                <a:shade val="99000"/>
+                <a:satMod val="350000"/>
+              </a:schemeClr>
+            </a:gs>
+            <a:gs pos="100000">
+              <a:schemeClr val="phClr">
+                <a:shade val="20000"/>
+                <a:satMod val="255000"/>
+              </a:schemeClr>
+            </a:gs>
+          </a:gsLst>
+          <a:path path="circle">
+            <a:fillToRect l="50000" t="-80000" r="50000" b="180000"/>
+          </a:path>
+        </a:gradFill>
+        <a:gradFill rotWithShape="1">
+          <a:gsLst>
+            <a:gs pos="0">
+              <a:schemeClr val="phClr">
+                <a:tint val="80000"/>
+                <a:satMod val="300000"/>
+              </a:schemeClr>
+            </a:gs>
+            <a:gs pos="100000">
+              <a:schemeClr val="phClr">
+                <a:shade val="30000"/>
+                <a:satMod val="200000"/>
+              </a:schemeClr>
+            </a:gs>
+          </a:gsLst>
+          <a:path path="circle">
+            <a:fillToRect l="50000" t="50000" r="50000" b="50000"/>
+          </a:path>
+        </a:gradFill>
+      </a:bgFillStyleLst>
+    </a:fmtScheme>
+  </a:themeElements>
+</a:theme>
+</file>
+
+<file path=ppt/theme/theme2.xml><?xml version="1.0" encoding="utf-8"?>
 <a:theme xmlns:a="http://schemas.openxmlformats.org/drawingml/2006/main" xmlns:r="http://schemas.openxmlformats.org/officeDocument/2006/relationships" name="Simple Light">
   <a:themeElements>
     <a:clrScheme name="Simple Light">
@@ -32367,7 +32663,7 @@
 </a:theme>
 </file>
 
-<file path=ppt/theme/theme2.xml><?xml version="1.0" encoding="utf-8"?>
+<file path=ppt/theme/theme3.xml><?xml version="1.0" encoding="utf-8"?>
 <a:theme xmlns:a="http://schemas.openxmlformats.org/drawingml/2006/main" xmlns:r="http://schemas.openxmlformats.org/officeDocument/2006/relationships" name="Geometric">
   <a:themeElements>
     <a:clrScheme name="Geometric">
@@ -32406,285 +32702,6 @@
       </a:hlink>
       <a:folHlink>
         <a:srgbClr val="F06292"/>
-      </a:folHlink>
-    </a:clrScheme>
-    <a:fontScheme name="Office">
-      <a:majorFont>
-        <a:latin typeface="Arial"/>
-        <a:ea typeface=""/>
-        <a:cs typeface=""/>
-        <a:font script="Jpan" typeface="ＭＳ Ｐゴシック"/>
-        <a:font script="Hang" typeface="맑은 고딕"/>
-        <a:font script="Hans" typeface="宋体"/>
-        <a:font script="Hant" typeface="新細明體"/>
-        <a:font script="Arab" typeface="Times New Roman"/>
-        <a:font script="Hebr" typeface="Times New Roman"/>
-        <a:font script="Thai" typeface="Angsana New"/>
-        <a:font script="Ethi" typeface="Nyala"/>
-        <a:font script="Beng" typeface="Vrinda"/>
-        <a:font script="Gujr" typeface="Shruti"/>
-        <a:font script="Khmr" typeface="MoolBoran"/>
-        <a:font script="Knda" typeface="Tunga"/>
-        <a:font script="Guru" typeface="Raavi"/>
-        <a:font script="Cans" typeface="Euphemia"/>
-        <a:font script="Cher" typeface="Plantagenet Cherokee"/>
-        <a:font script="Yiii" typeface="Microsoft Yi Baiti"/>
-        <a:font script="Tibt" typeface="Microsoft Himalaya"/>
-        <a:font script="Thaa" typeface="MV Boli"/>
-        <a:font script="Deva" typeface="Mangal"/>
-        <a:font script="Telu" typeface="Gautami"/>
-        <a:font script="Taml" typeface="Latha"/>
-        <a:font script="Syrc" typeface="Estrangelo Edessa"/>
-        <a:font script="Orya" typeface="Kalinga"/>
-        <a:font script="Mlym" typeface="Kartika"/>
-        <a:font script="Laoo" typeface="DokChampa"/>
-        <a:font script="Sinh" typeface="Iskoola Pota"/>
-        <a:font script="Mong" typeface="Mongolian Baiti"/>
-        <a:font script="Viet" typeface="Times New Roman"/>
-        <a:font script="Uigh" typeface="Microsoft Uighur"/>
-        <a:font script="Geor" typeface="Sylfaen"/>
-      </a:majorFont>
-      <a:minorFont>
-        <a:latin typeface="Arial"/>
-        <a:ea typeface=""/>
-        <a:cs typeface=""/>
-        <a:font script="Jpan" typeface="ＭＳ Ｐゴシック"/>
-        <a:font script="Hang" typeface="맑은 고딕"/>
-        <a:font script="Hans" typeface="宋体"/>
-        <a:font script="Hant" typeface="新細明體"/>
-        <a:font script="Arab" typeface="Arial"/>
-        <a:font script="Hebr" typeface="Arial"/>
-        <a:font script="Thai" typeface="Cordia New"/>
-        <a:font script="Ethi" typeface="Nyala"/>
-        <a:font script="Beng" typeface="Vrinda"/>
-        <a:font script="Gujr" typeface="Shruti"/>
-        <a:font script="Khmr" typeface="DaunPenh"/>
-        <a:font script="Knda" typeface="Tunga"/>
-        <a:font script="Guru" typeface="Raavi"/>
-        <a:font script="Cans" typeface="Euphemia"/>
-        <a:font script="Cher" typeface="Plantagenet Cherokee"/>
-        <a:font script="Yiii" typeface="Microsoft Yi Baiti"/>
-        <a:font script="Tibt" typeface="Microsoft Himalaya"/>
-        <a:font script="Thaa" typeface="MV Boli"/>
-        <a:font script="Deva" typeface="Mangal"/>
-        <a:font script="Telu" typeface="Gautami"/>
-        <a:font script="Taml" typeface="Latha"/>
-        <a:font script="Syrc" typeface="Estrangelo Edessa"/>
-        <a:font script="Orya" typeface="Kalinga"/>
-        <a:font script="Mlym" typeface="Kartika"/>
-        <a:font script="Laoo" typeface="DokChampa"/>
-        <a:font script="Sinh" typeface="Iskoola Pota"/>
-        <a:font script="Mong" typeface="Mongolian Baiti"/>
-        <a:font script="Viet" typeface="Arial"/>
-        <a:font script="Uigh" typeface="Microsoft Uighur"/>
-        <a:font script="Geor" typeface="Sylfaen"/>
-      </a:minorFont>
-    </a:fontScheme>
-    <a:fmtScheme name="Office">
-      <a:fillStyleLst>
-        <a:solidFill>
-          <a:schemeClr val="phClr"/>
-        </a:solidFill>
-        <a:gradFill rotWithShape="1">
-          <a:gsLst>
-            <a:gs pos="0">
-              <a:schemeClr val="phClr">
-                <a:tint val="50000"/>
-                <a:satMod val="300000"/>
-              </a:schemeClr>
-            </a:gs>
-            <a:gs pos="35000">
-              <a:schemeClr val="phClr">
-                <a:tint val="37000"/>
-                <a:satMod val="300000"/>
-              </a:schemeClr>
-            </a:gs>
-            <a:gs pos="100000">
-              <a:schemeClr val="phClr">
-                <a:tint val="15000"/>
-                <a:satMod val="350000"/>
-              </a:schemeClr>
-            </a:gs>
-          </a:gsLst>
-          <a:lin ang="16200000" scaled="1"/>
-        </a:gradFill>
-        <a:gradFill rotWithShape="1">
-          <a:gsLst>
-            <a:gs pos="0">
-              <a:schemeClr val="phClr">
-                <a:tint val="100000"/>
-                <a:shade val="100000"/>
-                <a:satMod val="130000"/>
-              </a:schemeClr>
-            </a:gs>
-            <a:gs pos="100000">
-              <a:schemeClr val="phClr">
-                <a:tint val="50000"/>
-                <a:shade val="100000"/>
-                <a:satMod val="350000"/>
-              </a:schemeClr>
-            </a:gs>
-          </a:gsLst>
-          <a:lin ang="16200000" scaled="0"/>
-        </a:gradFill>
-      </a:fillStyleLst>
-      <a:lnStyleLst>
-        <a:ln w="9525" cap="flat" cmpd="sng" algn="ctr">
-          <a:solidFill>
-            <a:schemeClr val="phClr">
-              <a:shade val="95000"/>
-              <a:satMod val="105000"/>
-            </a:schemeClr>
-          </a:solidFill>
-          <a:prstDash val="solid"/>
-        </a:ln>
-        <a:ln w="25400" cap="flat" cmpd="sng" algn="ctr">
-          <a:solidFill>
-            <a:schemeClr val="phClr"/>
-          </a:solidFill>
-          <a:prstDash val="solid"/>
-        </a:ln>
-        <a:ln w="38100" cap="flat" cmpd="sng" algn="ctr">
-          <a:solidFill>
-            <a:schemeClr val="phClr"/>
-          </a:solidFill>
-          <a:prstDash val="solid"/>
-        </a:ln>
-      </a:lnStyleLst>
-      <a:effectStyleLst>
-        <a:effectStyle>
-          <a:effectLst>
-            <a:outerShdw blurRad="40000" dist="20000" dir="5400000" rotWithShape="0">
-              <a:srgbClr val="000000">
-                <a:alpha val="38000"/>
-              </a:srgbClr>
-            </a:outerShdw>
-          </a:effectLst>
-        </a:effectStyle>
-        <a:effectStyle>
-          <a:effectLst>
-            <a:outerShdw blurRad="40000" dist="23000" dir="5400000" rotWithShape="0">
-              <a:srgbClr val="000000">
-                <a:alpha val="35000"/>
-              </a:srgbClr>
-            </a:outerShdw>
-          </a:effectLst>
-        </a:effectStyle>
-        <a:effectStyle>
-          <a:effectLst>
-            <a:outerShdw blurRad="40000" dist="23000" dir="5400000" rotWithShape="0">
-              <a:srgbClr val="000000">
-                <a:alpha val="35000"/>
-              </a:srgbClr>
-            </a:outerShdw>
-          </a:effectLst>
-          <a:scene3d>
-            <a:camera prst="orthographicFront">
-              <a:rot lat="0" lon="0" rev="0"/>
-            </a:camera>
-            <a:lightRig rig="threePt" dir="t">
-              <a:rot lat="0" lon="0" rev="1200000"/>
-            </a:lightRig>
-          </a:scene3d>
-          <a:sp3d>
-            <a:bevelT w="63500" h="25400"/>
-          </a:sp3d>
-        </a:effectStyle>
-      </a:effectStyleLst>
-      <a:bgFillStyleLst>
-        <a:solidFill>
-          <a:schemeClr val="phClr"/>
-        </a:solidFill>
-        <a:gradFill rotWithShape="1">
-          <a:gsLst>
-            <a:gs pos="0">
-              <a:schemeClr val="phClr">
-                <a:tint val="40000"/>
-                <a:satMod val="350000"/>
-              </a:schemeClr>
-            </a:gs>
-            <a:gs pos="40000">
-              <a:schemeClr val="phClr">
-                <a:tint val="45000"/>
-                <a:shade val="99000"/>
-                <a:satMod val="350000"/>
-              </a:schemeClr>
-            </a:gs>
-            <a:gs pos="100000">
-              <a:schemeClr val="phClr">
-                <a:shade val="20000"/>
-                <a:satMod val="255000"/>
-              </a:schemeClr>
-            </a:gs>
-          </a:gsLst>
-          <a:path path="circle">
-            <a:fillToRect l="50000" t="-80000" r="50000" b="180000"/>
-          </a:path>
-        </a:gradFill>
-        <a:gradFill rotWithShape="1">
-          <a:gsLst>
-            <a:gs pos="0">
-              <a:schemeClr val="phClr">
-                <a:tint val="80000"/>
-                <a:satMod val="300000"/>
-              </a:schemeClr>
-            </a:gs>
-            <a:gs pos="100000">
-              <a:schemeClr val="phClr">
-                <a:shade val="30000"/>
-                <a:satMod val="200000"/>
-              </a:schemeClr>
-            </a:gs>
-          </a:gsLst>
-          <a:path path="circle">
-            <a:fillToRect l="50000" t="50000" r="50000" b="50000"/>
-          </a:path>
-        </a:gradFill>
-      </a:bgFillStyleLst>
-    </a:fmtScheme>
-  </a:themeElements>
-</a:theme>
-</file>
-
-<file path=ppt/theme/theme3.xml><?xml version="1.0" encoding="utf-8"?>
-<a:theme xmlns:a="http://schemas.openxmlformats.org/drawingml/2006/main" xmlns:r="http://schemas.openxmlformats.org/officeDocument/2006/relationships">
-  <a:themeElements>
-    <a:clrScheme name="Default">
-      <a:dk1>
-        <a:srgbClr val="000000"/>
-      </a:dk1>
-      <a:lt1>
-        <a:srgbClr val="FFFFFF"/>
-      </a:lt1>
-      <a:dk2>
-        <a:srgbClr val="158158"/>
-      </a:dk2>
-      <a:lt2>
-        <a:srgbClr val="F3F3F3"/>
-      </a:lt2>
-      <a:accent1>
-        <a:srgbClr val="058DC7"/>
-      </a:accent1>
-      <a:accent2>
-        <a:srgbClr val="50B432"/>
-      </a:accent2>
-      <a:accent3>
-        <a:srgbClr val="ED561B"/>
-      </a:accent3>
-      <a:accent4>
-        <a:srgbClr val="EDEF00"/>
-      </a:accent4>
-      <a:accent5>
-        <a:srgbClr val="24CBE5"/>
-      </a:accent5>
-      <a:accent6>
-        <a:srgbClr val="64E572"/>
-      </a:accent6>
-      <a:hlink>
-        <a:srgbClr val="2200CC"/>
-      </a:hlink>
-      <a:folHlink>
-        <a:srgbClr val="551A8B"/>
       </a:folHlink>
     </a:clrScheme>
     <a:fontScheme name="Office">
